--- a/VSCintro-demo-slurm.pptx
+++ b/VSCintro-demo-slurm.pptx
@@ -6459,7 +6459,7 @@
                 </a:solidFill>
                 <a:ea typeface="新細明體" panose="02020500000000000000" pitchFamily="18" charset="-120"/>
               </a:rPr>
-              <a:t>lp_hpcinfo_training</a:t>
+              <a:t>lp_hpcinfo</a:t>
             </a:r>
             <a:r>
               <a:rPr lang="en-US" altLang="zh-TW" sz="2000" dirty="0" smtClean="0">
@@ -10852,7 +10852,7 @@
                 <a:hlinkClick r:id="rId2">
                   <a:extLst>
                     <a:ext uri="{A12FA001-AC4F-418D-AE19-62706E023703}">
-                      <ahyp:hlinkClr xmlns:ahyp="http://schemas.microsoft.com/office/drawing/2018/hyperlinkcolor" xmlns="" val="tx"/>
+                      <ahyp:hlinkClr xmlns="" xmlns:ahyp="http://schemas.microsoft.com/office/drawing/2018/hyperlinkcolor" val="tx"/>
                     </a:ext>
                   </a:extLst>
                 </a:hlinkClick>
@@ -10879,7 +10879,7 @@
                 <a:hlinkClick r:id="rId3">
                   <a:extLst>
                     <a:ext uri="{A12FA001-AC4F-418D-AE19-62706E023703}">
-                      <ahyp:hlinkClr xmlns:ahyp="http://schemas.microsoft.com/office/drawing/2018/hyperlinkcolor" xmlns="" val="tx"/>
+                      <ahyp:hlinkClr xmlns="" xmlns:ahyp="http://schemas.microsoft.com/office/drawing/2018/hyperlinkcolor" val="tx"/>
                     </a:ext>
                   </a:extLst>
                 </a:hlinkClick>
@@ -10915,7 +10915,7 @@
                 <a:hlinkClick r:id="rId4">
                   <a:extLst>
                     <a:ext uri="{A12FA001-AC4F-418D-AE19-62706E023703}">
-                      <ahyp:hlinkClr xmlns:ahyp="http://schemas.microsoft.com/office/drawing/2018/hyperlinkcolor" xmlns="" val="tx"/>
+                      <ahyp:hlinkClr xmlns="" xmlns:ahyp="http://schemas.microsoft.com/office/drawing/2018/hyperlinkcolor" val="tx"/>
                     </a:ext>
                   </a:extLst>
                 </a:hlinkClick>
@@ -10978,7 +10978,7 @@
                 <a:hlinkClick r:id="rId5">
                   <a:extLst>
                     <a:ext uri="{A12FA001-AC4F-418D-AE19-62706E023703}">
-                      <ahyp:hlinkClr xmlns:ahyp="http://schemas.microsoft.com/office/drawing/2018/hyperlinkcolor" xmlns="" val="tx"/>
+                      <ahyp:hlinkClr xmlns="" xmlns:ahyp="http://schemas.microsoft.com/office/drawing/2018/hyperlinkcolor" val="tx"/>
                     </a:ext>
                   </a:extLst>
                 </a:hlinkClick>
@@ -12035,6 +12035,64 @@
 </file>
 
 <file path=customXml/item1.xml><?xml version="1.0" encoding="utf-8"?>
+<?mso-contentType ?>
+<spe:Receivers xmlns:spe="http://schemas.microsoft.com/sharepoint/events">
+  <Receiver>
+    <Name>Document ID Generator</Name>
+    <Synchronization>Synchronous</Synchronization>
+    <Type>10001</Type>
+    <SequenceNumber>1000</SequenceNumber>
+    <Assembly>Microsoft.Office.DocumentManagement, Version=14.0.0.0, Culture=neutral, PublicKeyToken=71e9bce111e9429c</Assembly>
+    <Class>Microsoft.Office.DocumentManagement.Internal.DocIdHandler</Class>
+    <Data/>
+    <Filter/>
+  </Receiver>
+  <Receiver>
+    <Name>Document ID Generator</Name>
+    <Synchronization>Synchronous</Synchronization>
+    <Type>10002</Type>
+    <SequenceNumber>1001</SequenceNumber>
+    <Assembly>Microsoft.Office.DocumentManagement, Version=14.0.0.0, Culture=neutral, PublicKeyToken=71e9bce111e9429c</Assembly>
+    <Class>Microsoft.Office.DocumentManagement.Internal.DocIdHandler</Class>
+    <Data/>
+    <Filter/>
+  </Receiver>
+  <Receiver>
+    <Name>Document ID Generator</Name>
+    <Synchronization>Synchronous</Synchronization>
+    <Type>10004</Type>
+    <SequenceNumber>1002</SequenceNumber>
+    <Assembly>Microsoft.Office.DocumentManagement, Version=14.0.0.0, Culture=neutral, PublicKeyToken=71e9bce111e9429c</Assembly>
+    <Class>Microsoft.Office.DocumentManagement.Internal.DocIdHandler</Class>
+    <Data/>
+    <Filter/>
+  </Receiver>
+  <Receiver>
+    <Name>Document ID Generator</Name>
+    <Synchronization>Synchronous</Synchronization>
+    <Type>10006</Type>
+    <SequenceNumber>1003</SequenceNumber>
+    <Assembly>Microsoft.Office.DocumentManagement, Version=14.0.0.0, Culture=neutral, PublicKeyToken=71e9bce111e9429c</Assembly>
+    <Class>Microsoft.Office.DocumentManagement.Internal.DocIdHandler</Class>
+    <Data/>
+    <Filter/>
+  </Receiver>
+</spe:Receivers>
+</file>
+
+<file path=customXml/item2.xml><?xml version="1.0" encoding="utf-8"?>
+<p:properties xmlns:p="http://schemas.microsoft.com/office/2006/metadata/properties" xmlns:xsi="http://www.w3.org/2001/XMLSchema-instance" xmlns:pc="http://schemas.microsoft.com/office/infopath/2007/PartnerControls">
+  <documentManagement>
+    <_dlc_DocId xmlns="aff7d12c-bb71-4270-bd29-9c4d45ff3327">346bfafb-41a4-4705-9274-1725a8a4651c</_dlc_DocId>
+    <_dlc_DocIdUrl xmlns="aff7d12c-bb71-4270-bd29-9c4d45ff3327">
+      <Url>https://www.groupware.kuleuven.be/sites/hpc/_layouts/15/DocIdRedir.aspx?ID=346bfafb-41a4-4705-9274-1725a8a4651c</Url>
+      <Description>346bfafb-41a4-4705-9274-1725a8a4651c</Description>
+    </_dlc_DocIdUrl>
+  </documentManagement>
+</p:properties>
+</file>
+
+<file path=customXml/item3.xml><?xml version="1.0" encoding="utf-8"?>
 <ct:contentTypeSchema xmlns:ct="http://schemas.microsoft.com/office/2006/metadata/contentType" xmlns:ma="http://schemas.microsoft.com/office/2006/metadata/properties/metaAttributes" ct:_="" ma:_="" ma:contentTypeName="Document" ma:contentTypeID="0x010100317C36A1CAF973428CFB8DC9B5B73D030400A741C9874CC89F4CB7C7A5AE62CBCD36" ma:contentTypeVersion="2" ma:contentTypeDescription="" ma:contentTypeScope="" ma:versionID="2a5b37c1a06f9995b1548b8fc9b10188">
   <xsd:schema xmlns:xsd="http://www.w3.org/2001/XMLSchema" xmlns:xs="http://www.w3.org/2001/XMLSchema" xmlns:p="http://schemas.microsoft.com/office/2006/metadata/properties" xmlns:ns2="aff7d12c-bb71-4270-bd29-9c4d45ff3327" targetNamespace="http://schemas.microsoft.com/office/2006/metadata/properties" ma:root="true" ma:fieldsID="535495b15c0addd8af32a03863086e70" ns2:_="">
     <xsd:import namespace="aff7d12c-bb71-4270-bd29-9c4d45ff3327"/>
@@ -12179,65 +12237,16 @@
 </ct:contentTypeSchema>
 </file>
 
-<file path=customXml/item2.xml><?xml version="1.0" encoding="utf-8"?>
-<p:properties xmlns:p="http://schemas.microsoft.com/office/2006/metadata/properties" xmlns:xsi="http://www.w3.org/2001/XMLSchema-instance" xmlns:pc="http://schemas.microsoft.com/office/infopath/2007/PartnerControls">
-  <documentManagement>
-    <_dlc_DocId xmlns="aff7d12c-bb71-4270-bd29-9c4d45ff3327">346bfafb-41a4-4705-9274-1725a8a4651c</_dlc_DocId>
-    <_dlc_DocIdUrl xmlns="aff7d12c-bb71-4270-bd29-9c4d45ff3327">
-      <Url>https://www.groupware.kuleuven.be/sites/hpc/_layouts/15/DocIdRedir.aspx?ID=346bfafb-41a4-4705-9274-1725a8a4651c</Url>
-      <Description>346bfafb-41a4-4705-9274-1725a8a4651c</Description>
-    </_dlc_DocIdUrl>
-  </documentManagement>
-</p:properties>
+<file path=customXml/item4.xml><?xml version="1.0" encoding="utf-8"?>
+<?mso-contentType ?>
+<FormTemplates xmlns="http://schemas.microsoft.com/sharepoint/v3/contenttype/forms">
+  <Display>DocumentLibraryForm</Display>
+  <Edit>DocumentLibraryForm</Edit>
+  <New>DocumentLibraryForm</New>
+</FormTemplates>
 </file>
 
-<file path=customXml/item3.xml><?xml version="1.0" encoding="utf-8"?>
-<?mso-contentType ?>
-<spe:Receivers xmlns:spe="http://schemas.microsoft.com/sharepoint/events">
-  <Receiver>
-    <Name>Document ID Generator</Name>
-    <Synchronization>Synchronous</Synchronization>
-    <Type>10001</Type>
-    <SequenceNumber>1000</SequenceNumber>
-    <Assembly>Microsoft.Office.DocumentManagement, Version=14.0.0.0, Culture=neutral, PublicKeyToken=71e9bce111e9429c</Assembly>
-    <Class>Microsoft.Office.DocumentManagement.Internal.DocIdHandler</Class>
-    <Data/>
-    <Filter/>
-  </Receiver>
-  <Receiver>
-    <Name>Document ID Generator</Name>
-    <Synchronization>Synchronous</Synchronization>
-    <Type>10002</Type>
-    <SequenceNumber>1001</SequenceNumber>
-    <Assembly>Microsoft.Office.DocumentManagement, Version=14.0.0.0, Culture=neutral, PublicKeyToken=71e9bce111e9429c</Assembly>
-    <Class>Microsoft.Office.DocumentManagement.Internal.DocIdHandler</Class>
-    <Data/>
-    <Filter/>
-  </Receiver>
-  <Receiver>
-    <Name>Document ID Generator</Name>
-    <Synchronization>Synchronous</Synchronization>
-    <Type>10004</Type>
-    <SequenceNumber>1002</SequenceNumber>
-    <Assembly>Microsoft.Office.DocumentManagement, Version=14.0.0.0, Culture=neutral, PublicKeyToken=71e9bce111e9429c</Assembly>
-    <Class>Microsoft.Office.DocumentManagement.Internal.DocIdHandler</Class>
-    <Data/>
-    <Filter/>
-  </Receiver>
-  <Receiver>
-    <Name>Document ID Generator</Name>
-    <Synchronization>Synchronous</Synchronization>
-    <Type>10006</Type>
-    <SequenceNumber>1003</SequenceNumber>
-    <Assembly>Microsoft.Office.DocumentManagement, Version=14.0.0.0, Culture=neutral, PublicKeyToken=71e9bce111e9429c</Assembly>
-    <Class>Microsoft.Office.DocumentManagement.Internal.DocIdHandler</Class>
-    <Data/>
-    <Filter/>
-  </Receiver>
-</spe:Receivers>
-</file>
-
-<file path=customXml/item4.xml><?xml version="1.0" encoding="utf-8"?>
+<file path=customXml/item5.xml><?xml version="1.0" encoding="utf-8"?>
 <?mso-contentType ?>
 <customXsn xmlns="http://schemas.microsoft.com/office/2006/metadata/customXsn">
   <xsnLocation/>
@@ -12247,29 +12256,10 @@
 </customXsn>
 </file>
 
-<file path=customXml/item5.xml><?xml version="1.0" encoding="utf-8"?>
-<?mso-contentType ?>
-<FormTemplates xmlns="http://schemas.microsoft.com/sharepoint/v3/contenttype/forms">
-  <Display>DocumentLibraryForm</Display>
-  <Edit>DocumentLibraryForm</Edit>
-  <New>DocumentLibraryForm</New>
-</FormTemplates>
-</file>
-
 <file path=customXml/itemProps1.xml><?xml version="1.0" encoding="utf-8"?>
-<ds:datastoreItem xmlns:ds="http://schemas.openxmlformats.org/officeDocument/2006/customXml" ds:itemID="{5D5B35C9-35F5-4278-990B-48710415D639}">
+<ds:datastoreItem xmlns:ds="http://schemas.openxmlformats.org/officeDocument/2006/customXml" ds:itemID="{7732E273-8A47-4E01-AC36-8FF8A6317757}">
   <ds:schemaRefs>
-    <ds:schemaRef ds:uri="http://schemas.microsoft.com/office/2006/metadata/contentType"/>
-    <ds:schemaRef ds:uri="http://schemas.microsoft.com/office/2006/metadata/properties/metaAttributes"/>
-    <ds:schemaRef ds:uri="http://www.w3.org/2001/XMLSchema"/>
-    <ds:schemaRef ds:uri="http://schemas.microsoft.com/office/2006/metadata/properties"/>
-    <ds:schemaRef ds:uri="aff7d12c-bb71-4270-bd29-9c4d45ff3327"/>
-    <ds:schemaRef ds:uri="http://schemas.microsoft.com/office/2006/documentManagement/types"/>
-    <ds:schemaRef ds:uri="http://schemas.microsoft.com/office/infopath/2007/PartnerControls"/>
-    <ds:schemaRef ds:uri="http://schemas.openxmlformats.org/package/2006/metadata/core-properties"/>
-    <ds:schemaRef ds:uri="http://purl.org/dc/elements/1.1/"/>
-    <ds:schemaRef ds:uri="http://purl.org/dc/terms/"/>
-    <ds:schemaRef ds:uri="http://schemas.microsoft.com/internal/obd"/>
+    <ds:schemaRef ds:uri="http://schemas.microsoft.com/sharepoint/events"/>
   </ds:schemaRefs>
 </ds:datastoreItem>
 </file>
@@ -12291,25 +12281,35 @@
 </file>
 
 <file path=customXml/itemProps3.xml><?xml version="1.0" encoding="utf-8"?>
-<ds:datastoreItem xmlns:ds="http://schemas.openxmlformats.org/officeDocument/2006/customXml" ds:itemID="{7732E273-8A47-4E01-AC36-8FF8A6317757}">
+<ds:datastoreItem xmlns:ds="http://schemas.openxmlformats.org/officeDocument/2006/customXml" ds:itemID="{5D5B35C9-35F5-4278-990B-48710415D639}">
   <ds:schemaRefs>
-    <ds:schemaRef ds:uri="http://schemas.microsoft.com/sharepoint/events"/>
+    <ds:schemaRef ds:uri="http://schemas.microsoft.com/office/2006/metadata/contentType"/>
+    <ds:schemaRef ds:uri="http://schemas.microsoft.com/office/2006/metadata/properties/metaAttributes"/>
+    <ds:schemaRef ds:uri="http://www.w3.org/2001/XMLSchema"/>
+    <ds:schemaRef ds:uri="http://schemas.microsoft.com/office/2006/metadata/properties"/>
+    <ds:schemaRef ds:uri="aff7d12c-bb71-4270-bd29-9c4d45ff3327"/>
+    <ds:schemaRef ds:uri="http://schemas.microsoft.com/office/2006/documentManagement/types"/>
+    <ds:schemaRef ds:uri="http://schemas.microsoft.com/office/infopath/2007/PartnerControls"/>
+    <ds:schemaRef ds:uri="http://schemas.openxmlformats.org/package/2006/metadata/core-properties"/>
+    <ds:schemaRef ds:uri="http://purl.org/dc/elements/1.1/"/>
+    <ds:schemaRef ds:uri="http://purl.org/dc/terms/"/>
+    <ds:schemaRef ds:uri="http://schemas.microsoft.com/internal/obd"/>
   </ds:schemaRefs>
 </ds:datastoreItem>
 </file>
 
 <file path=customXml/itemProps4.xml><?xml version="1.0" encoding="utf-8"?>
+<ds:datastoreItem xmlns:ds="http://schemas.openxmlformats.org/officeDocument/2006/customXml" ds:itemID="{564EE3F2-D13D-4835-816B-74B5A421851B}">
+  <ds:schemaRefs>
+    <ds:schemaRef ds:uri="http://schemas.microsoft.com/sharepoint/v3/contenttype/forms"/>
+  </ds:schemaRefs>
+</ds:datastoreItem>
+</file>
+
+<file path=customXml/itemProps5.xml><?xml version="1.0" encoding="utf-8"?>
 <ds:datastoreItem xmlns:ds="http://schemas.openxmlformats.org/officeDocument/2006/customXml" ds:itemID="{F0EF99C1-AFFA-4072-A3F6-6A9C90E28E63}">
   <ds:schemaRefs>
     <ds:schemaRef ds:uri="http://schemas.microsoft.com/office/2006/metadata/customXsn"/>
   </ds:schemaRefs>
 </ds:datastoreItem>
-</file>
-
-<file path=customXml/itemProps5.xml><?xml version="1.0" encoding="utf-8"?>
-<ds:datastoreItem xmlns:ds="http://schemas.openxmlformats.org/officeDocument/2006/customXml" ds:itemID="{564EE3F2-D13D-4835-816B-74B5A421851B}">
-  <ds:schemaRefs>
-    <ds:schemaRef ds:uri="http://schemas.microsoft.com/sharepoint/v3/contenttype/forms"/>
-  </ds:schemaRefs>
-</ds:datastoreItem>
 </file>
--- a/VSCintro-demo-slurm.pptx
+++ b/VSCintro-demo-slurm.pptx
@@ -809,7 +809,7 @@
           <a:bodyPr/>
           <a:lstStyle/>
           <a:p>
-            <a:endParaRPr lang="nl-BE" baseline="0" dirty="0" smtClean="0">
+            <a:endParaRPr lang="nl-BE" baseline="0" dirty="0">
               <a:sym typeface="Wingdings" panose="05000000000000000000" pitchFamily="2" charset="2"/>
             </a:endParaRPr>
           </a:p>
@@ -895,7 +895,7 @@
           <a:bodyPr/>
           <a:lstStyle/>
           <a:p>
-            <a:endParaRPr lang="nl-BE" dirty="0" smtClean="0"/>
+            <a:endParaRPr lang="nl-BE" dirty="0"/>
           </a:p>
         </p:txBody>
       </p:sp>
@@ -6350,13 +6350,6 @@
   <p:clrMapOvr>
     <a:masterClrMapping/>
   </p:clrMapOvr>
-  <p:timing>
-    <p:tnLst>
-      <p:par>
-        <p:cTn id="1" dur="indefinite" restart="never" nodeType="tmRoot"/>
-      </p:par>
-    </p:tnLst>
-  </p:timing>
 </p:sld>
 </file>
 
@@ -6435,13 +6428,22 @@
               </a:buBlip>
             </a:pPr>
             <a:r>
-              <a:rPr lang="en-US" altLang="zh-TW" sz="2000" dirty="0" smtClean="0">
+              <a:rPr lang="en-US" altLang="zh-TW" sz="2000" dirty="0">
                 <a:solidFill>
                   <a:srgbClr val="4E5865"/>
                 </a:solidFill>
                 <a:ea typeface="新細明體" panose="02020500000000000000" pitchFamily="18" charset="-120"/>
               </a:rPr>
-              <a:t>Request </a:t>
+              <a:t>Request membership to </a:t>
+            </a:r>
+            <a:r>
+              <a:rPr lang="en-US" altLang="zh-TW" sz="2000" dirty="0" err="1">
+                <a:solidFill>
+                  <a:srgbClr val="4E5865"/>
+                </a:solidFill>
+                <a:ea typeface="新細明體" panose="02020500000000000000" pitchFamily="18" charset="-120"/>
+              </a:rPr>
+              <a:t>lp_hpcinfo</a:t>
             </a:r>
             <a:r>
               <a:rPr lang="en-US" altLang="zh-TW" sz="2000" dirty="0">
@@ -6450,43 +6452,7 @@
                 </a:solidFill>
                 <a:ea typeface="新細明體" panose="02020500000000000000" pitchFamily="18" charset="-120"/>
               </a:rPr>
-              <a:t>membership to </a:t>
-            </a:r>
-            <a:r>
-              <a:rPr lang="en-US" altLang="zh-TW" sz="2000" dirty="0" err="1" smtClean="0">
-                <a:solidFill>
-                  <a:srgbClr val="4E5865"/>
-                </a:solidFill>
-                <a:ea typeface="新細明體" panose="02020500000000000000" pitchFamily="18" charset="-120"/>
-              </a:rPr>
-              <a:t>lp_hpcinfo</a:t>
-            </a:r>
-            <a:r>
-              <a:rPr lang="en-US" altLang="zh-TW" sz="2000" dirty="0" smtClean="0">
-                <a:solidFill>
-                  <a:srgbClr val="4E5865"/>
-                </a:solidFill>
-                <a:ea typeface="新細明體" panose="02020500000000000000" pitchFamily="18" charset="-120"/>
-              </a:rPr>
-              <a:t> </a:t>
-            </a:r>
-            <a:r>
-              <a:rPr lang="en-US" altLang="zh-TW" sz="2000" dirty="0">
-                <a:solidFill>
-                  <a:srgbClr val="4E5865"/>
-                </a:solidFill>
-                <a:ea typeface="新細明體" panose="02020500000000000000" pitchFamily="18" charset="-120"/>
-              </a:rPr>
-              <a:t>group (</a:t>
-            </a:r>
-            <a:r>
-              <a:rPr lang="en-US" altLang="zh-TW" sz="2000" dirty="0" smtClean="0">
-                <a:solidFill>
-                  <a:srgbClr val="4E5865"/>
-                </a:solidFill>
-                <a:ea typeface="新細明體" panose="02020500000000000000" pitchFamily="18" charset="-120"/>
-              </a:rPr>
-              <a:t>account.vscentrum.be)</a:t>
+              <a:t> group (account.vscentrum.be)</a:t>
             </a:r>
           </a:p>
           <a:p>
@@ -6496,31 +6462,13 @@
               </a:buBlip>
             </a:pPr>
             <a:r>
-              <a:rPr lang="en-US" altLang="zh-TW" sz="2000" dirty="0" smtClean="0">
+              <a:rPr lang="en-US" altLang="zh-TW" sz="2000" dirty="0">
                 <a:solidFill>
                   <a:srgbClr val="4E5865"/>
                 </a:solidFill>
                 <a:ea typeface="新細明體" panose="02020500000000000000" pitchFamily="18" charset="-120"/>
               </a:rPr>
-              <a:t>Login </a:t>
-            </a:r>
-            <a:r>
-              <a:rPr lang="en-US" altLang="zh-TW" sz="2000" dirty="0">
-                <a:solidFill>
-                  <a:srgbClr val="4E5865"/>
-                </a:solidFill>
-                <a:ea typeface="新細明體" panose="02020500000000000000" pitchFamily="18" charset="-120"/>
-              </a:rPr>
-              <a:t>with </a:t>
-            </a:r>
-            <a:r>
-              <a:rPr lang="en-US" altLang="zh-TW" sz="2000" dirty="0" smtClean="0">
-                <a:solidFill>
-                  <a:srgbClr val="4E5865"/>
-                </a:solidFill>
-                <a:ea typeface="新細明體" panose="02020500000000000000" pitchFamily="18" charset="-120"/>
-              </a:rPr>
-              <a:t>putty</a:t>
+              <a:t>Login with putty</a:t>
             </a:r>
           </a:p>
           <a:p>
@@ -6530,7 +6478,7 @@
               </a:buBlip>
             </a:pPr>
             <a:r>
-              <a:rPr lang="en-US" altLang="zh-TW" sz="2000" dirty="0" err="1" smtClean="0">
+              <a:rPr lang="en-US" altLang="zh-TW" sz="2000" dirty="0" err="1">
                 <a:solidFill>
                   <a:srgbClr val="4E5865"/>
                 </a:solidFill>
@@ -6539,25 +6487,16 @@
               <a:t>Filetransfer</a:t>
             </a:r>
             <a:r>
-              <a:rPr lang="en-US" altLang="zh-TW" sz="2000" dirty="0" smtClean="0">
+              <a:rPr lang="en-US" altLang="zh-TW" sz="2000" dirty="0">
                 <a:solidFill>
                   <a:srgbClr val="4E5865"/>
                 </a:solidFill>
                 <a:ea typeface="新細明體" panose="02020500000000000000" pitchFamily="18" charset="-120"/>
               </a:rPr>
-              <a:t> </a:t>
-            </a:r>
-            <a:r>
-              <a:rPr lang="en-US" altLang="zh-TW" sz="2000" dirty="0">
-                <a:solidFill>
-                  <a:srgbClr val="4E5865"/>
-                </a:solidFill>
-                <a:ea typeface="新細明體" panose="02020500000000000000" pitchFamily="18" charset="-120"/>
-              </a:rPr>
-              <a:t>with </a:t>
-            </a:r>
-            <a:r>
-              <a:rPr lang="en-US" altLang="zh-TW" sz="2000" dirty="0" err="1" smtClean="0">
+              <a:t> with </a:t>
+            </a:r>
+            <a:r>
+              <a:rPr lang="en-US" altLang="zh-TW" sz="2000" dirty="0" err="1">
                 <a:solidFill>
                   <a:srgbClr val="4E5865"/>
                 </a:solidFill>
@@ -6579,31 +6518,13 @@
               </a:buBlip>
             </a:pPr>
             <a:r>
-              <a:rPr lang="en-US" altLang="zh-TW" sz="2000" dirty="0" smtClean="0">
+              <a:rPr lang="en-US" altLang="zh-TW" sz="2000" dirty="0">
                 <a:solidFill>
                   <a:srgbClr val="4E5865"/>
                 </a:solidFill>
                 <a:ea typeface="新細明體" panose="02020500000000000000" pitchFamily="18" charset="-120"/>
               </a:rPr>
-              <a:t>Login </a:t>
-            </a:r>
-            <a:r>
-              <a:rPr lang="en-US" altLang="zh-TW" sz="2000" dirty="0">
-                <a:solidFill>
-                  <a:srgbClr val="4E5865"/>
-                </a:solidFill>
-                <a:ea typeface="新細明體" panose="02020500000000000000" pitchFamily="18" charset="-120"/>
-              </a:rPr>
-              <a:t>with </a:t>
-            </a:r>
-            <a:r>
-              <a:rPr lang="en-US" altLang="zh-TW" sz="2000" dirty="0" smtClean="0">
-                <a:solidFill>
-                  <a:srgbClr val="4E5865"/>
-                </a:solidFill>
-                <a:ea typeface="新細明體" panose="02020500000000000000" pitchFamily="18" charset="-120"/>
-              </a:rPr>
-              <a:t>NX</a:t>
+              <a:t>Login with NX</a:t>
             </a:r>
           </a:p>
           <a:p>
@@ -6613,31 +6534,13 @@
               </a:buBlip>
             </a:pPr>
             <a:r>
-              <a:rPr lang="en-US" altLang="zh-TW" sz="2000" dirty="0" smtClean="0">
+              <a:rPr lang="en-US" altLang="zh-TW" sz="2000" dirty="0">
                 <a:solidFill>
                   <a:srgbClr val="4E5865"/>
                 </a:solidFill>
                 <a:ea typeface="新細明體" panose="02020500000000000000" pitchFamily="18" charset="-120"/>
               </a:rPr>
-              <a:t>Check </a:t>
-            </a:r>
-            <a:r>
-              <a:rPr lang="en-US" altLang="zh-TW" sz="2000" dirty="0">
-                <a:solidFill>
-                  <a:srgbClr val="4E5865"/>
-                </a:solidFill>
-                <a:ea typeface="新細明體" panose="02020500000000000000" pitchFamily="18" charset="-120"/>
-              </a:rPr>
-              <a:t>disk </a:t>
-            </a:r>
-            <a:r>
-              <a:rPr lang="en-US" altLang="zh-TW" sz="2000" dirty="0" smtClean="0">
-                <a:solidFill>
-                  <a:srgbClr val="4E5865"/>
-                </a:solidFill>
-                <a:ea typeface="新細明體" panose="02020500000000000000" pitchFamily="18" charset="-120"/>
-              </a:rPr>
-              <a:t>quota</a:t>
+              <a:t>Check disk quota</a:t>
             </a:r>
           </a:p>
           <a:p>
@@ -6647,31 +6550,13 @@
               </a:buBlip>
             </a:pPr>
             <a:r>
-              <a:rPr lang="en-US" altLang="zh-TW" sz="2000" dirty="0" smtClean="0">
+              <a:rPr lang="en-US" altLang="zh-TW" sz="2000" dirty="0">
                 <a:solidFill>
                   <a:srgbClr val="4E5865"/>
                 </a:solidFill>
                 <a:ea typeface="新細明體" panose="02020500000000000000" pitchFamily="18" charset="-120"/>
               </a:rPr>
-              <a:t>Check </a:t>
-            </a:r>
-            <a:r>
-              <a:rPr lang="en-US" altLang="zh-TW" sz="2000" dirty="0">
-                <a:solidFill>
-                  <a:srgbClr val="4E5865"/>
-                </a:solidFill>
-                <a:ea typeface="新細明體" panose="02020500000000000000" pitchFamily="18" charset="-120"/>
-              </a:rPr>
-              <a:t>the </a:t>
-            </a:r>
-            <a:r>
-              <a:rPr lang="en-US" altLang="zh-TW" sz="2000" dirty="0" smtClean="0">
-                <a:solidFill>
-                  <a:srgbClr val="4E5865"/>
-                </a:solidFill>
-                <a:ea typeface="新細明體" panose="02020500000000000000" pitchFamily="18" charset="-120"/>
-              </a:rPr>
-              <a:t>credits</a:t>
+              <a:t>Check the credits</a:t>
             </a:r>
           </a:p>
           <a:p>
@@ -6681,7 +6566,7 @@
               </a:buBlip>
             </a:pPr>
             <a:r>
-              <a:rPr lang="en-US" altLang="zh-TW" sz="2000" dirty="0" smtClean="0">
+              <a:rPr lang="en-US" altLang="zh-TW" sz="2000" dirty="0">
                 <a:solidFill>
                   <a:srgbClr val="4E5865"/>
                 </a:solidFill>
@@ -6689,12 +6574,6 @@
               </a:rPr>
               <a:t>Check/load/list/unload/purge module</a:t>
             </a:r>
-            <a:endParaRPr lang="en-US" altLang="zh-TW" sz="2000" dirty="0">
-              <a:solidFill>
-                <a:srgbClr val="4E5865"/>
-              </a:solidFill>
-              <a:ea typeface="新細明體" panose="02020500000000000000" pitchFamily="18" charset="-120"/>
-            </a:endParaRPr>
           </a:p>
           <a:p>
             <a:endParaRPr lang="nl-BE" sz="2400" dirty="0">
@@ -6749,13 +6628,6 @@
   <p:clrMapOvr>
     <a:masterClrMapping/>
   </p:clrMapOvr>
-  <p:timing>
-    <p:tnLst>
-      <p:par>
-        <p:cTn id="1" dur="indefinite" restart="never" nodeType="tmRoot"/>
-      </p:par>
-    </p:tnLst>
-  </p:timing>
 </p:sld>
 </file>
 
@@ -6840,19 +6712,10 @@
                 </a:solidFill>
                 <a:ea typeface="新細明體" panose="02020500000000000000" pitchFamily="18" charset="-120"/>
               </a:rPr>
-              <a:t>Copy intro training </a:t>
-            </a:r>
-            <a:r>
-              <a:rPr lang="en-US" altLang="zh-TW" sz="2400" dirty="0" smtClean="0">
-                <a:solidFill>
-                  <a:srgbClr val="4E5865"/>
-                </a:solidFill>
-                <a:ea typeface="新細明體" panose="02020500000000000000" pitchFamily="18" charset="-120"/>
-              </a:rPr>
-              <a:t>files </a:t>
-            </a:r>
-            <a:r>
-              <a:rPr lang="en-US" altLang="zh-TW" sz="2000" dirty="0" smtClean="0">
+              <a:t>Copy intro training files </a:t>
+            </a:r>
+            <a:r>
+              <a:rPr lang="en-US" altLang="zh-TW" sz="2000" dirty="0">
                 <a:solidFill>
                   <a:srgbClr val="4E5865"/>
                 </a:solidFill>
@@ -6863,7 +6726,7 @@
               <a:t>/apps/</a:t>
             </a:r>
             <a:r>
-              <a:rPr lang="en-US" altLang="zh-TW" sz="2000" dirty="0" err="1" smtClean="0">
+              <a:rPr lang="en-US" altLang="zh-TW" sz="2000" dirty="0" err="1">
                 <a:solidFill>
                   <a:srgbClr val="4E5865"/>
                 </a:solidFill>
@@ -6874,7 +6737,7 @@
               <a:t>leuven</a:t>
             </a:r>
             <a:r>
-              <a:rPr lang="en-US" altLang="zh-TW" sz="2000" dirty="0" smtClean="0">
+              <a:rPr lang="en-US" altLang="zh-TW" sz="2000" dirty="0">
                 <a:solidFill>
                   <a:srgbClr val="4E5865"/>
                 </a:solidFill>
@@ -6885,7 +6748,7 @@
               <a:t>/training/</a:t>
             </a:r>
             <a:r>
-              <a:rPr lang="en-US" altLang="zh-TW" sz="2000" dirty="0" err="1" smtClean="0">
+              <a:rPr lang="en-US" altLang="zh-TW" sz="2000" dirty="0" err="1">
                 <a:solidFill>
                   <a:srgbClr val="4E5865"/>
                 </a:solidFill>
@@ -6896,7 +6759,7 @@
               <a:t>HPC_intro</a:t>
             </a:r>
             <a:r>
-              <a:rPr lang="en-US" altLang="zh-TW" sz="2000" dirty="0" smtClean="0">
+              <a:rPr lang="en-US" altLang="zh-TW" sz="2000" dirty="0">
                 <a:solidFill>
                   <a:srgbClr val="4E5865"/>
                 </a:solidFill>
@@ -6988,7 +6851,7 @@
               <a:t>List all your jobs </a:t>
             </a:r>
             <a:r>
-              <a:rPr lang="en-US" altLang="zh-TW" sz="2000" dirty="0" err="1" smtClean="0">
+              <a:rPr lang="en-US" altLang="zh-TW" sz="2000" dirty="0" err="1">
                 <a:solidFill>
                   <a:srgbClr val="4E5865"/>
                 </a:solidFill>
@@ -6999,7 +6862,7 @@
               <a:t>squeue</a:t>
             </a:r>
             <a:r>
-              <a:rPr lang="en-US" altLang="zh-TW" sz="2000" dirty="0" smtClean="0">
+              <a:rPr lang="en-US" altLang="zh-TW" sz="2000" dirty="0">
                 <a:solidFill>
                   <a:srgbClr val="4E5865"/>
                 </a:solidFill>
@@ -7010,7 +6873,7 @@
               <a:t> -M </a:t>
             </a:r>
             <a:r>
-              <a:rPr lang="en-US" altLang="zh-TW" sz="2000" dirty="0" err="1" smtClean="0">
+              <a:rPr lang="en-US" altLang="zh-TW" sz="2000" dirty="0" err="1">
                 <a:solidFill>
                   <a:srgbClr val="4E5865"/>
                 </a:solidFill>
@@ -7061,7 +6924,7 @@
               <a:t> </a:t>
             </a:r>
             <a:r>
-              <a:rPr lang="en-US" altLang="zh-TW" sz="2000" dirty="0" err="1" smtClean="0">
+              <a:rPr lang="en-US" altLang="zh-TW" sz="2000" dirty="0" err="1">
                 <a:solidFill>
                   <a:srgbClr val="4E5865"/>
                 </a:solidFill>
@@ -7072,7 +6935,7 @@
               <a:t>slurm_jobinfo</a:t>
             </a:r>
             <a:r>
-              <a:rPr lang="en-US" altLang="zh-TW" sz="2000" dirty="0" smtClean="0">
+              <a:rPr lang="en-US" altLang="zh-TW" sz="2000" dirty="0">
                 <a:solidFill>
                   <a:srgbClr val="4E5865"/>
                 </a:solidFill>
@@ -7083,7 +6946,7 @@
               <a:t> -M </a:t>
             </a:r>
             <a:r>
-              <a:rPr lang="en-US" altLang="zh-TW" sz="2000" dirty="0" err="1" smtClean="0">
+              <a:rPr lang="en-US" altLang="zh-TW" sz="2000" dirty="0" err="1">
                 <a:solidFill>
                   <a:srgbClr val="4E5865"/>
                 </a:solidFill>
@@ -7094,7 +6957,7 @@
               <a:t>wice</a:t>
             </a:r>
             <a:r>
-              <a:rPr lang="en-US" altLang="zh-TW" sz="2000" dirty="0" smtClean="0">
+              <a:rPr lang="en-US" altLang="zh-TW" sz="2000" dirty="0">
                 <a:solidFill>
                   <a:srgbClr val="4E5865"/>
                 </a:solidFill>
@@ -7105,7 +6968,7 @@
               <a:t> &lt;</a:t>
             </a:r>
             <a:r>
-              <a:rPr lang="en-US" altLang="zh-TW" sz="2000" dirty="0" err="1" smtClean="0">
+              <a:rPr lang="en-US" altLang="zh-TW" sz="2000" dirty="0" err="1">
                 <a:solidFill>
                   <a:srgbClr val="4E5865"/>
                 </a:solidFill>
@@ -7116,7 +6979,7 @@
               <a:t>job_ID</a:t>
             </a:r>
             <a:r>
-              <a:rPr lang="en-US" altLang="zh-TW" sz="2000" dirty="0" smtClean="0">
+              <a:rPr lang="en-US" altLang="zh-TW" sz="2000" dirty="0">
                 <a:solidFill>
                   <a:srgbClr val="4E5865"/>
                 </a:solidFill>
@@ -7155,7 +7018,7 @@
                 </a:solidFill>
                 <a:ea typeface="新細明體" panose="02020500000000000000" pitchFamily="18" charset="-120"/>
               </a:rPr>
-              <a:t>mat.pbs</a:t>
+              <a:t>mpi.slurm</a:t>
             </a:r>
             <a:r>
               <a:rPr lang="en-US" altLang="zh-TW" sz="2400" dirty="0">
@@ -7164,25 +7027,7 @@
                 </a:solidFill>
                 <a:ea typeface="新細明體" panose="02020500000000000000" pitchFamily="18" charset="-120"/>
               </a:rPr>
-              <a:t> script to request 1 node, </a:t>
-            </a:r>
-            <a:r>
-              <a:rPr lang="en-US" altLang="zh-TW" sz="2400" dirty="0" smtClean="0">
-                <a:solidFill>
-                  <a:srgbClr val="4E5865"/>
-                </a:solidFill>
-                <a:ea typeface="新細明體" panose="02020500000000000000" pitchFamily="18" charset="-120"/>
-              </a:rPr>
-              <a:t>72 </a:t>
-            </a:r>
-            <a:r>
-              <a:rPr lang="en-US" altLang="zh-TW" sz="2400" dirty="0">
-                <a:solidFill>
-                  <a:srgbClr val="4E5865"/>
-                </a:solidFill>
-                <a:ea typeface="新細明體" panose="02020500000000000000" pitchFamily="18" charset="-120"/>
-              </a:rPr>
-              <a:t>cores for 30 minutes and get the notification about job start/end by e-mail</a:t>
+              <a:t> script to request 1 node, 72 cores for 30 minutes and get the notification about job start/end by e-mail</a:t>
             </a:r>
           </a:p>
           <a:p>
@@ -7265,13 +7110,6 @@
   <p:clrMapOvr>
     <a:masterClrMapping/>
   </p:clrMapOvr>
-  <p:timing>
-    <p:tnLst>
-      <p:par>
-        <p:cTn id="1" dur="indefinite" restart="never" nodeType="tmRoot"/>
-      </p:par>
-    </p:tnLst>
-  </p:timing>
 </p:sld>
 </file>
 
@@ -7364,22 +7202,13 @@
               <a:buNone/>
             </a:pPr>
             <a:r>
-              <a:rPr lang="en-US" altLang="zh-TW" sz="2400" dirty="0" smtClean="0">
+              <a:rPr lang="en-US" altLang="zh-TW" sz="2400" dirty="0">
                 <a:solidFill>
                   <a:srgbClr val="4E5865"/>
                 </a:solidFill>
                 <a:ea typeface="新細明體" panose="02020500000000000000" pitchFamily="18" charset="-120"/>
               </a:rPr>
-              <a:t>	Run </a:t>
-            </a:r>
-            <a:r>
-              <a:rPr lang="en-US" altLang="zh-TW" sz="2400" dirty="0">
-                <a:solidFill>
-                  <a:srgbClr val="4E5865"/>
-                </a:solidFill>
-                <a:ea typeface="新細明體" panose="02020500000000000000" pitchFamily="18" charset="-120"/>
-              </a:rPr>
-              <a:t>your program on a compute node</a:t>
+              <a:t>	Run your program on a compute node</a:t>
             </a:r>
           </a:p>
           <a:p>
@@ -7387,22 +7216,13 @@
               <a:buNone/>
             </a:pPr>
             <a:r>
-              <a:rPr lang="en-US" altLang="zh-TW" sz="2400" dirty="0" smtClean="0">
+              <a:rPr lang="en-US" altLang="zh-TW" sz="2400" dirty="0">
                 <a:solidFill>
                   <a:srgbClr val="4E5865"/>
                 </a:solidFill>
                 <a:ea typeface="新細明體" panose="02020500000000000000" pitchFamily="18" charset="-120"/>
               </a:rPr>
-              <a:t>	Open </a:t>
-            </a:r>
-            <a:r>
-              <a:rPr lang="en-US" altLang="zh-TW" sz="2400" dirty="0">
-                <a:solidFill>
-                  <a:srgbClr val="4E5865"/>
-                </a:solidFill>
-                <a:ea typeface="新細明體" panose="02020500000000000000" pitchFamily="18" charset="-120"/>
-              </a:rPr>
-              <a:t>a new terminal and </a:t>
+              <a:t>	Open a new terminal and </a:t>
             </a:r>
             <a:r>
               <a:rPr lang="en-US" altLang="zh-TW" sz="2400" dirty="0" err="1">
@@ -7428,22 +7248,13 @@
               <a:buNone/>
             </a:pPr>
             <a:r>
-              <a:rPr lang="en-US" altLang="zh-TW" sz="2400" dirty="0" smtClean="0">
+              <a:rPr lang="en-US" altLang="zh-TW" sz="2400" dirty="0">
                 <a:solidFill>
                   <a:srgbClr val="4E5865"/>
                 </a:solidFill>
                 <a:ea typeface="新細明體" panose="02020500000000000000" pitchFamily="18" charset="-120"/>
               </a:rPr>
-              <a:t>	Check </a:t>
-            </a:r>
-            <a:r>
-              <a:rPr lang="en-US" altLang="zh-TW" sz="2400" dirty="0">
-                <a:solidFill>
-                  <a:srgbClr val="4E5865"/>
-                </a:solidFill>
-                <a:ea typeface="新細明體" panose="02020500000000000000" pitchFamily="18" charset="-120"/>
-              </a:rPr>
-              <a:t>the resources usage (</a:t>
+              <a:t>	Check the resources usage (</a:t>
             </a:r>
             <a:r>
               <a:rPr lang="en-US" altLang="zh-TW" sz="2400" dirty="0">
@@ -7457,7 +7268,7 @@
               <a:t>top</a:t>
             </a:r>
             <a:r>
-              <a:rPr lang="en-US" altLang="zh-TW" sz="2400" dirty="0" smtClean="0">
+              <a:rPr lang="en-US" altLang="zh-TW" sz="2400" dirty="0">
                 <a:solidFill>
                   <a:srgbClr val="4E5865"/>
                 </a:solidFill>
@@ -7484,22 +7295,13 @@
               </a:buBlip>
             </a:pPr>
             <a:r>
-              <a:rPr lang="en-US" altLang="zh-TW" sz="2400" dirty="0" smtClean="0">
+              <a:rPr lang="en-US" altLang="zh-TW" sz="2400" dirty="0">
                 <a:solidFill>
                   <a:srgbClr val="4E5865"/>
                 </a:solidFill>
                 <a:ea typeface="新細明體" panose="02020500000000000000" pitchFamily="18" charset="-120"/>
               </a:rPr>
-              <a:t>Submit </a:t>
-            </a:r>
-            <a:r>
-              <a:rPr lang="en-US" altLang="zh-TW" sz="2400" dirty="0">
-                <a:solidFill>
-                  <a:srgbClr val="4E5865"/>
-                </a:solidFill>
-                <a:ea typeface="新細明體" panose="02020500000000000000" pitchFamily="18" charset="-120"/>
-              </a:rPr>
-              <a:t>a batch GPU job </a:t>
+              <a:t>Submit a batch GPU job </a:t>
             </a:r>
           </a:p>
           <a:p>
@@ -7510,25 +7312,16 @@
               </a:tabLst>
             </a:pPr>
             <a:r>
-              <a:rPr lang="en-US" altLang="zh-TW" sz="2400" dirty="0" smtClean="0">
+              <a:rPr lang="en-US" altLang="zh-TW" sz="2400" dirty="0">
                 <a:solidFill>
                   <a:srgbClr val="4E5865"/>
                 </a:solidFill>
                 <a:ea typeface="新細明體" panose="02020500000000000000" pitchFamily="18" charset="-120"/>
               </a:rPr>
-              <a:t>	While </a:t>
-            </a:r>
-            <a:r>
-              <a:rPr lang="en-US" altLang="zh-TW" sz="2400" dirty="0">
-                <a:solidFill>
-                  <a:srgbClr val="4E5865"/>
-                </a:solidFill>
-                <a:ea typeface="新細明體" panose="02020500000000000000" pitchFamily="18" charset="-120"/>
-              </a:rPr>
-              <a:t>the job is running get the information about the node </a:t>
-            </a:r>
-            <a:r>
-              <a:rPr lang="en-US" altLang="zh-TW" dirty="0" err="1" smtClean="0">
+              <a:t>	While the job is running get the information about the node </a:t>
+            </a:r>
+            <a:r>
+              <a:rPr lang="en-US" altLang="zh-TW" dirty="0" err="1">
                 <a:solidFill>
                   <a:srgbClr val="4E5865"/>
                 </a:solidFill>
@@ -7539,7 +7332,7 @@
               <a:t>slurm_jobinfo</a:t>
             </a:r>
             <a:r>
-              <a:rPr lang="en-US" altLang="zh-TW" dirty="0" smtClean="0">
+              <a:rPr lang="en-US" altLang="zh-TW" dirty="0">
                 <a:solidFill>
                   <a:srgbClr val="4E5865"/>
                 </a:solidFill>
@@ -7549,7 +7342,7 @@
               </a:rPr>
               <a:t>...</a:t>
             </a:r>
-            <a:endParaRPr lang="en-US" altLang="zh-TW" dirty="0" smtClean="0">
+            <a:endParaRPr lang="en-US" altLang="zh-TW" dirty="0">
               <a:solidFill>
                 <a:srgbClr val="4E5865"/>
               </a:solidFill>
@@ -7570,28 +7363,10 @@
                 </a:solidFill>
                 <a:ea typeface="新細明體" panose="02020500000000000000" pitchFamily="18" charset="-120"/>
               </a:rPr>
-              <a:t>	</a:t>
-            </a:r>
-            <a:r>
-              <a:rPr lang="en-US" altLang="zh-TW" sz="2400" dirty="0" smtClean="0">
-                <a:solidFill>
-                  <a:srgbClr val="4E5865"/>
-                </a:solidFill>
-                <a:ea typeface="新細明體" panose="02020500000000000000" pitchFamily="18" charset="-120"/>
-              </a:rPr>
-              <a:t>and </a:t>
-            </a:r>
-            <a:r>
-              <a:rPr lang="en-US" altLang="zh-TW" sz="2400" dirty="0">
-                <a:solidFill>
-                  <a:srgbClr val="4E5865"/>
-                </a:solidFill>
-                <a:ea typeface="新細明體" panose="02020500000000000000" pitchFamily="18" charset="-120"/>
-              </a:rPr>
-              <a:t>check usage of resources on the node </a:t>
-            </a:r>
-            <a:r>
-              <a:rPr lang="en-US" altLang="zh-TW" dirty="0" err="1" smtClean="0">
+              <a:t>	and check usage of resources on the node </a:t>
+            </a:r>
+            <a:r>
+              <a:rPr lang="en-US" altLang="zh-TW" dirty="0" err="1">
                 <a:solidFill>
                   <a:srgbClr val="4E5865"/>
                 </a:solidFill>
@@ -7631,7 +7406,7 @@
               <a:t>, </a:t>
             </a:r>
             <a:r>
-              <a:rPr lang="en-US" altLang="zh-TW" dirty="0" err="1" smtClean="0">
+              <a:rPr lang="en-US" altLang="zh-TW" dirty="0" err="1">
                 <a:solidFill>
                   <a:srgbClr val="4E5865"/>
                 </a:solidFill>
@@ -7694,13 +7469,6 @@
   <p:clrMapOvr>
     <a:masterClrMapping/>
   </p:clrMapOvr>
-  <p:timing>
-    <p:tnLst>
-      <p:par>
-        <p:cTn id="1" dur="indefinite" restart="never" nodeType="tmRoot"/>
-      </p:par>
-    </p:tnLst>
-  </p:timing>
 </p:sld>
 </file>
 
@@ -8328,13 +8096,6 @@
   <p:clrMapOvr>
     <a:masterClrMapping/>
   </p:clrMapOvr>
-  <p:timing>
-    <p:tnLst>
-      <p:par>
-        <p:cTn id="1" dur="indefinite" restart="never" nodeType="tmRoot"/>
-      </p:par>
-    </p:tnLst>
-  </p:timing>
 </p:sld>
 </file>
 
@@ -8836,13 +8597,6 @@
   <p:clrMapOvr>
     <a:masterClrMapping/>
   </p:clrMapOvr>
-  <p:timing>
-    <p:tnLst>
-      <p:par>
-        <p:cTn id="1" dur="indefinite" restart="never" nodeType="tmRoot"/>
-      </p:par>
-    </p:tnLst>
-  </p:timing>
 </p:sld>
 </file>
 
@@ -9467,13 +9221,6 @@
   <p:clrMapOvr>
     <a:masterClrMapping/>
   </p:clrMapOvr>
-  <p:timing>
-    <p:tnLst>
-      <p:par>
-        <p:cTn id="1" dur="indefinite" restart="never" nodeType="tmRoot"/>
-      </p:par>
-    </p:tnLst>
-  </p:timing>
 </p:sld>
 </file>
 
@@ -9511,7 +9258,7 @@
         </p:nvGraphicFramePr>
         <p:xfrm>
           <a:off x="108155" y="81234"/>
-          <a:ext cx="12015019" cy="6040024"/>
+          <a:ext cx="12015019" cy="6022386"/>
         </p:xfrm>
         <a:graphic>
           <a:graphicData uri="http://schemas.openxmlformats.org/drawingml/2006/table">
@@ -10852,7 +10599,7 @@
                 <a:hlinkClick r:id="rId2">
                   <a:extLst>
                     <a:ext uri="{A12FA001-AC4F-418D-AE19-62706E023703}">
-                      <ahyp:hlinkClr xmlns="" xmlns:ahyp="http://schemas.microsoft.com/office/drawing/2018/hyperlinkcolor" val="tx"/>
+                      <ahyp:hlinkClr xmlns:ahyp="http://schemas.microsoft.com/office/drawing/2018/hyperlinkcolor" val="tx"/>
                     </a:ext>
                   </a:extLst>
                 </a:hlinkClick>
@@ -10879,7 +10626,7 @@
                 <a:hlinkClick r:id="rId3">
                   <a:extLst>
                     <a:ext uri="{A12FA001-AC4F-418D-AE19-62706E023703}">
-                      <ahyp:hlinkClr xmlns="" xmlns:ahyp="http://schemas.microsoft.com/office/drawing/2018/hyperlinkcolor" val="tx"/>
+                      <ahyp:hlinkClr xmlns:ahyp="http://schemas.microsoft.com/office/drawing/2018/hyperlinkcolor" val="tx"/>
                     </a:ext>
                   </a:extLst>
                 </a:hlinkClick>
@@ -10915,7 +10662,7 @@
                 <a:hlinkClick r:id="rId4">
                   <a:extLst>
                     <a:ext uri="{A12FA001-AC4F-418D-AE19-62706E023703}">
-                      <ahyp:hlinkClr xmlns="" xmlns:ahyp="http://schemas.microsoft.com/office/drawing/2018/hyperlinkcolor" val="tx"/>
+                      <ahyp:hlinkClr xmlns:ahyp="http://schemas.microsoft.com/office/drawing/2018/hyperlinkcolor" val="tx"/>
                     </a:ext>
                   </a:extLst>
                 </a:hlinkClick>
@@ -10944,10 +10691,6 @@
               </a:rPr>
               <a:t>https://docs.vscentrum.be/</a:t>
             </a:r>
-            <a:r>
-              <a:rPr lang="nl-BE" sz="2000" dirty="0"/>
-              <a:t/>
-            </a:r>
             <a:br>
               <a:rPr lang="nl-BE" sz="2000" dirty="0"/>
             </a:br>
@@ -10978,7 +10721,7 @@
                 <a:hlinkClick r:id="rId5">
                   <a:extLst>
                     <a:ext uri="{A12FA001-AC4F-418D-AE19-62706E023703}">
-                      <ahyp:hlinkClr xmlns="" xmlns:ahyp="http://schemas.microsoft.com/office/drawing/2018/hyperlinkcolor" val="tx"/>
+                      <ahyp:hlinkClr xmlns:ahyp="http://schemas.microsoft.com/office/drawing/2018/hyperlinkcolor" val="tx"/>
                     </a:ext>
                   </a:extLst>
                 </a:hlinkClick>
@@ -11040,13 +10783,6 @@
   <p:transition spd="slow">
     <p:cover/>
   </p:transition>
-  <p:timing>
-    <p:tnLst>
-      <p:par>
-        <p:cTn id="1" dur="indefinite" restart="never" nodeType="tmRoot"/>
-      </p:par>
-    </p:tnLst>
-  </p:timing>
 </p:sld>
 </file>
 
@@ -12081,18 +11817,25 @@
 </file>
 
 <file path=customXml/item2.xml><?xml version="1.0" encoding="utf-8"?>
-<p:properties xmlns:p="http://schemas.microsoft.com/office/2006/metadata/properties" xmlns:xsi="http://www.w3.org/2001/XMLSchema-instance" xmlns:pc="http://schemas.microsoft.com/office/infopath/2007/PartnerControls">
-  <documentManagement>
-    <_dlc_DocId xmlns="aff7d12c-bb71-4270-bd29-9c4d45ff3327">346bfafb-41a4-4705-9274-1725a8a4651c</_dlc_DocId>
-    <_dlc_DocIdUrl xmlns="aff7d12c-bb71-4270-bd29-9c4d45ff3327">
-      <Url>https://www.groupware.kuleuven.be/sites/hpc/_layouts/15/DocIdRedir.aspx?ID=346bfafb-41a4-4705-9274-1725a8a4651c</Url>
-      <Description>346bfafb-41a4-4705-9274-1725a8a4651c</Description>
-    </_dlc_DocIdUrl>
-  </documentManagement>
-</p:properties>
+<?mso-contentType ?>
+<customXsn xmlns="http://schemas.microsoft.com/office/2006/metadata/customXsn">
+  <xsnLocation/>
+  <cached>True</cached>
+  <openByDefault>True</openByDefault>
+  <xsnScope>/sites/hpc</xsnScope>
+</customXsn>
 </file>
 
 <file path=customXml/item3.xml><?xml version="1.0" encoding="utf-8"?>
+<?mso-contentType ?>
+<FormTemplates xmlns="http://schemas.microsoft.com/sharepoint/v3/contenttype/forms">
+  <Display>DocumentLibraryForm</Display>
+  <Edit>DocumentLibraryForm</Edit>
+  <New>DocumentLibraryForm</New>
+</FormTemplates>
+</file>
+
+<file path=customXml/item4.xml><?xml version="1.0" encoding="utf-8"?>
 <ct:contentTypeSchema xmlns:ct="http://schemas.microsoft.com/office/2006/metadata/contentType" xmlns:ma="http://schemas.microsoft.com/office/2006/metadata/properties/metaAttributes" ct:_="" ma:_="" ma:contentTypeName="Document" ma:contentTypeID="0x010100317C36A1CAF973428CFB8DC9B5B73D030400A741C9874CC89F4CB7C7A5AE62CBCD36" ma:contentTypeVersion="2" ma:contentTypeDescription="" ma:contentTypeScope="" ma:versionID="2a5b37c1a06f9995b1548b8fc9b10188">
   <xsd:schema xmlns:xsd="http://www.w3.org/2001/XMLSchema" xmlns:xs="http://www.w3.org/2001/XMLSchema" xmlns:p="http://schemas.microsoft.com/office/2006/metadata/properties" xmlns:ns2="aff7d12c-bb71-4270-bd29-9c4d45ff3327" targetNamespace="http://schemas.microsoft.com/office/2006/metadata/properties" ma:root="true" ma:fieldsID="535495b15c0addd8af32a03863086e70" ns2:_="">
     <xsd:import namespace="aff7d12c-bb71-4270-bd29-9c4d45ff3327"/>
@@ -12237,23 +11980,16 @@
 </ct:contentTypeSchema>
 </file>
 
-<file path=customXml/item4.xml><?xml version="1.0" encoding="utf-8"?>
-<?mso-contentType ?>
-<FormTemplates xmlns="http://schemas.microsoft.com/sharepoint/v3/contenttype/forms">
-  <Display>DocumentLibraryForm</Display>
-  <Edit>DocumentLibraryForm</Edit>
-  <New>DocumentLibraryForm</New>
-</FormTemplates>
-</file>
-
 <file path=customXml/item5.xml><?xml version="1.0" encoding="utf-8"?>
-<?mso-contentType ?>
-<customXsn xmlns="http://schemas.microsoft.com/office/2006/metadata/customXsn">
-  <xsnLocation/>
-  <cached>True</cached>
-  <openByDefault>True</openByDefault>
-  <xsnScope>/sites/hpc</xsnScope>
-</customXsn>
+<p:properties xmlns:p="http://schemas.microsoft.com/office/2006/metadata/properties" xmlns:xsi="http://www.w3.org/2001/XMLSchema-instance" xmlns:pc="http://schemas.microsoft.com/office/infopath/2007/PartnerControls">
+  <documentManagement>
+    <_dlc_DocId xmlns="aff7d12c-bb71-4270-bd29-9c4d45ff3327">346bfafb-41a4-4705-9274-1725a8a4651c</_dlc_DocId>
+    <_dlc_DocIdUrl xmlns="aff7d12c-bb71-4270-bd29-9c4d45ff3327">
+      <Url>https://www.groupware.kuleuven.be/sites/hpc/_layouts/15/DocIdRedir.aspx?ID=346bfafb-41a4-4705-9274-1725a8a4651c</Url>
+      <Description>346bfafb-41a4-4705-9274-1725a8a4651c</Description>
+    </_dlc_DocIdUrl>
+  </documentManagement>
+</p:properties>
 </file>
 
 <file path=customXml/itemProps1.xml><?xml version="1.0" encoding="utf-8"?>
@@ -12265,22 +12001,22 @@
 </file>
 
 <file path=customXml/itemProps2.xml><?xml version="1.0" encoding="utf-8"?>
-<ds:datastoreItem xmlns:ds="http://schemas.openxmlformats.org/officeDocument/2006/customXml" ds:itemID="{F0D56244-60B2-41FD-96AD-7AC25F221D7C}">
+<ds:datastoreItem xmlns:ds="http://schemas.openxmlformats.org/officeDocument/2006/customXml" ds:itemID="{F0EF99C1-AFFA-4072-A3F6-6A9C90E28E63}">
   <ds:schemaRefs>
-    <ds:schemaRef ds:uri="http://schemas.microsoft.com/office/2006/documentManagement/types"/>
-    <ds:schemaRef ds:uri="http://purl.org/dc/terms/"/>
-    <ds:schemaRef ds:uri="aff7d12c-bb71-4270-bd29-9c4d45ff3327"/>
-    <ds:schemaRef ds:uri="http://purl.org/dc/dcmitype/"/>
-    <ds:schemaRef ds:uri="http://schemas.microsoft.com/office/infopath/2007/PartnerControls"/>
-    <ds:schemaRef ds:uri="http://purl.org/dc/elements/1.1/"/>
-    <ds:schemaRef ds:uri="http://schemas.microsoft.com/office/2006/metadata/properties"/>
-    <ds:schemaRef ds:uri="http://schemas.openxmlformats.org/package/2006/metadata/core-properties"/>
-    <ds:schemaRef ds:uri="http://www.w3.org/XML/1998/namespace"/>
+    <ds:schemaRef ds:uri="http://schemas.microsoft.com/office/2006/metadata/customXsn"/>
   </ds:schemaRefs>
 </ds:datastoreItem>
 </file>
 
 <file path=customXml/itemProps3.xml><?xml version="1.0" encoding="utf-8"?>
+<ds:datastoreItem xmlns:ds="http://schemas.openxmlformats.org/officeDocument/2006/customXml" ds:itemID="{564EE3F2-D13D-4835-816B-74B5A421851B}">
+  <ds:schemaRefs>
+    <ds:schemaRef ds:uri="http://schemas.microsoft.com/sharepoint/v3/contenttype/forms"/>
+  </ds:schemaRefs>
+</ds:datastoreItem>
+</file>
+
+<file path=customXml/itemProps4.xml><?xml version="1.0" encoding="utf-8"?>
 <ds:datastoreItem xmlns:ds="http://schemas.openxmlformats.org/officeDocument/2006/customXml" ds:itemID="{5D5B35C9-35F5-4278-990B-48710415D639}">
   <ds:schemaRefs>
     <ds:schemaRef ds:uri="http://schemas.microsoft.com/office/2006/metadata/contentType"/>
@@ -12298,18 +12034,18 @@
 </ds:datastoreItem>
 </file>
 
-<file path=customXml/itemProps4.xml><?xml version="1.0" encoding="utf-8"?>
-<ds:datastoreItem xmlns:ds="http://schemas.openxmlformats.org/officeDocument/2006/customXml" ds:itemID="{564EE3F2-D13D-4835-816B-74B5A421851B}">
+<file path=customXml/itemProps5.xml><?xml version="1.0" encoding="utf-8"?>
+<ds:datastoreItem xmlns:ds="http://schemas.openxmlformats.org/officeDocument/2006/customXml" ds:itemID="{F0D56244-60B2-41FD-96AD-7AC25F221D7C}">
   <ds:schemaRefs>
-    <ds:schemaRef ds:uri="http://schemas.microsoft.com/sharepoint/v3/contenttype/forms"/>
-  </ds:schemaRefs>
-</ds:datastoreItem>
-</file>
-
-<file path=customXml/itemProps5.xml><?xml version="1.0" encoding="utf-8"?>
-<ds:datastoreItem xmlns:ds="http://schemas.openxmlformats.org/officeDocument/2006/customXml" ds:itemID="{F0EF99C1-AFFA-4072-A3F6-6A9C90E28E63}">
-  <ds:schemaRefs>
-    <ds:schemaRef ds:uri="http://schemas.microsoft.com/office/2006/metadata/customXsn"/>
+    <ds:schemaRef ds:uri="http://schemas.microsoft.com/office/2006/documentManagement/types"/>
+    <ds:schemaRef ds:uri="http://purl.org/dc/terms/"/>
+    <ds:schemaRef ds:uri="aff7d12c-bb71-4270-bd29-9c4d45ff3327"/>
+    <ds:schemaRef ds:uri="http://purl.org/dc/dcmitype/"/>
+    <ds:schemaRef ds:uri="http://schemas.microsoft.com/office/infopath/2007/PartnerControls"/>
+    <ds:schemaRef ds:uri="http://purl.org/dc/elements/1.1/"/>
+    <ds:schemaRef ds:uri="http://schemas.microsoft.com/office/2006/metadata/properties"/>
+    <ds:schemaRef ds:uri="http://schemas.openxmlformats.org/package/2006/metadata/core-properties"/>
+    <ds:schemaRef ds:uri="http://www.w3.org/XML/1998/namespace"/>
   </ds:schemaRefs>
 </ds:datastoreItem>
 </file>
--- a/VSCintro-demo-slurm.pptx
+++ b/VSCintro-demo-slurm.pptx
@@ -247,7 +247,7 @@
           <a:p>
             <a:fld id="{01F519A0-78CB-4E85-BDD7-0175329041AC}" type="datetimeFigureOut">
               <a:rPr lang="en-US" smtClean="0"/>
-              <a:t>3/27/2023</a:t>
+              <a:t>3/28/2023</a:t>
             </a:fld>
             <a:endParaRPr lang="en-US"/>
           </a:p>
@@ -413,7 +413,7 @@
           <a:p>
             <a:fld id="{337BDF4F-FAE4-4E7A-B003-7AAF79F14F3C}" type="datetimeFigureOut">
               <a:rPr lang="en-US" smtClean="0"/>
-              <a:t>3/27/2023</a:t>
+              <a:t>3/28/2023</a:t>
             </a:fld>
             <a:endParaRPr lang="en-US"/>
           </a:p>
@@ -809,7 +809,7 @@
           <a:bodyPr/>
           <a:lstStyle/>
           <a:p>
-            <a:endParaRPr lang="nl-BE" baseline="0" dirty="0">
+            <a:endParaRPr lang="nl-BE" baseline="0" dirty="0" smtClean="0">
               <a:sym typeface="Wingdings" panose="05000000000000000000" pitchFamily="2" charset="2"/>
             </a:endParaRPr>
           </a:p>
@@ -895,7 +895,7 @@
           <a:bodyPr/>
           <a:lstStyle/>
           <a:p>
-            <a:endParaRPr lang="nl-BE" dirty="0"/>
+            <a:endParaRPr lang="nl-BE" dirty="0" smtClean="0"/>
           </a:p>
         </p:txBody>
       </p:sp>
@@ -1317,7 +1317,7 @@
           <a:p>
             <a:fld id="{12D417FB-DB75-4510-8AD7-5416595AADD8}" type="datetime1">
               <a:rPr lang="en-US" smtClean="0"/>
-              <a:t>3/27/2023</a:t>
+              <a:t>3/28/2023</a:t>
             </a:fld>
             <a:endParaRPr lang="en-US"/>
           </a:p>
@@ -1862,7 +1862,7 @@
           <a:p>
             <a:fld id="{1C565815-05F0-455F-BBD6-9680ABD9D1CB}" type="datetimeFigureOut">
               <a:rPr lang="en-US" smtClean="0"/>
-              <a:t>3/27/2023</a:t>
+              <a:t>3/28/2023</a:t>
             </a:fld>
             <a:endParaRPr lang="en-US"/>
           </a:p>
@@ -2226,7 +2226,7 @@
           <a:p>
             <a:fld id="{1C565815-05F0-455F-BBD6-9680ABD9D1CB}" type="datetimeFigureOut">
               <a:rPr lang="en-US" smtClean="0"/>
-              <a:t>3/27/2023</a:t>
+              <a:t>3/28/2023</a:t>
             </a:fld>
             <a:endParaRPr lang="en-US"/>
           </a:p>
@@ -2343,7 +2343,7 @@
           <a:p>
             <a:fld id="{1C565815-05F0-455F-BBD6-9680ABD9D1CB}" type="datetimeFigureOut">
               <a:rPr lang="en-US" smtClean="0"/>
-              <a:t>3/27/2023</a:t>
+              <a:t>3/28/2023</a:t>
             </a:fld>
             <a:endParaRPr lang="en-US"/>
           </a:p>
@@ -2438,7 +2438,7 @@
           <a:p>
             <a:fld id="{1C565815-05F0-455F-BBD6-9680ABD9D1CB}" type="datetimeFigureOut">
               <a:rPr lang="en-US" smtClean="0"/>
-              <a:t>3/27/2023</a:t>
+              <a:t>3/28/2023</a:t>
             </a:fld>
             <a:endParaRPr lang="en-US"/>
           </a:p>
@@ -2713,7 +2713,7 @@
           <a:p>
             <a:fld id="{1C565815-05F0-455F-BBD6-9680ABD9D1CB}" type="datetimeFigureOut">
               <a:rPr lang="en-US" smtClean="0"/>
-              <a:t>3/27/2023</a:t>
+              <a:t>3/28/2023</a:t>
             </a:fld>
             <a:endParaRPr lang="en-US"/>
           </a:p>
@@ -2965,7 +2965,7 @@
           <a:p>
             <a:fld id="{1C565815-05F0-455F-BBD6-9680ABD9D1CB}" type="datetimeFigureOut">
               <a:rPr lang="en-US" smtClean="0"/>
-              <a:t>3/27/2023</a:t>
+              <a:t>3/28/2023</a:t>
             </a:fld>
             <a:endParaRPr lang="en-US"/>
           </a:p>
@@ -3133,7 +3133,7 @@
           <a:p>
             <a:fld id="{1C565815-05F0-455F-BBD6-9680ABD9D1CB}" type="datetimeFigureOut">
               <a:rPr lang="en-US" smtClean="0"/>
-              <a:t>3/27/2023</a:t>
+              <a:t>3/28/2023</a:t>
             </a:fld>
             <a:endParaRPr lang="en-US"/>
           </a:p>
@@ -3311,7 +3311,7 @@
           <a:p>
             <a:fld id="{1C565815-05F0-455F-BBD6-9680ABD9D1CB}" type="datetimeFigureOut">
               <a:rPr lang="en-US" smtClean="0"/>
-              <a:t>3/27/2023</a:t>
+              <a:t>3/28/2023</a:t>
             </a:fld>
             <a:endParaRPr lang="en-US"/>
           </a:p>
@@ -4118,7 +4118,7 @@
           <a:p>
             <a:fld id="{A1FA2290-0477-46BB-87A2-28AB474124F3}" type="datetime1">
               <a:rPr lang="nl-BE" smtClean="0"/>
-              <a:t>27/03/2023</a:t>
+              <a:t>28/03/2023</a:t>
             </a:fld>
             <a:endParaRPr lang="nl-BE" dirty="0"/>
           </a:p>
@@ -4384,7 +4384,7 @@
           <a:p>
             <a:fld id="{1C565815-05F0-455F-BBD6-9680ABD9D1CB}" type="datetimeFigureOut">
               <a:rPr lang="en-US" smtClean="0"/>
-              <a:t>3/27/2023</a:t>
+              <a:t>3/28/2023</a:t>
             </a:fld>
             <a:endParaRPr lang="en-US"/>
           </a:p>
@@ -4582,7 +4582,7 @@
           <a:p>
             <a:fld id="{1C565815-05F0-455F-BBD6-9680ABD9D1CB}" type="datetimeFigureOut">
               <a:rPr lang="en-US" smtClean="0"/>
-              <a:t>3/27/2023</a:t>
+              <a:t>3/28/2023</a:t>
             </a:fld>
             <a:endParaRPr lang="en-US"/>
           </a:p>
@@ -4827,7 +4827,7 @@
           <a:p>
             <a:fld id="{1C565815-05F0-455F-BBD6-9680ABD9D1CB}" type="datetimeFigureOut">
               <a:rPr lang="en-US" smtClean="0"/>
-              <a:t>3/27/2023</a:t>
+              <a:t>3/28/2023</a:t>
             </a:fld>
             <a:endParaRPr lang="en-US"/>
           </a:p>
@@ -5667,7 +5667,7 @@
           <a:p>
             <a:fld id="{1C565815-05F0-455F-BBD6-9680ABD9D1CB}" type="datetimeFigureOut">
               <a:rPr lang="en-US" smtClean="0"/>
-              <a:t>3/27/2023</a:t>
+              <a:t>3/28/2023</a:t>
             </a:fld>
             <a:endParaRPr lang="en-US"/>
           </a:p>
@@ -6350,6 +6350,13 @@
   <p:clrMapOvr>
     <a:masterClrMapping/>
   </p:clrMapOvr>
+  <p:timing>
+    <p:tnLst>
+      <p:par>
+        <p:cTn id="1" dur="indefinite" restart="never" nodeType="tmRoot"/>
+      </p:par>
+    </p:tnLst>
+  </p:timing>
 </p:sld>
 </file>
 
@@ -6428,16 +6435,25 @@
               </a:buBlip>
             </a:pPr>
             <a:r>
+              <a:rPr lang="en-US" altLang="zh-TW" sz="2000" dirty="0" smtClean="0">
+                <a:solidFill>
+                  <a:srgbClr val="4E5865"/>
+                </a:solidFill>
+                <a:ea typeface="新細明體" panose="02020500000000000000" pitchFamily="18" charset="-120"/>
+              </a:rPr>
+              <a:t>Request </a:t>
+            </a:r>
+            <a:r>
               <a:rPr lang="en-US" altLang="zh-TW" sz="2000" dirty="0">
                 <a:solidFill>
                   <a:srgbClr val="4E5865"/>
                 </a:solidFill>
                 <a:ea typeface="新細明體" panose="02020500000000000000" pitchFamily="18" charset="-120"/>
               </a:rPr>
-              <a:t>Request membership to </a:t>
-            </a:r>
-            <a:r>
-              <a:rPr lang="en-US" altLang="zh-TW" sz="2000" dirty="0" err="1">
+              <a:t>membership to </a:t>
+            </a:r>
+            <a:r>
+              <a:rPr lang="en-US" altLang="zh-TW" sz="2000" dirty="0" err="1" smtClean="0">
                 <a:solidFill>
                   <a:srgbClr val="4E5865"/>
                 </a:solidFill>
@@ -6446,13 +6462,31 @@
               <a:t>lp_hpcinfo</a:t>
             </a:r>
             <a:r>
+              <a:rPr lang="en-US" altLang="zh-TW" sz="2000" dirty="0" smtClean="0">
+                <a:solidFill>
+                  <a:srgbClr val="4E5865"/>
+                </a:solidFill>
+                <a:ea typeface="新細明體" panose="02020500000000000000" pitchFamily="18" charset="-120"/>
+              </a:rPr>
+              <a:t> </a:t>
+            </a:r>
+            <a:r>
               <a:rPr lang="en-US" altLang="zh-TW" sz="2000" dirty="0">
                 <a:solidFill>
                   <a:srgbClr val="4E5865"/>
                 </a:solidFill>
                 <a:ea typeface="新細明體" panose="02020500000000000000" pitchFamily="18" charset="-120"/>
               </a:rPr>
-              <a:t> group (account.vscentrum.be)</a:t>
+              <a:t>group (</a:t>
+            </a:r>
+            <a:r>
+              <a:rPr lang="en-US" altLang="zh-TW" sz="2000" dirty="0" smtClean="0">
+                <a:solidFill>
+                  <a:srgbClr val="4E5865"/>
+                </a:solidFill>
+                <a:ea typeface="新細明體" panose="02020500000000000000" pitchFamily="18" charset="-120"/>
+              </a:rPr>
+              <a:t>account.vscentrum.be)</a:t>
             </a:r>
           </a:p>
           <a:p>
@@ -6462,13 +6496,31 @@
               </a:buBlip>
             </a:pPr>
             <a:r>
+              <a:rPr lang="en-US" altLang="zh-TW" sz="2000" dirty="0" smtClean="0">
+                <a:solidFill>
+                  <a:srgbClr val="4E5865"/>
+                </a:solidFill>
+                <a:ea typeface="新細明體" panose="02020500000000000000" pitchFamily="18" charset="-120"/>
+              </a:rPr>
+              <a:t>Login </a:t>
+            </a:r>
+            <a:r>
               <a:rPr lang="en-US" altLang="zh-TW" sz="2000" dirty="0">
                 <a:solidFill>
                   <a:srgbClr val="4E5865"/>
                 </a:solidFill>
                 <a:ea typeface="新細明體" panose="02020500000000000000" pitchFamily="18" charset="-120"/>
               </a:rPr>
-              <a:t>Login with putty</a:t>
+              <a:t>with </a:t>
+            </a:r>
+            <a:r>
+              <a:rPr lang="en-US" altLang="zh-TW" sz="2000" dirty="0" smtClean="0">
+                <a:solidFill>
+                  <a:srgbClr val="4E5865"/>
+                </a:solidFill>
+                <a:ea typeface="新細明體" panose="02020500000000000000" pitchFamily="18" charset="-120"/>
+              </a:rPr>
+              <a:t>putty</a:t>
             </a:r>
           </a:p>
           <a:p>
@@ -6478,7 +6530,7 @@
               </a:buBlip>
             </a:pPr>
             <a:r>
-              <a:rPr lang="en-US" altLang="zh-TW" sz="2000" dirty="0" err="1">
+              <a:rPr lang="en-US" altLang="zh-TW" sz="2000" dirty="0" err="1" smtClean="0">
                 <a:solidFill>
                   <a:srgbClr val="4E5865"/>
                 </a:solidFill>
@@ -6487,16 +6539,25 @@
               <a:t>Filetransfer</a:t>
             </a:r>
             <a:r>
+              <a:rPr lang="en-US" altLang="zh-TW" sz="2000" dirty="0" smtClean="0">
+                <a:solidFill>
+                  <a:srgbClr val="4E5865"/>
+                </a:solidFill>
+                <a:ea typeface="新細明體" panose="02020500000000000000" pitchFamily="18" charset="-120"/>
+              </a:rPr>
+              <a:t> </a:t>
+            </a:r>
+            <a:r>
               <a:rPr lang="en-US" altLang="zh-TW" sz="2000" dirty="0">
                 <a:solidFill>
                   <a:srgbClr val="4E5865"/>
                 </a:solidFill>
                 <a:ea typeface="新細明體" panose="02020500000000000000" pitchFamily="18" charset="-120"/>
               </a:rPr>
-              <a:t> with </a:t>
-            </a:r>
-            <a:r>
-              <a:rPr lang="en-US" altLang="zh-TW" sz="2000" dirty="0" err="1">
+              <a:t>with </a:t>
+            </a:r>
+            <a:r>
+              <a:rPr lang="en-US" altLang="zh-TW" sz="2000" dirty="0" err="1" smtClean="0">
                 <a:solidFill>
                   <a:srgbClr val="4E5865"/>
                 </a:solidFill>
@@ -6518,13 +6579,31 @@
               </a:buBlip>
             </a:pPr>
             <a:r>
+              <a:rPr lang="en-US" altLang="zh-TW" sz="2000" dirty="0" smtClean="0">
+                <a:solidFill>
+                  <a:srgbClr val="4E5865"/>
+                </a:solidFill>
+                <a:ea typeface="新細明體" panose="02020500000000000000" pitchFamily="18" charset="-120"/>
+              </a:rPr>
+              <a:t>Login </a:t>
+            </a:r>
+            <a:r>
               <a:rPr lang="en-US" altLang="zh-TW" sz="2000" dirty="0">
                 <a:solidFill>
                   <a:srgbClr val="4E5865"/>
                 </a:solidFill>
                 <a:ea typeface="新細明體" panose="02020500000000000000" pitchFamily="18" charset="-120"/>
               </a:rPr>
-              <a:t>Login with NX</a:t>
+              <a:t>with </a:t>
+            </a:r>
+            <a:r>
+              <a:rPr lang="en-US" altLang="zh-TW" sz="2000" dirty="0" smtClean="0">
+                <a:solidFill>
+                  <a:srgbClr val="4E5865"/>
+                </a:solidFill>
+                <a:ea typeface="新細明體" panose="02020500000000000000" pitchFamily="18" charset="-120"/>
+              </a:rPr>
+              <a:t>NX</a:t>
             </a:r>
           </a:p>
           <a:p>
@@ -6534,13 +6613,31 @@
               </a:buBlip>
             </a:pPr>
             <a:r>
+              <a:rPr lang="en-US" altLang="zh-TW" sz="2000" dirty="0" smtClean="0">
+                <a:solidFill>
+                  <a:srgbClr val="4E5865"/>
+                </a:solidFill>
+                <a:ea typeface="新細明體" panose="02020500000000000000" pitchFamily="18" charset="-120"/>
+              </a:rPr>
+              <a:t>Check </a:t>
+            </a:r>
+            <a:r>
               <a:rPr lang="en-US" altLang="zh-TW" sz="2000" dirty="0">
                 <a:solidFill>
                   <a:srgbClr val="4E5865"/>
                 </a:solidFill>
                 <a:ea typeface="新細明體" panose="02020500000000000000" pitchFamily="18" charset="-120"/>
               </a:rPr>
-              <a:t>Check disk quota</a:t>
+              <a:t>disk </a:t>
+            </a:r>
+            <a:r>
+              <a:rPr lang="en-US" altLang="zh-TW" sz="2000" dirty="0" smtClean="0">
+                <a:solidFill>
+                  <a:srgbClr val="4E5865"/>
+                </a:solidFill>
+                <a:ea typeface="新細明體" panose="02020500000000000000" pitchFamily="18" charset="-120"/>
+              </a:rPr>
+              <a:t>quota</a:t>
             </a:r>
           </a:p>
           <a:p>
@@ -6550,13 +6647,31 @@
               </a:buBlip>
             </a:pPr>
             <a:r>
+              <a:rPr lang="en-US" altLang="zh-TW" sz="2000" dirty="0" smtClean="0">
+                <a:solidFill>
+                  <a:srgbClr val="4E5865"/>
+                </a:solidFill>
+                <a:ea typeface="新細明體" panose="02020500000000000000" pitchFamily="18" charset="-120"/>
+              </a:rPr>
+              <a:t>Check </a:t>
+            </a:r>
+            <a:r>
               <a:rPr lang="en-US" altLang="zh-TW" sz="2000" dirty="0">
                 <a:solidFill>
                   <a:srgbClr val="4E5865"/>
                 </a:solidFill>
                 <a:ea typeface="新細明體" panose="02020500000000000000" pitchFamily="18" charset="-120"/>
               </a:rPr>
-              <a:t>Check the credits</a:t>
+              <a:t>the </a:t>
+            </a:r>
+            <a:r>
+              <a:rPr lang="en-US" altLang="zh-TW" sz="2000" dirty="0" smtClean="0">
+                <a:solidFill>
+                  <a:srgbClr val="4E5865"/>
+                </a:solidFill>
+                <a:ea typeface="新細明體" panose="02020500000000000000" pitchFamily="18" charset="-120"/>
+              </a:rPr>
+              <a:t>credits</a:t>
             </a:r>
           </a:p>
           <a:p>
@@ -6566,7 +6681,7 @@
               </a:buBlip>
             </a:pPr>
             <a:r>
-              <a:rPr lang="en-US" altLang="zh-TW" sz="2000" dirty="0">
+              <a:rPr lang="en-US" altLang="zh-TW" sz="2000" dirty="0" smtClean="0">
                 <a:solidFill>
                   <a:srgbClr val="4E5865"/>
                 </a:solidFill>
@@ -6574,6 +6689,12 @@
               </a:rPr>
               <a:t>Check/load/list/unload/purge module</a:t>
             </a:r>
+            <a:endParaRPr lang="en-US" altLang="zh-TW" sz="2000" dirty="0">
+              <a:solidFill>
+                <a:srgbClr val="4E5865"/>
+              </a:solidFill>
+              <a:ea typeface="新細明體" panose="02020500000000000000" pitchFamily="18" charset="-120"/>
+            </a:endParaRPr>
           </a:p>
           <a:p>
             <a:endParaRPr lang="nl-BE" sz="2400" dirty="0">
@@ -6628,6 +6749,13 @@
   <p:clrMapOvr>
     <a:masterClrMapping/>
   </p:clrMapOvr>
+  <p:timing>
+    <p:tnLst>
+      <p:par>
+        <p:cTn id="1" dur="indefinite" restart="never" nodeType="tmRoot"/>
+      </p:par>
+    </p:tnLst>
+  </p:timing>
 </p:sld>
 </file>
 
@@ -6712,10 +6840,19 @@
                 </a:solidFill>
                 <a:ea typeface="新細明體" panose="02020500000000000000" pitchFamily="18" charset="-120"/>
               </a:rPr>
-              <a:t>Copy intro training files </a:t>
-            </a:r>
-            <a:r>
-              <a:rPr lang="en-US" altLang="zh-TW" sz="2000" dirty="0">
+              <a:t>Copy intro training </a:t>
+            </a:r>
+            <a:r>
+              <a:rPr lang="en-US" altLang="zh-TW" sz="2400" dirty="0" smtClean="0">
+                <a:solidFill>
+                  <a:srgbClr val="4E5865"/>
+                </a:solidFill>
+                <a:ea typeface="新細明體" panose="02020500000000000000" pitchFamily="18" charset="-120"/>
+              </a:rPr>
+              <a:t>files </a:t>
+            </a:r>
+            <a:r>
+              <a:rPr lang="en-US" altLang="zh-TW" sz="2000" dirty="0" smtClean="0">
                 <a:solidFill>
                   <a:srgbClr val="4E5865"/>
                 </a:solidFill>
@@ -6726,7 +6863,7 @@
               <a:t>/apps/</a:t>
             </a:r>
             <a:r>
-              <a:rPr lang="en-US" altLang="zh-TW" sz="2000" dirty="0" err="1">
+              <a:rPr lang="en-US" altLang="zh-TW" sz="2000" dirty="0" err="1" smtClean="0">
                 <a:solidFill>
                   <a:srgbClr val="4E5865"/>
                 </a:solidFill>
@@ -6737,7 +6874,7 @@
               <a:t>leuven</a:t>
             </a:r>
             <a:r>
-              <a:rPr lang="en-US" altLang="zh-TW" sz="2000" dirty="0">
+              <a:rPr lang="en-US" altLang="zh-TW" sz="2000" dirty="0" smtClean="0">
                 <a:solidFill>
                   <a:srgbClr val="4E5865"/>
                 </a:solidFill>
@@ -6748,7 +6885,7 @@
               <a:t>/training/</a:t>
             </a:r>
             <a:r>
-              <a:rPr lang="en-US" altLang="zh-TW" sz="2000" dirty="0" err="1">
+              <a:rPr lang="en-US" altLang="zh-TW" sz="2000" dirty="0" err="1" smtClean="0">
                 <a:solidFill>
                   <a:srgbClr val="4E5865"/>
                 </a:solidFill>
@@ -6759,7 +6896,7 @@
               <a:t>HPC_intro</a:t>
             </a:r>
             <a:r>
-              <a:rPr lang="en-US" altLang="zh-TW" sz="2000" dirty="0">
+              <a:rPr lang="en-US" altLang="zh-TW" sz="2000" dirty="0" smtClean="0">
                 <a:solidFill>
                   <a:srgbClr val="4E5865"/>
                 </a:solidFill>
@@ -6851,7 +6988,7 @@
               <a:t>List all your jobs </a:t>
             </a:r>
             <a:r>
-              <a:rPr lang="en-US" altLang="zh-TW" sz="2000" dirty="0" err="1">
+              <a:rPr lang="en-US" altLang="zh-TW" sz="2000" dirty="0" err="1" smtClean="0">
                 <a:solidFill>
                   <a:srgbClr val="4E5865"/>
                 </a:solidFill>
@@ -6862,7 +6999,7 @@
               <a:t>squeue</a:t>
             </a:r>
             <a:r>
-              <a:rPr lang="en-US" altLang="zh-TW" sz="2000" dirty="0">
+              <a:rPr lang="en-US" altLang="zh-TW" sz="2000" dirty="0" smtClean="0">
                 <a:solidFill>
                   <a:srgbClr val="4E5865"/>
                 </a:solidFill>
@@ -6873,7 +7010,7 @@
               <a:t> -M </a:t>
             </a:r>
             <a:r>
-              <a:rPr lang="en-US" altLang="zh-TW" sz="2000" dirty="0" err="1">
+              <a:rPr lang="en-US" altLang="zh-TW" sz="2000" dirty="0" err="1" smtClean="0">
                 <a:solidFill>
                   <a:srgbClr val="4E5865"/>
                 </a:solidFill>
@@ -6924,7 +7061,7 @@
               <a:t> </a:t>
             </a:r>
             <a:r>
-              <a:rPr lang="en-US" altLang="zh-TW" sz="2000" dirty="0" err="1">
+              <a:rPr lang="en-US" altLang="zh-TW" sz="2000" dirty="0" err="1" smtClean="0">
                 <a:solidFill>
                   <a:srgbClr val="4E5865"/>
                 </a:solidFill>
@@ -6935,7 +7072,7 @@
               <a:t>slurm_jobinfo</a:t>
             </a:r>
             <a:r>
-              <a:rPr lang="en-US" altLang="zh-TW" sz="2000" dirty="0">
+              <a:rPr lang="en-US" altLang="zh-TW" sz="2000" dirty="0" smtClean="0">
                 <a:solidFill>
                   <a:srgbClr val="4E5865"/>
                 </a:solidFill>
@@ -6946,7 +7083,7 @@
               <a:t> -M </a:t>
             </a:r>
             <a:r>
-              <a:rPr lang="en-US" altLang="zh-TW" sz="2000" dirty="0" err="1">
+              <a:rPr lang="en-US" altLang="zh-TW" sz="2000" dirty="0" err="1" smtClean="0">
                 <a:solidFill>
                   <a:srgbClr val="4E5865"/>
                 </a:solidFill>
@@ -6957,7 +7094,7 @@
               <a:t>wice</a:t>
             </a:r>
             <a:r>
-              <a:rPr lang="en-US" altLang="zh-TW" sz="2000" dirty="0">
+              <a:rPr lang="en-US" altLang="zh-TW" sz="2000" dirty="0" smtClean="0">
                 <a:solidFill>
                   <a:srgbClr val="4E5865"/>
                 </a:solidFill>
@@ -6968,7 +7105,7 @@
               <a:t> &lt;</a:t>
             </a:r>
             <a:r>
-              <a:rPr lang="en-US" altLang="zh-TW" sz="2000" dirty="0" err="1">
+              <a:rPr lang="en-US" altLang="zh-TW" sz="2000" dirty="0" err="1" smtClean="0">
                 <a:solidFill>
                   <a:srgbClr val="4E5865"/>
                 </a:solidFill>
@@ -6979,7 +7116,7 @@
               <a:t>job_ID</a:t>
             </a:r>
             <a:r>
-              <a:rPr lang="en-US" altLang="zh-TW" sz="2000" dirty="0">
+              <a:rPr lang="en-US" altLang="zh-TW" sz="2000" dirty="0" smtClean="0">
                 <a:solidFill>
                   <a:srgbClr val="4E5865"/>
                 </a:solidFill>
@@ -7012,7 +7149,7 @@
               <a:t>Modify the </a:t>
             </a:r>
             <a:r>
-              <a:rPr lang="en-US" altLang="zh-TW" sz="2400" dirty="0" err="1">
+              <a:rPr lang="en-US" altLang="zh-TW" sz="2400" dirty="0" err="1" smtClean="0">
                 <a:solidFill>
                   <a:srgbClr val="4E5865"/>
                 </a:solidFill>
@@ -7021,13 +7158,40 @@
               <a:t>mpi.slurm</a:t>
             </a:r>
             <a:r>
+              <a:rPr lang="en-US" altLang="zh-TW" sz="2400" dirty="0" smtClean="0">
+                <a:solidFill>
+                  <a:srgbClr val="4E5865"/>
+                </a:solidFill>
+                <a:ea typeface="新細明體" panose="02020500000000000000" pitchFamily="18" charset="-120"/>
+              </a:rPr>
+              <a:t> </a:t>
+            </a:r>
+            <a:r>
               <a:rPr lang="en-US" altLang="zh-TW" sz="2400" dirty="0">
                 <a:solidFill>
                   <a:srgbClr val="4E5865"/>
                 </a:solidFill>
                 <a:ea typeface="新細明體" panose="02020500000000000000" pitchFamily="18" charset="-120"/>
               </a:rPr>
-              <a:t> script to request 1 node, 72 cores for 30 minutes and get the notification about job start/end by e-mail</a:t>
+              <a:t>script to request 1 node, </a:t>
+            </a:r>
+            <a:r>
+              <a:rPr lang="en-US" altLang="zh-TW" sz="2400" dirty="0" smtClean="0">
+                <a:solidFill>
+                  <a:srgbClr val="4E5865"/>
+                </a:solidFill>
+                <a:ea typeface="新細明體" panose="02020500000000000000" pitchFamily="18" charset="-120"/>
+              </a:rPr>
+              <a:t>72 </a:t>
+            </a:r>
+            <a:r>
+              <a:rPr lang="en-US" altLang="zh-TW" sz="2400" dirty="0">
+                <a:solidFill>
+                  <a:srgbClr val="4E5865"/>
+                </a:solidFill>
+                <a:ea typeface="新細明體" panose="02020500000000000000" pitchFamily="18" charset="-120"/>
+              </a:rPr>
+              <a:t>cores for 30 minutes and get the notification about job start/end by e-mail</a:t>
             </a:r>
           </a:p>
           <a:p>
@@ -7110,6 +7274,13 @@
   <p:clrMapOvr>
     <a:masterClrMapping/>
   </p:clrMapOvr>
+  <p:timing>
+    <p:tnLst>
+      <p:par>
+        <p:cTn id="1" dur="indefinite" restart="never" nodeType="tmRoot"/>
+      </p:par>
+    </p:tnLst>
+  </p:timing>
 </p:sld>
 </file>
 
@@ -7202,13 +7373,22 @@
               <a:buNone/>
             </a:pPr>
             <a:r>
+              <a:rPr lang="en-US" altLang="zh-TW" sz="2400" dirty="0" smtClean="0">
+                <a:solidFill>
+                  <a:srgbClr val="4E5865"/>
+                </a:solidFill>
+                <a:ea typeface="新細明體" panose="02020500000000000000" pitchFamily="18" charset="-120"/>
+              </a:rPr>
+              <a:t>	Run </a:t>
+            </a:r>
+            <a:r>
               <a:rPr lang="en-US" altLang="zh-TW" sz="2400" dirty="0">
                 <a:solidFill>
                   <a:srgbClr val="4E5865"/>
                 </a:solidFill>
                 <a:ea typeface="新細明體" panose="02020500000000000000" pitchFamily="18" charset="-120"/>
               </a:rPr>
-              <a:t>	Run your program on a compute node</a:t>
+              <a:t>your program on a compute node</a:t>
             </a:r>
           </a:p>
           <a:p>
@@ -7216,13 +7396,22 @@
               <a:buNone/>
             </a:pPr>
             <a:r>
+              <a:rPr lang="en-US" altLang="zh-TW" sz="2400" dirty="0" smtClean="0">
+                <a:solidFill>
+                  <a:srgbClr val="4E5865"/>
+                </a:solidFill>
+                <a:ea typeface="新細明體" panose="02020500000000000000" pitchFamily="18" charset="-120"/>
+              </a:rPr>
+              <a:t>	Open </a:t>
+            </a:r>
+            <a:r>
               <a:rPr lang="en-US" altLang="zh-TW" sz="2400" dirty="0">
                 <a:solidFill>
                   <a:srgbClr val="4E5865"/>
                 </a:solidFill>
                 <a:ea typeface="新細明體" panose="02020500000000000000" pitchFamily="18" charset="-120"/>
               </a:rPr>
-              <a:t>	Open a new terminal and </a:t>
+              <a:t>a new terminal and </a:t>
             </a:r>
             <a:r>
               <a:rPr lang="en-US" altLang="zh-TW" sz="2400" dirty="0" err="1">
@@ -7248,13 +7437,22 @@
               <a:buNone/>
             </a:pPr>
             <a:r>
+              <a:rPr lang="en-US" altLang="zh-TW" sz="2400" dirty="0" smtClean="0">
+                <a:solidFill>
+                  <a:srgbClr val="4E5865"/>
+                </a:solidFill>
+                <a:ea typeface="新細明體" panose="02020500000000000000" pitchFamily="18" charset="-120"/>
+              </a:rPr>
+              <a:t>	Check </a:t>
+            </a:r>
+            <a:r>
               <a:rPr lang="en-US" altLang="zh-TW" sz="2400" dirty="0">
                 <a:solidFill>
                   <a:srgbClr val="4E5865"/>
                 </a:solidFill>
                 <a:ea typeface="新細明體" panose="02020500000000000000" pitchFamily="18" charset="-120"/>
               </a:rPr>
-              <a:t>	Check the resources usage (</a:t>
+              <a:t>the resources usage (</a:t>
             </a:r>
             <a:r>
               <a:rPr lang="en-US" altLang="zh-TW" sz="2400" dirty="0">
@@ -7268,7 +7466,7 @@
               <a:t>top</a:t>
             </a:r>
             <a:r>
-              <a:rPr lang="en-US" altLang="zh-TW" sz="2400" dirty="0">
+              <a:rPr lang="en-US" altLang="zh-TW" sz="2400" dirty="0" smtClean="0">
                 <a:solidFill>
                   <a:srgbClr val="4E5865"/>
                 </a:solidFill>
@@ -7295,13 +7493,22 @@
               </a:buBlip>
             </a:pPr>
             <a:r>
+              <a:rPr lang="en-US" altLang="zh-TW" sz="2400" dirty="0" smtClean="0">
+                <a:solidFill>
+                  <a:srgbClr val="4E5865"/>
+                </a:solidFill>
+                <a:ea typeface="新細明體" panose="02020500000000000000" pitchFamily="18" charset="-120"/>
+              </a:rPr>
+              <a:t>Submit </a:t>
+            </a:r>
+            <a:r>
               <a:rPr lang="en-US" altLang="zh-TW" sz="2400" dirty="0">
                 <a:solidFill>
                   <a:srgbClr val="4E5865"/>
                 </a:solidFill>
                 <a:ea typeface="新細明體" panose="02020500000000000000" pitchFamily="18" charset="-120"/>
               </a:rPr>
-              <a:t>Submit a batch GPU job </a:t>
+              <a:t>a batch GPU job </a:t>
             </a:r>
           </a:p>
           <a:p>
@@ -7312,16 +7519,25 @@
               </a:tabLst>
             </a:pPr>
             <a:r>
+              <a:rPr lang="en-US" altLang="zh-TW" sz="2400" dirty="0" smtClean="0">
+                <a:solidFill>
+                  <a:srgbClr val="4E5865"/>
+                </a:solidFill>
+                <a:ea typeface="新細明體" panose="02020500000000000000" pitchFamily="18" charset="-120"/>
+              </a:rPr>
+              <a:t>	While </a:t>
+            </a:r>
+            <a:r>
               <a:rPr lang="en-US" altLang="zh-TW" sz="2400" dirty="0">
                 <a:solidFill>
                   <a:srgbClr val="4E5865"/>
                 </a:solidFill>
                 <a:ea typeface="新細明體" panose="02020500000000000000" pitchFamily="18" charset="-120"/>
               </a:rPr>
-              <a:t>	While the job is running get the information about the node </a:t>
-            </a:r>
-            <a:r>
-              <a:rPr lang="en-US" altLang="zh-TW" dirty="0" err="1">
+              <a:t>the job is running get the information about the node </a:t>
+            </a:r>
+            <a:r>
+              <a:rPr lang="en-US" altLang="zh-TW" dirty="0" err="1" smtClean="0">
                 <a:solidFill>
                   <a:srgbClr val="4E5865"/>
                 </a:solidFill>
@@ -7332,7 +7548,7 @@
               <a:t>slurm_jobinfo</a:t>
             </a:r>
             <a:r>
-              <a:rPr lang="en-US" altLang="zh-TW" dirty="0">
+              <a:rPr lang="en-US" altLang="zh-TW" dirty="0" smtClean="0">
                 <a:solidFill>
                   <a:srgbClr val="4E5865"/>
                 </a:solidFill>
@@ -7342,7 +7558,7 @@
               </a:rPr>
               <a:t>...</a:t>
             </a:r>
-            <a:endParaRPr lang="en-US" altLang="zh-TW" dirty="0">
+            <a:endParaRPr lang="en-US" altLang="zh-TW" dirty="0" smtClean="0">
               <a:solidFill>
                 <a:srgbClr val="4E5865"/>
               </a:solidFill>
@@ -7363,10 +7579,28 @@
                 </a:solidFill>
                 <a:ea typeface="新細明體" panose="02020500000000000000" pitchFamily="18" charset="-120"/>
               </a:rPr>
-              <a:t>	and check usage of resources on the node </a:t>
-            </a:r>
-            <a:r>
-              <a:rPr lang="en-US" altLang="zh-TW" dirty="0" err="1">
+              <a:t>	</a:t>
+            </a:r>
+            <a:r>
+              <a:rPr lang="en-US" altLang="zh-TW" sz="2400" dirty="0" smtClean="0">
+                <a:solidFill>
+                  <a:srgbClr val="4E5865"/>
+                </a:solidFill>
+                <a:ea typeface="新細明體" panose="02020500000000000000" pitchFamily="18" charset="-120"/>
+              </a:rPr>
+              <a:t>and </a:t>
+            </a:r>
+            <a:r>
+              <a:rPr lang="en-US" altLang="zh-TW" sz="2400" dirty="0">
+                <a:solidFill>
+                  <a:srgbClr val="4E5865"/>
+                </a:solidFill>
+                <a:ea typeface="新細明體" panose="02020500000000000000" pitchFamily="18" charset="-120"/>
+              </a:rPr>
+              <a:t>check usage of resources on the node </a:t>
+            </a:r>
+            <a:r>
+              <a:rPr lang="en-US" altLang="zh-TW" dirty="0" err="1" smtClean="0">
                 <a:solidFill>
                   <a:srgbClr val="4E5865"/>
                 </a:solidFill>
@@ -7406,7 +7640,7 @@
               <a:t>, </a:t>
             </a:r>
             <a:r>
-              <a:rPr lang="en-US" altLang="zh-TW" dirty="0" err="1">
+              <a:rPr lang="en-US" altLang="zh-TW" dirty="0" err="1" smtClean="0">
                 <a:solidFill>
                   <a:srgbClr val="4E5865"/>
                 </a:solidFill>
@@ -7469,6 +7703,13 @@
   <p:clrMapOvr>
     <a:masterClrMapping/>
   </p:clrMapOvr>
+  <p:timing>
+    <p:tnLst>
+      <p:par>
+        <p:cTn id="1" dur="indefinite" restart="never" nodeType="tmRoot"/>
+      </p:par>
+    </p:tnLst>
+  </p:timing>
 </p:sld>
 </file>
 
@@ -8096,6 +8337,13 @@
   <p:clrMapOvr>
     <a:masterClrMapping/>
   </p:clrMapOvr>
+  <p:timing>
+    <p:tnLst>
+      <p:par>
+        <p:cTn id="1" dur="indefinite" restart="never" nodeType="tmRoot"/>
+      </p:par>
+    </p:tnLst>
+  </p:timing>
 </p:sld>
 </file>
 
@@ -8597,6 +8845,13 @@
   <p:clrMapOvr>
     <a:masterClrMapping/>
   </p:clrMapOvr>
+  <p:timing>
+    <p:tnLst>
+      <p:par>
+        <p:cTn id="1" dur="indefinite" restart="never" nodeType="tmRoot"/>
+      </p:par>
+    </p:tnLst>
+  </p:timing>
 </p:sld>
 </file>
 
@@ -9221,6 +9476,13 @@
   <p:clrMapOvr>
     <a:masterClrMapping/>
   </p:clrMapOvr>
+  <p:timing>
+    <p:tnLst>
+      <p:par>
+        <p:cTn id="1" dur="indefinite" restart="never" nodeType="tmRoot"/>
+      </p:par>
+    </p:tnLst>
+  </p:timing>
 </p:sld>
 </file>
 
@@ -9258,7 +9520,7 @@
         </p:nvGraphicFramePr>
         <p:xfrm>
           <a:off x="108155" y="81234"/>
-          <a:ext cx="12015019" cy="6022386"/>
+          <a:ext cx="12015019" cy="6040024"/>
         </p:xfrm>
         <a:graphic>
           <a:graphicData uri="http://schemas.openxmlformats.org/drawingml/2006/table">
@@ -10599,7 +10861,7 @@
                 <a:hlinkClick r:id="rId2">
                   <a:extLst>
                     <a:ext uri="{A12FA001-AC4F-418D-AE19-62706E023703}">
-                      <ahyp:hlinkClr xmlns:ahyp="http://schemas.microsoft.com/office/drawing/2018/hyperlinkcolor" val="tx"/>
+                      <ahyp:hlinkClr xmlns:ahyp="http://schemas.microsoft.com/office/drawing/2018/hyperlinkcolor" xmlns="" val="tx"/>
                     </a:ext>
                   </a:extLst>
                 </a:hlinkClick>
@@ -10626,7 +10888,7 @@
                 <a:hlinkClick r:id="rId3">
                   <a:extLst>
                     <a:ext uri="{A12FA001-AC4F-418D-AE19-62706E023703}">
-                      <ahyp:hlinkClr xmlns:ahyp="http://schemas.microsoft.com/office/drawing/2018/hyperlinkcolor" val="tx"/>
+                      <ahyp:hlinkClr xmlns:ahyp="http://schemas.microsoft.com/office/drawing/2018/hyperlinkcolor" xmlns="" val="tx"/>
                     </a:ext>
                   </a:extLst>
                 </a:hlinkClick>
@@ -10662,7 +10924,7 @@
                 <a:hlinkClick r:id="rId4">
                   <a:extLst>
                     <a:ext uri="{A12FA001-AC4F-418D-AE19-62706E023703}">
-                      <ahyp:hlinkClr xmlns:ahyp="http://schemas.microsoft.com/office/drawing/2018/hyperlinkcolor" val="tx"/>
+                      <ahyp:hlinkClr xmlns:ahyp="http://schemas.microsoft.com/office/drawing/2018/hyperlinkcolor" xmlns="" val="tx"/>
                     </a:ext>
                   </a:extLst>
                 </a:hlinkClick>
@@ -10691,6 +10953,10 @@
               </a:rPr>
               <a:t>https://docs.vscentrum.be/</a:t>
             </a:r>
+            <a:r>
+              <a:rPr lang="nl-BE" sz="2000" dirty="0"/>
+              <a:t/>
+            </a:r>
             <a:br>
               <a:rPr lang="nl-BE" sz="2000" dirty="0"/>
             </a:br>
@@ -10721,7 +10987,7 @@
                 <a:hlinkClick r:id="rId5">
                   <a:extLst>
                     <a:ext uri="{A12FA001-AC4F-418D-AE19-62706E023703}">
-                      <ahyp:hlinkClr xmlns:ahyp="http://schemas.microsoft.com/office/drawing/2018/hyperlinkcolor" val="tx"/>
+                      <ahyp:hlinkClr xmlns:ahyp="http://schemas.microsoft.com/office/drawing/2018/hyperlinkcolor" xmlns="" val="tx"/>
                     </a:ext>
                   </a:extLst>
                 </a:hlinkClick>
@@ -10783,6 +11049,13 @@
   <p:transition spd="slow">
     <p:cover/>
   </p:transition>
+  <p:timing>
+    <p:tnLst>
+      <p:par>
+        <p:cTn id="1" dur="indefinite" restart="never" nodeType="tmRoot"/>
+      </p:par>
+    </p:tnLst>
+  </p:timing>
 </p:sld>
 </file>
 
@@ -11771,71 +12044,6 @@
 </file>
 
 <file path=customXml/item1.xml><?xml version="1.0" encoding="utf-8"?>
-<?mso-contentType ?>
-<spe:Receivers xmlns:spe="http://schemas.microsoft.com/sharepoint/events">
-  <Receiver>
-    <Name>Document ID Generator</Name>
-    <Synchronization>Synchronous</Synchronization>
-    <Type>10001</Type>
-    <SequenceNumber>1000</SequenceNumber>
-    <Assembly>Microsoft.Office.DocumentManagement, Version=14.0.0.0, Culture=neutral, PublicKeyToken=71e9bce111e9429c</Assembly>
-    <Class>Microsoft.Office.DocumentManagement.Internal.DocIdHandler</Class>
-    <Data/>
-    <Filter/>
-  </Receiver>
-  <Receiver>
-    <Name>Document ID Generator</Name>
-    <Synchronization>Synchronous</Synchronization>
-    <Type>10002</Type>
-    <SequenceNumber>1001</SequenceNumber>
-    <Assembly>Microsoft.Office.DocumentManagement, Version=14.0.0.0, Culture=neutral, PublicKeyToken=71e9bce111e9429c</Assembly>
-    <Class>Microsoft.Office.DocumentManagement.Internal.DocIdHandler</Class>
-    <Data/>
-    <Filter/>
-  </Receiver>
-  <Receiver>
-    <Name>Document ID Generator</Name>
-    <Synchronization>Synchronous</Synchronization>
-    <Type>10004</Type>
-    <SequenceNumber>1002</SequenceNumber>
-    <Assembly>Microsoft.Office.DocumentManagement, Version=14.0.0.0, Culture=neutral, PublicKeyToken=71e9bce111e9429c</Assembly>
-    <Class>Microsoft.Office.DocumentManagement.Internal.DocIdHandler</Class>
-    <Data/>
-    <Filter/>
-  </Receiver>
-  <Receiver>
-    <Name>Document ID Generator</Name>
-    <Synchronization>Synchronous</Synchronization>
-    <Type>10006</Type>
-    <SequenceNumber>1003</SequenceNumber>
-    <Assembly>Microsoft.Office.DocumentManagement, Version=14.0.0.0, Culture=neutral, PublicKeyToken=71e9bce111e9429c</Assembly>
-    <Class>Microsoft.Office.DocumentManagement.Internal.DocIdHandler</Class>
-    <Data/>
-    <Filter/>
-  </Receiver>
-</spe:Receivers>
-</file>
-
-<file path=customXml/item2.xml><?xml version="1.0" encoding="utf-8"?>
-<?mso-contentType ?>
-<customXsn xmlns="http://schemas.microsoft.com/office/2006/metadata/customXsn">
-  <xsnLocation/>
-  <cached>True</cached>
-  <openByDefault>True</openByDefault>
-  <xsnScope>/sites/hpc</xsnScope>
-</customXsn>
-</file>
-
-<file path=customXml/item3.xml><?xml version="1.0" encoding="utf-8"?>
-<?mso-contentType ?>
-<FormTemplates xmlns="http://schemas.microsoft.com/sharepoint/v3/contenttype/forms">
-  <Display>DocumentLibraryForm</Display>
-  <Edit>DocumentLibraryForm</Edit>
-  <New>DocumentLibraryForm</New>
-</FormTemplates>
-</file>
-
-<file path=customXml/item4.xml><?xml version="1.0" encoding="utf-8"?>
 <ct:contentTypeSchema xmlns:ct="http://schemas.microsoft.com/office/2006/metadata/contentType" xmlns:ma="http://schemas.microsoft.com/office/2006/metadata/properties/metaAttributes" ct:_="" ma:_="" ma:contentTypeName="Document" ma:contentTypeID="0x010100317C36A1CAF973428CFB8DC9B5B73D030400A741C9874CC89F4CB7C7A5AE62CBCD36" ma:contentTypeVersion="2" ma:contentTypeDescription="" ma:contentTypeScope="" ma:versionID="2a5b37c1a06f9995b1548b8fc9b10188">
   <xsd:schema xmlns:xsd="http://www.w3.org/2001/XMLSchema" xmlns:xs="http://www.w3.org/2001/XMLSchema" xmlns:p="http://schemas.microsoft.com/office/2006/metadata/properties" xmlns:ns2="aff7d12c-bb71-4270-bd29-9c4d45ff3327" targetNamespace="http://schemas.microsoft.com/office/2006/metadata/properties" ma:root="true" ma:fieldsID="535495b15c0addd8af32a03863086e70" ns2:_="">
     <xsd:import namespace="aff7d12c-bb71-4270-bd29-9c4d45ff3327"/>
@@ -11980,7 +12188,7 @@
 </ct:contentTypeSchema>
 </file>
 
-<file path=customXml/item5.xml><?xml version="1.0" encoding="utf-8"?>
+<file path=customXml/item2.xml><?xml version="1.0" encoding="utf-8"?>
 <p:properties xmlns:p="http://schemas.microsoft.com/office/2006/metadata/properties" xmlns:xsi="http://www.w3.org/2001/XMLSchema-instance" xmlns:pc="http://schemas.microsoft.com/office/infopath/2007/PartnerControls">
   <documentManagement>
     <_dlc_DocId xmlns="aff7d12c-bb71-4270-bd29-9c4d45ff3327">346bfafb-41a4-4705-9274-1725a8a4651c</_dlc_DocId>
@@ -11992,31 +12200,72 @@
 </p:properties>
 </file>
 
-<file path=customXml/itemProps1.xml><?xml version="1.0" encoding="utf-8"?>
-<ds:datastoreItem xmlns:ds="http://schemas.openxmlformats.org/officeDocument/2006/customXml" ds:itemID="{7732E273-8A47-4E01-AC36-8FF8A6317757}">
-  <ds:schemaRefs>
-    <ds:schemaRef ds:uri="http://schemas.microsoft.com/sharepoint/events"/>
-  </ds:schemaRefs>
-</ds:datastoreItem>
+<file path=customXml/item3.xml><?xml version="1.0" encoding="utf-8"?>
+<?mso-contentType ?>
+<spe:Receivers xmlns:spe="http://schemas.microsoft.com/sharepoint/events">
+  <Receiver>
+    <Name>Document ID Generator</Name>
+    <Synchronization>Synchronous</Synchronization>
+    <Type>10001</Type>
+    <SequenceNumber>1000</SequenceNumber>
+    <Assembly>Microsoft.Office.DocumentManagement, Version=14.0.0.0, Culture=neutral, PublicKeyToken=71e9bce111e9429c</Assembly>
+    <Class>Microsoft.Office.DocumentManagement.Internal.DocIdHandler</Class>
+    <Data/>
+    <Filter/>
+  </Receiver>
+  <Receiver>
+    <Name>Document ID Generator</Name>
+    <Synchronization>Synchronous</Synchronization>
+    <Type>10002</Type>
+    <SequenceNumber>1001</SequenceNumber>
+    <Assembly>Microsoft.Office.DocumentManagement, Version=14.0.0.0, Culture=neutral, PublicKeyToken=71e9bce111e9429c</Assembly>
+    <Class>Microsoft.Office.DocumentManagement.Internal.DocIdHandler</Class>
+    <Data/>
+    <Filter/>
+  </Receiver>
+  <Receiver>
+    <Name>Document ID Generator</Name>
+    <Synchronization>Synchronous</Synchronization>
+    <Type>10004</Type>
+    <SequenceNumber>1002</SequenceNumber>
+    <Assembly>Microsoft.Office.DocumentManagement, Version=14.0.0.0, Culture=neutral, PublicKeyToken=71e9bce111e9429c</Assembly>
+    <Class>Microsoft.Office.DocumentManagement.Internal.DocIdHandler</Class>
+    <Data/>
+    <Filter/>
+  </Receiver>
+  <Receiver>
+    <Name>Document ID Generator</Name>
+    <Synchronization>Synchronous</Synchronization>
+    <Type>10006</Type>
+    <SequenceNumber>1003</SequenceNumber>
+    <Assembly>Microsoft.Office.DocumentManagement, Version=14.0.0.0, Culture=neutral, PublicKeyToken=71e9bce111e9429c</Assembly>
+    <Class>Microsoft.Office.DocumentManagement.Internal.DocIdHandler</Class>
+    <Data/>
+    <Filter/>
+  </Receiver>
+</spe:Receivers>
 </file>
 
-<file path=customXml/itemProps2.xml><?xml version="1.0" encoding="utf-8"?>
-<ds:datastoreItem xmlns:ds="http://schemas.openxmlformats.org/officeDocument/2006/customXml" ds:itemID="{F0EF99C1-AFFA-4072-A3F6-6A9C90E28E63}">
-  <ds:schemaRefs>
-    <ds:schemaRef ds:uri="http://schemas.microsoft.com/office/2006/metadata/customXsn"/>
-  </ds:schemaRefs>
-</ds:datastoreItem>
+<file path=customXml/item4.xml><?xml version="1.0" encoding="utf-8"?>
+<?mso-contentType ?>
+<customXsn xmlns="http://schemas.microsoft.com/office/2006/metadata/customXsn">
+  <xsnLocation/>
+  <cached>True</cached>
+  <openByDefault>True</openByDefault>
+  <xsnScope>/sites/hpc</xsnScope>
+</customXsn>
 </file>
 
-<file path=customXml/itemProps3.xml><?xml version="1.0" encoding="utf-8"?>
-<ds:datastoreItem xmlns:ds="http://schemas.openxmlformats.org/officeDocument/2006/customXml" ds:itemID="{564EE3F2-D13D-4835-816B-74B5A421851B}">
-  <ds:schemaRefs>
-    <ds:schemaRef ds:uri="http://schemas.microsoft.com/sharepoint/v3/contenttype/forms"/>
-  </ds:schemaRefs>
-</ds:datastoreItem>
+<file path=customXml/item5.xml><?xml version="1.0" encoding="utf-8"?>
+<?mso-contentType ?>
+<FormTemplates xmlns="http://schemas.microsoft.com/sharepoint/v3/contenttype/forms">
+  <Display>DocumentLibraryForm</Display>
+  <Edit>DocumentLibraryForm</Edit>
+  <New>DocumentLibraryForm</New>
+</FormTemplates>
 </file>
 
-<file path=customXml/itemProps4.xml><?xml version="1.0" encoding="utf-8"?>
+<file path=customXml/itemProps1.xml><?xml version="1.0" encoding="utf-8"?>
 <ds:datastoreItem xmlns:ds="http://schemas.openxmlformats.org/officeDocument/2006/customXml" ds:itemID="{5D5B35C9-35F5-4278-990B-48710415D639}">
   <ds:schemaRefs>
     <ds:schemaRef ds:uri="http://schemas.microsoft.com/office/2006/metadata/contentType"/>
@@ -12034,7 +12283,7 @@
 </ds:datastoreItem>
 </file>
 
-<file path=customXml/itemProps5.xml><?xml version="1.0" encoding="utf-8"?>
+<file path=customXml/itemProps2.xml><?xml version="1.0" encoding="utf-8"?>
 <ds:datastoreItem xmlns:ds="http://schemas.openxmlformats.org/officeDocument/2006/customXml" ds:itemID="{F0D56244-60B2-41FD-96AD-7AC25F221D7C}">
   <ds:schemaRefs>
     <ds:schemaRef ds:uri="http://schemas.microsoft.com/office/2006/documentManagement/types"/>
@@ -12048,4 +12297,28 @@
     <ds:schemaRef ds:uri="http://www.w3.org/XML/1998/namespace"/>
   </ds:schemaRefs>
 </ds:datastoreItem>
+</file>
+
+<file path=customXml/itemProps3.xml><?xml version="1.0" encoding="utf-8"?>
+<ds:datastoreItem xmlns:ds="http://schemas.openxmlformats.org/officeDocument/2006/customXml" ds:itemID="{7732E273-8A47-4E01-AC36-8FF8A6317757}">
+  <ds:schemaRefs>
+    <ds:schemaRef ds:uri="http://schemas.microsoft.com/sharepoint/events"/>
+  </ds:schemaRefs>
+</ds:datastoreItem>
+</file>
+
+<file path=customXml/itemProps4.xml><?xml version="1.0" encoding="utf-8"?>
+<ds:datastoreItem xmlns:ds="http://schemas.openxmlformats.org/officeDocument/2006/customXml" ds:itemID="{F0EF99C1-AFFA-4072-A3F6-6A9C90E28E63}">
+  <ds:schemaRefs>
+    <ds:schemaRef ds:uri="http://schemas.microsoft.com/office/2006/metadata/customXsn"/>
+  </ds:schemaRefs>
+</ds:datastoreItem>
+</file>
+
+<file path=customXml/itemProps5.xml><?xml version="1.0" encoding="utf-8"?>
+<ds:datastoreItem xmlns:ds="http://schemas.openxmlformats.org/officeDocument/2006/customXml" ds:itemID="{564EE3F2-D13D-4835-816B-74B5A421851B}">
+  <ds:schemaRefs>
+    <ds:schemaRef ds:uri="http://schemas.microsoft.com/sharepoint/v3/contenttype/forms"/>
+  </ds:schemaRefs>
+</ds:datastoreItem>
 </file>
--- a/VSCintro-demo-slurm.pptx
+++ b/VSCintro-demo-slurm.pptx
@@ -15,11 +15,11 @@
     <p:sldId id="258" r:id="rId8"/>
     <p:sldId id="411" r:id="rId9"/>
     <p:sldId id="987" r:id="rId10"/>
-    <p:sldId id="989" r:id="rId11"/>
-    <p:sldId id="986" r:id="rId12"/>
-    <p:sldId id="988" r:id="rId13"/>
-    <p:sldId id="994" r:id="rId14"/>
-    <p:sldId id="995" r:id="rId15"/>
+    <p:sldId id="995" r:id="rId11"/>
+    <p:sldId id="989" r:id="rId12"/>
+    <p:sldId id="986" r:id="rId13"/>
+    <p:sldId id="988" r:id="rId14"/>
+    <p:sldId id="994" r:id="rId15"/>
     <p:sldId id="979" r:id="rId16"/>
     <p:sldId id="256" r:id="rId17"/>
   </p:sldIdLst>
@@ -151,20 +151,6 @@
 </p:cmAuthorLst>
 </file>
 
-<file path=ppt/comments/comment1.xml><?xml version="1.0" encoding="utf-8"?>
-<p:cmLst xmlns:a="http://schemas.openxmlformats.org/drawingml/2006/main" xmlns:r="http://schemas.openxmlformats.org/officeDocument/2006/relationships" xmlns:p="http://schemas.openxmlformats.org/presentationml/2006/main">
-  <p:cm authorId="1" dt="2021-05-04T09:44:06.182" idx="1">
-    <p:pos x="10" y="10"/>
-    <p:text/>
-    <p:extLst>
-      <p:ext uri="{C676402C-5697-4E1C-873F-D02D1690AC5C}">
-        <p15:threadingInfo xmlns:p15="http://schemas.microsoft.com/office/powerpoint/2012/main" timeZoneBias="-120"/>
-      </p:ext>
-    </p:extLst>
-  </p:cm>
-</p:cmLst>
-</file>
-
 <file path=ppt/handoutMasters/handoutMaster1.xml><?xml version="1.0" encoding="utf-8"?>
 <p:handoutMaster xmlns:a="http://schemas.openxmlformats.org/drawingml/2006/main" xmlns:r="http://schemas.openxmlformats.org/officeDocument/2006/relationships" xmlns:p="http://schemas.openxmlformats.org/presentationml/2006/main">
   <p:cSld>
@@ -247,7 +233,7 @@
           <a:p>
             <a:fld id="{01F519A0-78CB-4E85-BDD7-0175329041AC}" type="datetimeFigureOut">
               <a:rPr lang="en-US" smtClean="0"/>
-              <a:t>3/28/2023</a:t>
+              <a:t>4/14/2023</a:t>
             </a:fld>
             <a:endParaRPr lang="en-US"/>
           </a:p>
@@ -413,7 +399,7 @@
           <a:p>
             <a:fld id="{337BDF4F-FAE4-4E7A-B003-7AAF79F14F3C}" type="datetimeFigureOut">
               <a:rPr lang="en-US" smtClean="0"/>
-              <a:t>3/28/2023</a:t>
+              <a:t>4/14/2023</a:t>
             </a:fld>
             <a:endParaRPr lang="en-US"/>
           </a:p>
@@ -809,7 +795,7 @@
           <a:bodyPr/>
           <a:lstStyle/>
           <a:p>
-            <a:endParaRPr lang="nl-BE" baseline="0" dirty="0" smtClean="0">
+            <a:endParaRPr lang="nl-BE" baseline="0" dirty="0">
               <a:sym typeface="Wingdings" panose="05000000000000000000" pitchFamily="2" charset="2"/>
             </a:endParaRPr>
           </a:p>
@@ -895,7 +881,7 @@
           <a:bodyPr/>
           <a:lstStyle/>
           <a:p>
-            <a:endParaRPr lang="nl-BE" dirty="0" smtClean="0"/>
+            <a:endParaRPr lang="nl-BE" dirty="0"/>
           </a:p>
         </p:txBody>
       </p:sp>
@@ -1017,7 +1003,7 @@
           <a:p>
             <a:fld id="{1792FB45-5863-49D1-8926-D42AE452AB79}" type="slidenum">
               <a:rPr lang="en-US" smtClean="0"/>
-              <a:t>4</a:t>
+              <a:t>5</a:t>
             </a:fld>
             <a:endParaRPr lang="en-US"/>
           </a:p>
@@ -1101,7 +1087,7 @@
           <a:p>
             <a:fld id="{1792FB45-5863-49D1-8926-D42AE452AB79}" type="slidenum">
               <a:rPr lang="en-US" smtClean="0"/>
-              <a:t>7</a:t>
+              <a:t>8</a:t>
             </a:fld>
             <a:endParaRPr lang="en-US"/>
           </a:p>
@@ -1317,7 +1303,7 @@
           <a:p>
             <a:fld id="{12D417FB-DB75-4510-8AD7-5416595AADD8}" type="datetime1">
               <a:rPr lang="en-US" smtClean="0"/>
-              <a:t>3/28/2023</a:t>
+              <a:t>4/14/2023</a:t>
             </a:fld>
             <a:endParaRPr lang="en-US"/>
           </a:p>
@@ -1862,7 +1848,7 @@
           <a:p>
             <a:fld id="{1C565815-05F0-455F-BBD6-9680ABD9D1CB}" type="datetimeFigureOut">
               <a:rPr lang="en-US" smtClean="0"/>
-              <a:t>3/28/2023</a:t>
+              <a:t>4/14/2023</a:t>
             </a:fld>
             <a:endParaRPr lang="en-US"/>
           </a:p>
@@ -2226,7 +2212,7 @@
           <a:p>
             <a:fld id="{1C565815-05F0-455F-BBD6-9680ABD9D1CB}" type="datetimeFigureOut">
               <a:rPr lang="en-US" smtClean="0"/>
-              <a:t>3/28/2023</a:t>
+              <a:t>4/14/2023</a:t>
             </a:fld>
             <a:endParaRPr lang="en-US"/>
           </a:p>
@@ -2343,7 +2329,7 @@
           <a:p>
             <a:fld id="{1C565815-05F0-455F-BBD6-9680ABD9D1CB}" type="datetimeFigureOut">
               <a:rPr lang="en-US" smtClean="0"/>
-              <a:t>3/28/2023</a:t>
+              <a:t>4/14/2023</a:t>
             </a:fld>
             <a:endParaRPr lang="en-US"/>
           </a:p>
@@ -2438,7 +2424,7 @@
           <a:p>
             <a:fld id="{1C565815-05F0-455F-BBD6-9680ABD9D1CB}" type="datetimeFigureOut">
               <a:rPr lang="en-US" smtClean="0"/>
-              <a:t>3/28/2023</a:t>
+              <a:t>4/14/2023</a:t>
             </a:fld>
             <a:endParaRPr lang="en-US"/>
           </a:p>
@@ -2713,7 +2699,7 @@
           <a:p>
             <a:fld id="{1C565815-05F0-455F-BBD6-9680ABD9D1CB}" type="datetimeFigureOut">
               <a:rPr lang="en-US" smtClean="0"/>
-              <a:t>3/28/2023</a:t>
+              <a:t>4/14/2023</a:t>
             </a:fld>
             <a:endParaRPr lang="en-US"/>
           </a:p>
@@ -2965,7 +2951,7 @@
           <a:p>
             <a:fld id="{1C565815-05F0-455F-BBD6-9680ABD9D1CB}" type="datetimeFigureOut">
               <a:rPr lang="en-US" smtClean="0"/>
-              <a:t>3/28/2023</a:t>
+              <a:t>4/14/2023</a:t>
             </a:fld>
             <a:endParaRPr lang="en-US"/>
           </a:p>
@@ -3133,7 +3119,7 @@
           <a:p>
             <a:fld id="{1C565815-05F0-455F-BBD6-9680ABD9D1CB}" type="datetimeFigureOut">
               <a:rPr lang="en-US" smtClean="0"/>
-              <a:t>3/28/2023</a:t>
+              <a:t>4/14/2023</a:t>
             </a:fld>
             <a:endParaRPr lang="en-US"/>
           </a:p>
@@ -3311,7 +3297,7 @@
           <a:p>
             <a:fld id="{1C565815-05F0-455F-BBD6-9680ABD9D1CB}" type="datetimeFigureOut">
               <a:rPr lang="en-US" smtClean="0"/>
-              <a:t>3/28/2023</a:t>
+              <a:t>4/14/2023</a:t>
             </a:fld>
             <a:endParaRPr lang="en-US"/>
           </a:p>
@@ -4118,7 +4104,7 @@
           <a:p>
             <a:fld id="{A1FA2290-0477-46BB-87A2-28AB474124F3}" type="datetime1">
               <a:rPr lang="nl-BE" smtClean="0"/>
-              <a:t>28/03/2023</a:t>
+              <a:t>14/04/2023</a:t>
             </a:fld>
             <a:endParaRPr lang="nl-BE" dirty="0"/>
           </a:p>
@@ -4384,7 +4370,7 @@
           <a:p>
             <a:fld id="{1C565815-05F0-455F-BBD6-9680ABD9D1CB}" type="datetimeFigureOut">
               <a:rPr lang="en-US" smtClean="0"/>
-              <a:t>3/28/2023</a:t>
+              <a:t>4/14/2023</a:t>
             </a:fld>
             <a:endParaRPr lang="en-US"/>
           </a:p>
@@ -4582,7 +4568,7 @@
           <a:p>
             <a:fld id="{1C565815-05F0-455F-BBD6-9680ABD9D1CB}" type="datetimeFigureOut">
               <a:rPr lang="en-US" smtClean="0"/>
-              <a:t>3/28/2023</a:t>
+              <a:t>4/14/2023</a:t>
             </a:fld>
             <a:endParaRPr lang="en-US"/>
           </a:p>
@@ -4827,7 +4813,7 @@
           <a:p>
             <a:fld id="{1C565815-05F0-455F-BBD6-9680ABD9D1CB}" type="datetimeFigureOut">
               <a:rPr lang="en-US" smtClean="0"/>
-              <a:t>3/28/2023</a:t>
+              <a:t>4/14/2023</a:t>
             </a:fld>
             <a:endParaRPr lang="en-US"/>
           </a:p>
@@ -5667,7 +5653,7 @@
           <a:p>
             <a:fld id="{1C565815-05F0-455F-BBD6-9680ABD9D1CB}" type="datetimeFigureOut">
               <a:rPr lang="en-US" smtClean="0"/>
-              <a:t>3/28/2023</a:t>
+              <a:t>4/14/2023</a:t>
             </a:fld>
             <a:endParaRPr lang="en-US"/>
           </a:p>
@@ -6350,13 +6336,6 @@
   <p:clrMapOvr>
     <a:masterClrMapping/>
   </p:clrMapOvr>
-  <p:timing>
-    <p:tnLst>
-      <p:par>
-        <p:cTn id="1" dur="indefinite" restart="never" nodeType="tmRoot"/>
-      </p:par>
-    </p:tnLst>
-  </p:timing>
 </p:sld>
 </file>
 
@@ -6399,7 +6378,7 @@
                 </a:solidFill>
                 <a:ea typeface="新細明體" panose="02020500000000000000" pitchFamily="18" charset="-120"/>
               </a:rPr>
-              <a:t>demo/test yourself</a:t>
+              <a:t>Basics</a:t>
             </a:r>
             <a:endParaRPr lang="nl-BE" dirty="0">
               <a:solidFill>
@@ -6422,7 +6401,7 @@
         <p:spPr>
           <a:xfrm>
             <a:off x="524691" y="1620000"/>
-            <a:ext cx="11112000" cy="4428000"/>
+            <a:ext cx="11112000" cy="3528470"/>
           </a:xfrm>
         </p:spPr>
         <p:txBody>
@@ -6435,58 +6414,31 @@
               </a:buBlip>
             </a:pPr>
             <a:r>
-              <a:rPr lang="en-US" altLang="zh-TW" sz="2000" dirty="0" smtClean="0">
+              <a:rPr lang="en-US" altLang="zh-TW" sz="2400" dirty="0">
                 <a:solidFill>
                   <a:srgbClr val="4E5865"/>
                 </a:solidFill>
                 <a:ea typeface="新細明體" panose="02020500000000000000" pitchFamily="18" charset="-120"/>
               </a:rPr>
-              <a:t>Request </a:t>
-            </a:r>
-            <a:r>
-              <a:rPr lang="en-US" altLang="zh-TW" sz="2000" dirty="0">
+              <a:t>Request membership to </a:t>
+            </a:r>
+            <a:r>
+              <a:rPr lang="en-US" altLang="zh-TW" sz="2400" dirty="0" err="1">
                 <a:solidFill>
                   <a:srgbClr val="4E5865"/>
                 </a:solidFill>
                 <a:ea typeface="新細明體" panose="02020500000000000000" pitchFamily="18" charset="-120"/>
               </a:rPr>
-              <a:t>membership to </a:t>
-            </a:r>
-            <a:r>
-              <a:rPr lang="en-US" altLang="zh-TW" sz="2000" dirty="0" err="1" smtClean="0">
+              <a:t>lp_hpcinfo</a:t>
+            </a:r>
+            <a:r>
+              <a:rPr lang="en-US" altLang="zh-TW" sz="2400" dirty="0">
                 <a:solidFill>
                   <a:srgbClr val="4E5865"/>
                 </a:solidFill>
                 <a:ea typeface="新細明體" panose="02020500000000000000" pitchFamily="18" charset="-120"/>
               </a:rPr>
-              <a:t>lp_hpcinfo</a:t>
-            </a:r>
-            <a:r>
-              <a:rPr lang="en-US" altLang="zh-TW" sz="2000" dirty="0" smtClean="0">
-                <a:solidFill>
-                  <a:srgbClr val="4E5865"/>
-                </a:solidFill>
-                <a:ea typeface="新細明體" panose="02020500000000000000" pitchFamily="18" charset="-120"/>
-              </a:rPr>
-              <a:t> </a:t>
-            </a:r>
-            <a:r>
-              <a:rPr lang="en-US" altLang="zh-TW" sz="2000" dirty="0">
-                <a:solidFill>
-                  <a:srgbClr val="4E5865"/>
-                </a:solidFill>
-                <a:ea typeface="新細明體" panose="02020500000000000000" pitchFamily="18" charset="-120"/>
-              </a:rPr>
-              <a:t>group (</a:t>
-            </a:r>
-            <a:r>
-              <a:rPr lang="en-US" altLang="zh-TW" sz="2000" dirty="0" smtClean="0">
-                <a:solidFill>
-                  <a:srgbClr val="4E5865"/>
-                </a:solidFill>
-                <a:ea typeface="新細明體" panose="02020500000000000000" pitchFamily="18" charset="-120"/>
-              </a:rPr>
-              <a:t>account.vscentrum.be)</a:t>
+              <a:t> group (account.vscentrum.be)</a:t>
             </a:r>
           </a:p>
           <a:p>
@@ -6496,31 +6448,31 @@
               </a:buBlip>
             </a:pPr>
             <a:r>
-              <a:rPr lang="en-US" altLang="zh-TW" sz="2000" dirty="0" smtClean="0">
+              <a:rPr lang="en-US" altLang="zh-TW" sz="2400" dirty="0">
                 <a:solidFill>
                   <a:srgbClr val="4E5865"/>
                 </a:solidFill>
                 <a:ea typeface="新細明體" panose="02020500000000000000" pitchFamily="18" charset="-120"/>
               </a:rPr>
-              <a:t>Login </a:t>
-            </a:r>
-            <a:r>
-              <a:rPr lang="en-US" altLang="zh-TW" sz="2000" dirty="0">
+              <a:t>Login with </a:t>
+            </a:r>
+            <a:r>
+              <a:rPr lang="en-US" altLang="zh-TW" sz="2400" dirty="0" err="1">
                 <a:solidFill>
                   <a:srgbClr val="4E5865"/>
                 </a:solidFill>
                 <a:ea typeface="新細明體" panose="02020500000000000000" pitchFamily="18" charset="-120"/>
               </a:rPr>
-              <a:t>with </a:t>
-            </a:r>
-            <a:r>
-              <a:rPr lang="en-US" altLang="zh-TW" sz="2000" dirty="0" smtClean="0">
+              <a:t>MobaXterm</a:t>
+            </a:r>
+            <a:r>
+              <a:rPr lang="en-US" altLang="zh-TW" sz="2400" dirty="0">
                 <a:solidFill>
                   <a:srgbClr val="4E5865"/>
                 </a:solidFill>
                 <a:ea typeface="新細明體" panose="02020500000000000000" pitchFamily="18" charset="-120"/>
               </a:rPr>
-              <a:t>putty</a:t>
+              <a:t> or terminal</a:t>
             </a:r>
           </a:p>
           <a:p>
@@ -6530,42 +6482,24 @@
               </a:buBlip>
             </a:pPr>
             <a:r>
-              <a:rPr lang="en-US" altLang="zh-TW" sz="2000" dirty="0" err="1" smtClean="0">
+              <a:rPr lang="en-US" altLang="zh-TW" sz="2400" dirty="0">
                 <a:solidFill>
                   <a:srgbClr val="4E5865"/>
                 </a:solidFill>
                 <a:ea typeface="新細明體" panose="02020500000000000000" pitchFamily="18" charset="-120"/>
               </a:rPr>
-              <a:t>Filetransfer</a:t>
-            </a:r>
-            <a:r>
-              <a:rPr lang="en-US" altLang="zh-TW" sz="2000" dirty="0" smtClean="0">
+              <a:t>File transfer with </a:t>
+            </a:r>
+            <a:r>
+              <a:rPr lang="en-US" altLang="zh-TW" sz="2400" dirty="0" err="1">
                 <a:solidFill>
                   <a:srgbClr val="4E5865"/>
                 </a:solidFill>
                 <a:ea typeface="新細明體" panose="02020500000000000000" pitchFamily="18" charset="-120"/>
               </a:rPr>
-              <a:t> </a:t>
-            </a:r>
-            <a:r>
-              <a:rPr lang="en-US" altLang="zh-TW" sz="2000" dirty="0">
-                <a:solidFill>
-                  <a:srgbClr val="4E5865"/>
-                </a:solidFill>
-                <a:ea typeface="新細明體" panose="02020500000000000000" pitchFamily="18" charset="-120"/>
-              </a:rPr>
-              <a:t>with </a:t>
-            </a:r>
-            <a:r>
-              <a:rPr lang="en-US" altLang="zh-TW" sz="2000" dirty="0" err="1" smtClean="0">
-                <a:solidFill>
-                  <a:srgbClr val="4E5865"/>
-                </a:solidFill>
-                <a:ea typeface="新細明體" panose="02020500000000000000" pitchFamily="18" charset="-120"/>
-              </a:rPr>
               <a:t>Filezilla</a:t>
             </a:r>
-            <a:endParaRPr lang="en-US" altLang="zh-TW" sz="2000" dirty="0">
+            <a:endParaRPr lang="en-US" altLang="zh-TW" sz="2400" dirty="0">
               <a:solidFill>
                 <a:srgbClr val="4E5865"/>
               </a:solidFill>
@@ -6579,31 +6513,13 @@
               </a:buBlip>
             </a:pPr>
             <a:r>
-              <a:rPr lang="en-US" altLang="zh-TW" sz="2000" dirty="0" smtClean="0">
+              <a:rPr lang="en-US" altLang="zh-TW" sz="2400" dirty="0">
                 <a:solidFill>
                   <a:srgbClr val="4E5865"/>
                 </a:solidFill>
                 <a:ea typeface="新細明體" panose="02020500000000000000" pitchFamily="18" charset="-120"/>
               </a:rPr>
-              <a:t>Login </a:t>
-            </a:r>
-            <a:r>
-              <a:rPr lang="en-US" altLang="zh-TW" sz="2000" dirty="0">
-                <a:solidFill>
-                  <a:srgbClr val="4E5865"/>
-                </a:solidFill>
-                <a:ea typeface="新細明體" panose="02020500000000000000" pitchFamily="18" charset="-120"/>
-              </a:rPr>
-              <a:t>with </a:t>
-            </a:r>
-            <a:r>
-              <a:rPr lang="en-US" altLang="zh-TW" sz="2000" dirty="0" smtClean="0">
-                <a:solidFill>
-                  <a:srgbClr val="4E5865"/>
-                </a:solidFill>
-                <a:ea typeface="新細明體" panose="02020500000000000000" pitchFamily="18" charset="-120"/>
-              </a:rPr>
-              <a:t>NX</a:t>
+              <a:t>Login with NX</a:t>
             </a:r>
           </a:p>
           <a:p>
@@ -6613,31 +6529,13 @@
               </a:buBlip>
             </a:pPr>
             <a:r>
-              <a:rPr lang="en-US" altLang="zh-TW" sz="2000" dirty="0" smtClean="0">
+              <a:rPr lang="en-US" altLang="zh-TW" sz="2400" dirty="0">
                 <a:solidFill>
                   <a:srgbClr val="4E5865"/>
                 </a:solidFill>
                 <a:ea typeface="新細明體" panose="02020500000000000000" pitchFamily="18" charset="-120"/>
               </a:rPr>
-              <a:t>Check </a:t>
-            </a:r>
-            <a:r>
-              <a:rPr lang="en-US" altLang="zh-TW" sz="2000" dirty="0">
-                <a:solidFill>
-                  <a:srgbClr val="4E5865"/>
-                </a:solidFill>
-                <a:ea typeface="新細明體" panose="02020500000000000000" pitchFamily="18" charset="-120"/>
-              </a:rPr>
-              <a:t>disk </a:t>
-            </a:r>
-            <a:r>
-              <a:rPr lang="en-US" altLang="zh-TW" sz="2000" dirty="0" smtClean="0">
-                <a:solidFill>
-                  <a:srgbClr val="4E5865"/>
-                </a:solidFill>
-                <a:ea typeface="新細明體" panose="02020500000000000000" pitchFamily="18" charset="-120"/>
-              </a:rPr>
-              <a:t>quota</a:t>
+              <a:t>Check disk quota</a:t>
             </a:r>
           </a:p>
           <a:p>
@@ -6647,31 +6545,13 @@
               </a:buBlip>
             </a:pPr>
             <a:r>
-              <a:rPr lang="en-US" altLang="zh-TW" sz="2000" dirty="0" smtClean="0">
+              <a:rPr lang="en-US" altLang="zh-TW" sz="2400" dirty="0">
                 <a:solidFill>
                   <a:srgbClr val="4E5865"/>
                 </a:solidFill>
                 <a:ea typeface="新細明體" panose="02020500000000000000" pitchFamily="18" charset="-120"/>
               </a:rPr>
-              <a:t>Check </a:t>
-            </a:r>
-            <a:r>
-              <a:rPr lang="en-US" altLang="zh-TW" sz="2000" dirty="0">
-                <a:solidFill>
-                  <a:srgbClr val="4E5865"/>
-                </a:solidFill>
-                <a:ea typeface="新細明體" panose="02020500000000000000" pitchFamily="18" charset="-120"/>
-              </a:rPr>
-              <a:t>the </a:t>
-            </a:r>
-            <a:r>
-              <a:rPr lang="en-US" altLang="zh-TW" sz="2000" dirty="0" smtClean="0">
-                <a:solidFill>
-                  <a:srgbClr val="4E5865"/>
-                </a:solidFill>
-                <a:ea typeface="新細明體" panose="02020500000000000000" pitchFamily="18" charset="-120"/>
-              </a:rPr>
-              <a:t>credits</a:t>
+              <a:t>Check the credits</a:t>
             </a:r>
           </a:p>
           <a:p>
@@ -6681,7 +6561,7 @@
               </a:buBlip>
             </a:pPr>
             <a:r>
-              <a:rPr lang="en-US" altLang="zh-TW" sz="2000" dirty="0" smtClean="0">
+              <a:rPr lang="en-US" altLang="zh-TW" sz="2400" dirty="0">
                 <a:solidFill>
                   <a:srgbClr val="4E5865"/>
                 </a:solidFill>
@@ -6689,12 +6569,6 @@
               </a:rPr>
               <a:t>Check/load/list/unload/purge module</a:t>
             </a:r>
-            <a:endParaRPr lang="en-US" altLang="zh-TW" sz="2000" dirty="0">
-              <a:solidFill>
-                <a:srgbClr val="4E5865"/>
-              </a:solidFill>
-              <a:ea typeface="新細明體" panose="02020500000000000000" pitchFamily="18" charset="-120"/>
-            </a:endParaRPr>
           </a:p>
           <a:p>
             <a:endParaRPr lang="nl-BE" sz="2400" dirty="0">
@@ -6749,13 +6623,6 @@
   <p:clrMapOvr>
     <a:masterClrMapping/>
   </p:clrMapOvr>
-  <p:timing>
-    <p:tnLst>
-      <p:par>
-        <p:cTn id="1" dur="indefinite" restart="never" nodeType="tmRoot"/>
-      </p:par>
-    </p:tnLst>
-  </p:timing>
 </p:sld>
 </file>
 
@@ -6840,19 +6707,10 @@
                 </a:solidFill>
                 <a:ea typeface="新細明體" panose="02020500000000000000" pitchFamily="18" charset="-120"/>
               </a:rPr>
-              <a:t>Copy intro training </a:t>
-            </a:r>
-            <a:r>
-              <a:rPr lang="en-US" altLang="zh-TW" sz="2400" dirty="0" smtClean="0">
-                <a:solidFill>
-                  <a:srgbClr val="4E5865"/>
-                </a:solidFill>
-                <a:ea typeface="新細明體" panose="02020500000000000000" pitchFamily="18" charset="-120"/>
-              </a:rPr>
-              <a:t>files </a:t>
-            </a:r>
-            <a:r>
-              <a:rPr lang="en-US" altLang="zh-TW" sz="2000" dirty="0" smtClean="0">
+              <a:t>Copy intro training files </a:t>
+            </a:r>
+            <a:r>
+              <a:rPr lang="en-US" altLang="zh-TW" sz="2000" dirty="0">
                 <a:solidFill>
                   <a:srgbClr val="4E5865"/>
                 </a:solidFill>
@@ -6863,7 +6721,7 @@
               <a:t>/apps/</a:t>
             </a:r>
             <a:r>
-              <a:rPr lang="en-US" altLang="zh-TW" sz="2000" dirty="0" err="1" smtClean="0">
+              <a:rPr lang="en-US" altLang="zh-TW" sz="2000" dirty="0" err="1">
                 <a:solidFill>
                   <a:srgbClr val="4E5865"/>
                 </a:solidFill>
@@ -6874,7 +6732,7 @@
               <a:t>leuven</a:t>
             </a:r>
             <a:r>
-              <a:rPr lang="en-US" altLang="zh-TW" sz="2000" dirty="0" smtClean="0">
+              <a:rPr lang="en-US" altLang="zh-TW" sz="2000" dirty="0">
                 <a:solidFill>
                   <a:srgbClr val="4E5865"/>
                 </a:solidFill>
@@ -6885,7 +6743,7 @@
               <a:t>/training/</a:t>
             </a:r>
             <a:r>
-              <a:rPr lang="en-US" altLang="zh-TW" sz="2000" dirty="0" err="1" smtClean="0">
+              <a:rPr lang="en-US" altLang="zh-TW" sz="2000" dirty="0" err="1">
                 <a:solidFill>
                   <a:srgbClr val="4E5865"/>
                 </a:solidFill>
@@ -6896,7 +6754,7 @@
               <a:t>HPC_intro</a:t>
             </a:r>
             <a:r>
-              <a:rPr lang="en-US" altLang="zh-TW" sz="2000" dirty="0" smtClean="0">
+              <a:rPr lang="en-US" altLang="zh-TW" sz="2000" dirty="0">
                 <a:solidFill>
                   <a:srgbClr val="4E5865"/>
                 </a:solidFill>
@@ -6988,7 +6846,7 @@
               <a:t>List all your jobs </a:t>
             </a:r>
             <a:r>
-              <a:rPr lang="en-US" altLang="zh-TW" sz="2000" dirty="0" err="1" smtClean="0">
+              <a:rPr lang="en-US" altLang="zh-TW" sz="2000" dirty="0" err="1">
                 <a:solidFill>
                   <a:srgbClr val="4E5865"/>
                 </a:solidFill>
@@ -6999,7 +6857,7 @@
               <a:t>squeue</a:t>
             </a:r>
             <a:r>
-              <a:rPr lang="en-US" altLang="zh-TW" sz="2000" dirty="0" smtClean="0">
+              <a:rPr lang="en-US" altLang="zh-TW" sz="2000" dirty="0">
                 <a:solidFill>
                   <a:srgbClr val="4E5865"/>
                 </a:solidFill>
@@ -7010,7 +6868,7 @@
               <a:t> -M </a:t>
             </a:r>
             <a:r>
-              <a:rPr lang="en-US" altLang="zh-TW" sz="2000" dirty="0" err="1" smtClean="0">
+              <a:rPr lang="en-US" altLang="zh-TW" sz="2000" dirty="0" err="1">
                 <a:solidFill>
                   <a:srgbClr val="4E5865"/>
                 </a:solidFill>
@@ -7061,7 +6919,7 @@
               <a:t> </a:t>
             </a:r>
             <a:r>
-              <a:rPr lang="en-US" altLang="zh-TW" sz="2000" dirty="0" err="1" smtClean="0">
+              <a:rPr lang="en-US" altLang="zh-TW" sz="2000" dirty="0" err="1">
                 <a:solidFill>
                   <a:srgbClr val="4E5865"/>
                 </a:solidFill>
@@ -7072,7 +6930,7 @@
               <a:t>slurm_jobinfo</a:t>
             </a:r>
             <a:r>
-              <a:rPr lang="en-US" altLang="zh-TW" sz="2000" dirty="0" smtClean="0">
+              <a:rPr lang="en-US" altLang="zh-TW" sz="2000" dirty="0">
                 <a:solidFill>
                   <a:srgbClr val="4E5865"/>
                 </a:solidFill>
@@ -7083,7 +6941,7 @@
               <a:t> -M </a:t>
             </a:r>
             <a:r>
-              <a:rPr lang="en-US" altLang="zh-TW" sz="2000" dirty="0" err="1" smtClean="0">
+              <a:rPr lang="en-US" altLang="zh-TW" sz="2000" dirty="0" err="1">
                 <a:solidFill>
                   <a:srgbClr val="4E5865"/>
                 </a:solidFill>
@@ -7094,7 +6952,7 @@
               <a:t>wice</a:t>
             </a:r>
             <a:r>
-              <a:rPr lang="en-US" altLang="zh-TW" sz="2000" dirty="0" smtClean="0">
+              <a:rPr lang="en-US" altLang="zh-TW" sz="2000" dirty="0">
                 <a:solidFill>
                   <a:srgbClr val="4E5865"/>
                 </a:solidFill>
@@ -7105,7 +6963,7 @@
               <a:t> &lt;</a:t>
             </a:r>
             <a:r>
-              <a:rPr lang="en-US" altLang="zh-TW" sz="2000" dirty="0" err="1" smtClean="0">
+              <a:rPr lang="en-US" altLang="zh-TW" sz="2000" dirty="0" err="1">
                 <a:solidFill>
                   <a:srgbClr val="4E5865"/>
                 </a:solidFill>
@@ -7116,7 +6974,7 @@
               <a:t>job_ID</a:t>
             </a:r>
             <a:r>
-              <a:rPr lang="en-US" altLang="zh-TW" sz="2000" dirty="0" smtClean="0">
+              <a:rPr lang="en-US" altLang="zh-TW" sz="2000" dirty="0">
                 <a:solidFill>
                   <a:srgbClr val="4E5865"/>
                 </a:solidFill>
@@ -7149,7 +7007,7 @@
               <a:t>Modify the </a:t>
             </a:r>
             <a:r>
-              <a:rPr lang="en-US" altLang="zh-TW" sz="2400" dirty="0" err="1" smtClean="0">
+              <a:rPr lang="en-US" altLang="zh-TW" sz="2400" dirty="0" err="1">
                 <a:solidFill>
                   <a:srgbClr val="4E5865"/>
                 </a:solidFill>
@@ -7158,40 +7016,13 @@
               <a:t>mpi.slurm</a:t>
             </a:r>
             <a:r>
-              <a:rPr lang="en-US" altLang="zh-TW" sz="2400" dirty="0" smtClean="0">
+              <a:rPr lang="en-US" altLang="zh-TW" sz="2400" dirty="0">
                 <a:solidFill>
                   <a:srgbClr val="4E5865"/>
                 </a:solidFill>
                 <a:ea typeface="新細明體" panose="02020500000000000000" pitchFamily="18" charset="-120"/>
               </a:rPr>
-              <a:t> </a:t>
-            </a:r>
-            <a:r>
-              <a:rPr lang="en-US" altLang="zh-TW" sz="2400" dirty="0">
-                <a:solidFill>
-                  <a:srgbClr val="4E5865"/>
-                </a:solidFill>
-                <a:ea typeface="新細明體" panose="02020500000000000000" pitchFamily="18" charset="-120"/>
-              </a:rPr>
-              <a:t>script to request 1 node, </a:t>
-            </a:r>
-            <a:r>
-              <a:rPr lang="en-US" altLang="zh-TW" sz="2400" dirty="0" smtClean="0">
-                <a:solidFill>
-                  <a:srgbClr val="4E5865"/>
-                </a:solidFill>
-                <a:ea typeface="新細明體" panose="02020500000000000000" pitchFamily="18" charset="-120"/>
-              </a:rPr>
-              <a:t>72 </a:t>
-            </a:r>
-            <a:r>
-              <a:rPr lang="en-US" altLang="zh-TW" sz="2400" dirty="0">
-                <a:solidFill>
-                  <a:srgbClr val="4E5865"/>
-                </a:solidFill>
-                <a:ea typeface="新細明體" panose="02020500000000000000" pitchFamily="18" charset="-120"/>
-              </a:rPr>
-              <a:t>cores for 30 minutes and get the notification about job start/end by e-mail</a:t>
+              <a:t> script to request 1 node, 72 cores for 30 minutes and get the notification about job start/end by e-mail</a:t>
             </a:r>
           </a:p>
           <a:p>
@@ -7274,2219 +7105,10 @@
   <p:clrMapOvr>
     <a:masterClrMapping/>
   </p:clrMapOvr>
-  <p:timing>
-    <p:tnLst>
-      <p:par>
-        <p:cTn id="1" dur="indefinite" restart="never" nodeType="tmRoot"/>
-      </p:par>
-    </p:tnLst>
-  </p:timing>
 </p:sld>
 </file>
 
 <file path=ppt/slides/slide4.xml><?xml version="1.0" encoding="utf-8"?>
-<p:sld xmlns:a="http://schemas.openxmlformats.org/drawingml/2006/main" xmlns:r="http://schemas.openxmlformats.org/officeDocument/2006/relationships" xmlns:p="http://schemas.openxmlformats.org/presentationml/2006/main">
-  <p:cSld>
-    <p:spTree>
-      <p:nvGrpSpPr>
-        <p:cNvPr id="1" name=""/>
-        <p:cNvGrpSpPr/>
-        <p:nvPr/>
-      </p:nvGrpSpPr>
-      <p:grpSpPr>
-        <a:xfrm>
-          <a:off x="0" y="0"/>
-          <a:ext cx="0" cy="0"/>
-          <a:chOff x="0" y="0"/>
-          <a:chExt cx="0" cy="0"/>
-        </a:xfrm>
-      </p:grpSpPr>
-      <p:sp>
-        <p:nvSpPr>
-          <p:cNvPr id="2" name="Titel 1"/>
-          <p:cNvSpPr>
-            <a:spLocks noGrp="1"/>
-          </p:cNvSpPr>
-          <p:nvPr>
-            <p:ph type="title"/>
-          </p:nvPr>
-        </p:nvSpPr>
-        <p:spPr/>
-        <p:txBody>
-          <a:bodyPr/>
-          <a:lstStyle/>
-          <a:p>
-            <a:r>
-              <a:rPr lang="en-US" altLang="zh-TW" dirty="0">
-                <a:solidFill>
-                  <a:srgbClr val="4E5865"/>
-                </a:solidFill>
-                <a:ea typeface="新細明體" panose="02020500000000000000" pitchFamily="18" charset="-120"/>
-              </a:rPr>
-              <a:t>demo - monitoring</a:t>
-            </a:r>
-            <a:endParaRPr lang="nl-BE" dirty="0">
-              <a:solidFill>
-                <a:srgbClr val="4E5865"/>
-              </a:solidFill>
-            </a:endParaRPr>
-          </a:p>
-        </p:txBody>
-      </p:sp>
-      <p:sp>
-        <p:nvSpPr>
-          <p:cNvPr id="3" name="Tijdelijke aanduiding voor inhoud 2"/>
-          <p:cNvSpPr>
-            <a:spLocks noGrp="1"/>
-          </p:cNvSpPr>
-          <p:nvPr>
-            <p:ph idx="1"/>
-          </p:nvPr>
-        </p:nvSpPr>
-        <p:spPr>
-          <a:xfrm>
-            <a:off x="287384" y="1619999"/>
-            <a:ext cx="11817530" cy="4872875"/>
-          </a:xfrm>
-        </p:spPr>
-        <p:txBody>
-          <a:bodyPr/>
-          <a:lstStyle/>
-          <a:p>
-            <a:pPr marL="700088" lvl="2" indent="-342900">
-              <a:buBlip>
-                <a:blip r:embed="rId3"/>
-              </a:buBlip>
-            </a:pPr>
-            <a:r>
-              <a:rPr lang="en-US" altLang="zh-TW" sz="2400" dirty="0">
-                <a:solidFill>
-                  <a:srgbClr val="4E5865"/>
-                </a:solidFill>
-                <a:ea typeface="新細明體" panose="02020500000000000000" pitchFamily="18" charset="-120"/>
-              </a:rPr>
-              <a:t>Submit an interactive job</a:t>
-            </a:r>
-          </a:p>
-          <a:p>
-            <a:pPr marL="357188" lvl="2" indent="0">
-              <a:buNone/>
-            </a:pPr>
-            <a:r>
-              <a:rPr lang="en-US" altLang="zh-TW" sz="2400" dirty="0" smtClean="0">
-                <a:solidFill>
-                  <a:srgbClr val="4E5865"/>
-                </a:solidFill>
-                <a:ea typeface="新細明體" panose="02020500000000000000" pitchFamily="18" charset="-120"/>
-              </a:rPr>
-              <a:t>	Run </a:t>
-            </a:r>
-            <a:r>
-              <a:rPr lang="en-US" altLang="zh-TW" sz="2400" dirty="0">
-                <a:solidFill>
-                  <a:srgbClr val="4E5865"/>
-                </a:solidFill>
-                <a:ea typeface="新細明體" panose="02020500000000000000" pitchFamily="18" charset="-120"/>
-              </a:rPr>
-              <a:t>your program on a compute node</a:t>
-            </a:r>
-          </a:p>
-          <a:p>
-            <a:pPr marL="357188" lvl="2" indent="0">
-              <a:buNone/>
-            </a:pPr>
-            <a:r>
-              <a:rPr lang="en-US" altLang="zh-TW" sz="2400" dirty="0" smtClean="0">
-                <a:solidFill>
-                  <a:srgbClr val="4E5865"/>
-                </a:solidFill>
-                <a:ea typeface="新細明體" panose="02020500000000000000" pitchFamily="18" charset="-120"/>
-              </a:rPr>
-              <a:t>	Open </a:t>
-            </a:r>
-            <a:r>
-              <a:rPr lang="en-US" altLang="zh-TW" sz="2400" dirty="0">
-                <a:solidFill>
-                  <a:srgbClr val="4E5865"/>
-                </a:solidFill>
-                <a:ea typeface="新細明體" panose="02020500000000000000" pitchFamily="18" charset="-120"/>
-              </a:rPr>
-              <a:t>a new terminal and </a:t>
-            </a:r>
-            <a:r>
-              <a:rPr lang="en-US" altLang="zh-TW" sz="2400" dirty="0" err="1">
-                <a:solidFill>
-                  <a:srgbClr val="4E5865"/>
-                </a:solidFill>
-                <a:ea typeface="新細明體" panose="02020500000000000000" pitchFamily="18" charset="-120"/>
-              </a:rPr>
-              <a:t>ssh</a:t>
-            </a:r>
-            <a:r>
-              <a:rPr lang="en-US" altLang="zh-TW" sz="2400" dirty="0">
-                <a:solidFill>
-                  <a:srgbClr val="4E5865"/>
-                </a:solidFill>
-                <a:ea typeface="新細明體" panose="02020500000000000000" pitchFamily="18" charset="-120"/>
-              </a:rPr>
-              <a:t> to a compute node </a:t>
-            </a:r>
-          </a:p>
-          <a:p>
-            <a:pPr marL="357188" lvl="2" indent="0">
-              <a:buNone/>
-            </a:pPr>
-            <a:r>
-              <a:rPr lang="en-US" altLang="zh-TW" sz="2400" dirty="0" smtClean="0">
-                <a:solidFill>
-                  <a:srgbClr val="4E5865"/>
-                </a:solidFill>
-                <a:ea typeface="新細明體" panose="02020500000000000000" pitchFamily="18" charset="-120"/>
-              </a:rPr>
-              <a:t>	Check </a:t>
-            </a:r>
-            <a:r>
-              <a:rPr lang="en-US" altLang="zh-TW" sz="2400" dirty="0">
-                <a:solidFill>
-                  <a:srgbClr val="4E5865"/>
-                </a:solidFill>
-                <a:ea typeface="新細明體" panose="02020500000000000000" pitchFamily="18" charset="-120"/>
-              </a:rPr>
-              <a:t>the resources usage (</a:t>
-            </a:r>
-            <a:r>
-              <a:rPr lang="en-US" altLang="zh-TW" sz="2400" dirty="0">
-                <a:solidFill>
-                  <a:srgbClr val="4E5865"/>
-                </a:solidFill>
-                <a:latin typeface="Courier New" panose="02070309020205020404" pitchFamily="49" charset="0"/>
-                <a:ea typeface="新細明體" panose="02020500000000000000" pitchFamily="18" charset="-120"/>
-                <a:cs typeface="Courier New" panose="02070309020205020404" pitchFamily="49" charset="0"/>
-              </a:rPr>
-              <a:t>top</a:t>
-            </a:r>
-            <a:r>
-              <a:rPr lang="en-US" altLang="zh-TW" sz="2400" dirty="0" smtClean="0">
-                <a:solidFill>
-                  <a:srgbClr val="4E5865"/>
-                </a:solidFill>
-                <a:ea typeface="新細明體" panose="02020500000000000000" pitchFamily="18" charset="-120"/>
-              </a:rPr>
-              <a:t>)</a:t>
-            </a:r>
-          </a:p>
-          <a:p>
-            <a:pPr marL="357188" lvl="2" indent="0">
-              <a:buNone/>
-            </a:pPr>
-            <a:endParaRPr lang="en-US" altLang="zh-TW" sz="2400" dirty="0">
-              <a:solidFill>
-                <a:srgbClr val="4E5865"/>
-              </a:solidFill>
-              <a:ea typeface="新細明體" panose="02020500000000000000" pitchFamily="18" charset="-120"/>
-            </a:endParaRPr>
-          </a:p>
-          <a:p>
-            <a:pPr marL="700088" lvl="2" indent="-342900">
-              <a:buBlip>
-                <a:blip r:embed="rId3"/>
-              </a:buBlip>
-            </a:pPr>
-            <a:r>
-              <a:rPr lang="en-US" altLang="zh-TW" sz="2400" dirty="0" smtClean="0">
-                <a:solidFill>
-                  <a:srgbClr val="4E5865"/>
-                </a:solidFill>
-                <a:ea typeface="新細明體" panose="02020500000000000000" pitchFamily="18" charset="-120"/>
-              </a:rPr>
-              <a:t>Submit </a:t>
-            </a:r>
-            <a:r>
-              <a:rPr lang="en-US" altLang="zh-TW" sz="2400" dirty="0">
-                <a:solidFill>
-                  <a:srgbClr val="4E5865"/>
-                </a:solidFill>
-                <a:ea typeface="新細明體" panose="02020500000000000000" pitchFamily="18" charset="-120"/>
-              </a:rPr>
-              <a:t>a batch GPU job </a:t>
-            </a:r>
-          </a:p>
-          <a:p>
-            <a:pPr marL="357188" lvl="2" indent="0">
-              <a:buNone/>
-              <a:tabLst>
-                <a:tab pos="1076325" algn="l"/>
-              </a:tabLst>
-            </a:pPr>
-            <a:r>
-              <a:rPr lang="en-US" altLang="zh-TW" sz="2400" dirty="0" smtClean="0">
-                <a:solidFill>
-                  <a:srgbClr val="4E5865"/>
-                </a:solidFill>
-                <a:ea typeface="新細明體" panose="02020500000000000000" pitchFamily="18" charset="-120"/>
-              </a:rPr>
-              <a:t>	While </a:t>
-            </a:r>
-            <a:r>
-              <a:rPr lang="en-US" altLang="zh-TW" sz="2400" dirty="0">
-                <a:solidFill>
-                  <a:srgbClr val="4E5865"/>
-                </a:solidFill>
-                <a:ea typeface="新細明體" panose="02020500000000000000" pitchFamily="18" charset="-120"/>
-              </a:rPr>
-              <a:t>the job is running get the information about the node </a:t>
-            </a:r>
-            <a:r>
-              <a:rPr lang="en-US" altLang="zh-TW" dirty="0" err="1" smtClean="0">
-                <a:solidFill>
-                  <a:srgbClr val="4E5865"/>
-                </a:solidFill>
-                <a:latin typeface="Courier New" panose="02070309020205020404" pitchFamily="49" charset="0"/>
-                <a:ea typeface="新細明體" panose="02020500000000000000" pitchFamily="18" charset="-120"/>
-                <a:cs typeface="Courier New" panose="02070309020205020404" pitchFamily="49" charset="0"/>
-              </a:rPr>
-              <a:t>slurm_jobinfo</a:t>
-            </a:r>
-            <a:r>
-              <a:rPr lang="en-US" altLang="zh-TW" dirty="0" smtClean="0">
-                <a:solidFill>
-                  <a:srgbClr val="4E5865"/>
-                </a:solidFill>
-                <a:latin typeface="Courier New" panose="02070309020205020404" pitchFamily="49" charset="0"/>
-                <a:ea typeface="新細明體" panose="02020500000000000000" pitchFamily="18" charset="-120"/>
-                <a:cs typeface="Courier New" panose="02070309020205020404" pitchFamily="49" charset="0"/>
-              </a:rPr>
-              <a:t>...</a:t>
-            </a:r>
-            <a:endParaRPr lang="en-US" altLang="zh-TW" dirty="0" smtClean="0">
-              <a:solidFill>
-                <a:srgbClr val="4E5865"/>
-              </a:solidFill>
-              <a:ea typeface="新細明體" panose="02020500000000000000" pitchFamily="18" charset="-120"/>
-            </a:endParaRPr>
-          </a:p>
-          <a:p>
-            <a:pPr marL="357188" lvl="2" indent="0">
-              <a:buNone/>
-              <a:tabLst>
-                <a:tab pos="1076325" algn="l"/>
-              </a:tabLst>
-            </a:pPr>
-            <a:r>
-              <a:rPr lang="en-US" altLang="zh-TW" sz="2400" dirty="0">
-                <a:solidFill>
-                  <a:srgbClr val="4E5865"/>
-                </a:solidFill>
-                <a:ea typeface="新細明體" panose="02020500000000000000" pitchFamily="18" charset="-120"/>
-              </a:rPr>
-              <a:t>	</a:t>
-            </a:r>
-            <a:r>
-              <a:rPr lang="en-US" altLang="zh-TW" sz="2400" dirty="0" smtClean="0">
-                <a:solidFill>
-                  <a:srgbClr val="4E5865"/>
-                </a:solidFill>
-                <a:ea typeface="新細明體" panose="02020500000000000000" pitchFamily="18" charset="-120"/>
-              </a:rPr>
-              <a:t>and </a:t>
-            </a:r>
-            <a:r>
-              <a:rPr lang="en-US" altLang="zh-TW" sz="2400" dirty="0">
-                <a:solidFill>
-                  <a:srgbClr val="4E5865"/>
-                </a:solidFill>
-                <a:ea typeface="新細明體" panose="02020500000000000000" pitchFamily="18" charset="-120"/>
-              </a:rPr>
-              <a:t>check usage of resources on the node </a:t>
-            </a:r>
-            <a:r>
-              <a:rPr lang="en-US" altLang="zh-TW" dirty="0" err="1" smtClean="0">
-                <a:solidFill>
-                  <a:srgbClr val="4E5865"/>
-                </a:solidFill>
-                <a:latin typeface="Courier New" panose="02070309020205020404" pitchFamily="49" charset="0"/>
-                <a:ea typeface="新細明體" panose="02020500000000000000" pitchFamily="18" charset="-120"/>
-                <a:cs typeface="Courier New" panose="02070309020205020404" pitchFamily="49" charset="0"/>
-              </a:rPr>
-              <a:t>ssh</a:t>
-            </a:r>
-            <a:r>
-              <a:rPr lang="en-US" altLang="zh-TW" dirty="0">
-                <a:solidFill>
-                  <a:srgbClr val="4E5865"/>
-                </a:solidFill>
-                <a:ea typeface="新細明體" panose="02020500000000000000" pitchFamily="18" charset="-120"/>
-              </a:rPr>
-              <a:t>, </a:t>
-            </a:r>
-            <a:r>
-              <a:rPr lang="en-US" altLang="zh-TW" dirty="0">
-                <a:solidFill>
-                  <a:srgbClr val="4E5865"/>
-                </a:solidFill>
-                <a:latin typeface="Courier New" panose="02070309020205020404" pitchFamily="49" charset="0"/>
-                <a:ea typeface="新細明體" panose="02020500000000000000" pitchFamily="18" charset="-120"/>
-                <a:cs typeface="Courier New" panose="02070309020205020404" pitchFamily="49" charset="0"/>
-              </a:rPr>
-              <a:t>top</a:t>
-            </a:r>
-            <a:r>
-              <a:rPr lang="en-US" altLang="zh-TW" dirty="0">
-                <a:solidFill>
-                  <a:srgbClr val="4E5865"/>
-                </a:solidFill>
-                <a:ea typeface="新細明體" panose="02020500000000000000" pitchFamily="18" charset="-120"/>
-              </a:rPr>
-              <a:t>, </a:t>
-            </a:r>
-            <a:r>
-              <a:rPr lang="en-US" altLang="zh-TW" dirty="0" err="1" smtClean="0">
-                <a:solidFill>
-                  <a:srgbClr val="4E5865"/>
-                </a:solidFill>
-                <a:latin typeface="Courier New" panose="02070309020205020404" pitchFamily="49" charset="0"/>
-                <a:ea typeface="新細明體" panose="02020500000000000000" pitchFamily="18" charset="-120"/>
-                <a:cs typeface="Courier New" panose="02070309020205020404" pitchFamily="49" charset="0"/>
-              </a:rPr>
-              <a:t>nvidia-smi</a:t>
-            </a:r>
-            <a:endParaRPr lang="en-US" altLang="zh-TW" dirty="0">
-              <a:solidFill>
-                <a:srgbClr val="4E5865"/>
-              </a:solidFill>
-              <a:ea typeface="新細明體" panose="02020500000000000000" pitchFamily="18" charset="-120"/>
-            </a:endParaRPr>
-          </a:p>
-        </p:txBody>
-      </p:sp>
-      <p:sp>
-        <p:nvSpPr>
-          <p:cNvPr id="10" name="Slide Number Placeholder 5">
-            <a:extLst>
-              <a:ext uri="{FF2B5EF4-FFF2-40B4-BE49-F238E27FC236}">
-                <a16:creationId xmlns:a16="http://schemas.microsoft.com/office/drawing/2014/main" id="{A5B30D68-186D-45F9-BEB0-589C494268F8}"/>
-              </a:ext>
-            </a:extLst>
-          </p:cNvPr>
-          <p:cNvSpPr>
-            <a:spLocks noGrp="1"/>
-          </p:cNvSpPr>
-          <p:nvPr>
-            <p:ph type="sldNum" sz="quarter" idx="12"/>
-          </p:nvPr>
-        </p:nvSpPr>
-        <p:spPr>
-          <a:xfrm>
-            <a:off x="5844850" y="6384344"/>
-            <a:ext cx="502300" cy="365125"/>
-          </a:xfrm>
-        </p:spPr>
-        <p:txBody>
-          <a:bodyPr/>
-          <a:lstStyle/>
-          <a:p>
-            <a:fld id="{A2912448-FEEC-49E8-9588-2DF1F90D57C2}" type="slidenum">
-              <a:rPr lang="en-US" smtClean="0"/>
-              <a:t>4</a:t>
-            </a:fld>
-            <a:endParaRPr lang="en-US" dirty="0"/>
-          </a:p>
-        </p:txBody>
-      </p:sp>
-    </p:spTree>
-    <p:extLst>
-      <p:ext uri="{BB962C8B-B14F-4D97-AF65-F5344CB8AC3E}">
-        <p14:creationId xmlns:p14="http://schemas.microsoft.com/office/powerpoint/2010/main" val="2662450730"/>
-      </p:ext>
-    </p:extLst>
-  </p:cSld>
-  <p:clrMapOvr>
-    <a:masterClrMapping/>
-  </p:clrMapOvr>
-  <p:timing>
-    <p:tnLst>
-      <p:par>
-        <p:cTn id="1" dur="indefinite" restart="never" nodeType="tmRoot"/>
-      </p:par>
-    </p:tnLst>
-  </p:timing>
-</p:sld>
-</file>
-
-<file path=ppt/slides/slide5.xml><?xml version="1.0" encoding="utf-8"?>
-<p:sld xmlns:a="http://schemas.openxmlformats.org/drawingml/2006/main" xmlns:r="http://schemas.openxmlformats.org/officeDocument/2006/relationships" xmlns:p="http://schemas.openxmlformats.org/presentationml/2006/main">
-  <p:cSld>
-    <p:spTree>
-      <p:nvGrpSpPr>
-        <p:cNvPr id="1" name=""/>
-        <p:cNvGrpSpPr/>
-        <p:nvPr/>
-      </p:nvGrpSpPr>
-      <p:grpSpPr>
-        <a:xfrm>
-          <a:off x="0" y="0"/>
-          <a:ext cx="0" cy="0"/>
-          <a:chOff x="0" y="0"/>
-          <a:chExt cx="0" cy="0"/>
-        </a:xfrm>
-      </p:grpSpPr>
-      <p:sp>
-        <p:nvSpPr>
-          <p:cNvPr id="2" name="Titel 1"/>
-          <p:cNvSpPr>
-            <a:spLocks noGrp="1"/>
-          </p:cNvSpPr>
-          <p:nvPr>
-            <p:ph type="title"/>
-          </p:nvPr>
-        </p:nvSpPr>
-        <p:spPr/>
-        <p:txBody>
-          <a:bodyPr/>
-          <a:lstStyle/>
-          <a:p>
-            <a:r>
-              <a:rPr lang="en-US" altLang="zh-TW" dirty="0">
-                <a:solidFill>
-                  <a:srgbClr val="4E5865"/>
-                </a:solidFill>
-                <a:ea typeface="新細明體" panose="02020500000000000000" pitchFamily="18" charset="-120"/>
-              </a:rPr>
-              <a:t>demo – </a:t>
-            </a:r>
-            <a:r>
-              <a:rPr lang="en-US" altLang="zh-TW" dirty="0" err="1">
-                <a:solidFill>
-                  <a:srgbClr val="4E5865"/>
-                </a:solidFill>
-                <a:ea typeface="新細明體" panose="02020500000000000000" pitchFamily="18" charset="-120"/>
-              </a:rPr>
-              <a:t>conda</a:t>
-            </a:r>
-            <a:r>
-              <a:rPr lang="en-US" altLang="zh-TW" dirty="0">
-                <a:solidFill>
-                  <a:srgbClr val="4E5865"/>
-                </a:solidFill>
-                <a:ea typeface="新細明體" panose="02020500000000000000" pitchFamily="18" charset="-120"/>
-              </a:rPr>
-              <a:t> installation</a:t>
-            </a:r>
-            <a:endParaRPr lang="nl-BE" dirty="0">
-              <a:solidFill>
-                <a:srgbClr val="4E5865"/>
-              </a:solidFill>
-            </a:endParaRPr>
-          </a:p>
-        </p:txBody>
-      </p:sp>
-      <p:sp>
-        <p:nvSpPr>
-          <p:cNvPr id="3" name="Tijdelijke aanduiding voor inhoud 2"/>
-          <p:cNvSpPr>
-            <a:spLocks noGrp="1"/>
-          </p:cNvSpPr>
-          <p:nvPr>
-            <p:ph idx="1"/>
-          </p:nvPr>
-        </p:nvSpPr>
-        <p:spPr>
-          <a:xfrm>
-            <a:off x="287384" y="1619999"/>
-            <a:ext cx="11817530" cy="4872875"/>
-          </a:xfrm>
-        </p:spPr>
-        <p:txBody>
-          <a:bodyPr/>
-          <a:lstStyle/>
-          <a:p>
-            <a:pPr marL="700088" lvl="2" indent="-342900">
-              <a:buBlip>
-                <a:blip r:embed="rId2"/>
-              </a:buBlip>
-            </a:pPr>
-            <a:r>
-              <a:rPr lang="en-US" altLang="zh-TW" sz="2400" dirty="0">
-                <a:solidFill>
-                  <a:srgbClr val="4E5865"/>
-                </a:solidFill>
-                <a:ea typeface="新細明體" panose="02020500000000000000" pitchFamily="18" charset="-120"/>
-              </a:rPr>
-              <a:t>Install </a:t>
-            </a:r>
-            <a:r>
-              <a:rPr lang="en-US" altLang="zh-TW" sz="2400" dirty="0" err="1">
-                <a:solidFill>
-                  <a:srgbClr val="4E5865"/>
-                </a:solidFill>
-                <a:ea typeface="新細明體" panose="02020500000000000000" pitchFamily="18" charset="-120"/>
-              </a:rPr>
-              <a:t>miniconda</a:t>
-            </a:r>
-            <a:r>
-              <a:rPr lang="en-US" altLang="zh-TW" sz="2400" dirty="0">
-                <a:solidFill>
-                  <a:srgbClr val="4E5865"/>
-                </a:solidFill>
-                <a:ea typeface="新細明體" panose="02020500000000000000" pitchFamily="18" charset="-120"/>
-              </a:rPr>
-              <a:t> in your </a:t>
-            </a:r>
-            <a:r>
-              <a:rPr lang="en-US" altLang="zh-TW" dirty="0">
-                <a:solidFill>
-                  <a:srgbClr val="4E5865"/>
-                </a:solidFill>
-                <a:latin typeface="Courier New" panose="02070309020205020404" pitchFamily="49" charset="0"/>
-                <a:ea typeface="新細明體" panose="02020500000000000000" pitchFamily="18" charset="-120"/>
-                <a:cs typeface="Courier New" panose="02070309020205020404" pitchFamily="49" charset="0"/>
-              </a:rPr>
-              <a:t>$VSC_DATA </a:t>
-            </a:r>
-            <a:r>
-              <a:rPr lang="en-US" altLang="zh-TW" sz="2400" dirty="0">
-                <a:solidFill>
-                  <a:srgbClr val="4E5865"/>
-                </a:solidFill>
-                <a:ea typeface="新細明體" panose="02020500000000000000" pitchFamily="18" charset="-120"/>
-              </a:rPr>
-              <a:t>directory</a:t>
-            </a:r>
-          </a:p>
-          <a:p>
-            <a:r>
-              <a:rPr lang="nl-BE" sz="2000" dirty="0">
-                <a:solidFill>
-                  <a:srgbClr val="4E5865"/>
-                </a:solidFill>
-                <a:latin typeface="Courier New" panose="02070309020205020404" pitchFamily="49" charset="0"/>
-                <a:cs typeface="Courier New" panose="02070309020205020404" pitchFamily="49" charset="0"/>
-              </a:rPr>
-              <a:t>$ </a:t>
-            </a:r>
-            <a:r>
-              <a:rPr lang="nl-BE" sz="2000" dirty="0" err="1">
-                <a:latin typeface="Courier New" panose="02070309020205020404" pitchFamily="49" charset="0"/>
-                <a:cs typeface="Courier New" panose="02070309020205020404" pitchFamily="49" charset="0"/>
-              </a:rPr>
-              <a:t>wget</a:t>
-            </a:r>
-            <a:r>
-              <a:rPr lang="nl-BE" sz="2000" dirty="0">
-                <a:latin typeface="Courier New" panose="02070309020205020404" pitchFamily="49" charset="0"/>
-                <a:cs typeface="Courier New" panose="02070309020205020404" pitchFamily="49" charset="0"/>
-              </a:rPr>
-              <a:t> https://repo.continuum.io/miniconda/Miniconda3-latest-Linux-x86_64.sh </a:t>
-            </a:r>
-          </a:p>
-          <a:p>
-            <a:r>
-              <a:rPr lang="it-IT" sz="2000" dirty="0">
-                <a:latin typeface="Courier New" panose="02070309020205020404" pitchFamily="49" charset="0"/>
-                <a:cs typeface="Courier New" panose="02070309020205020404" pitchFamily="49" charset="0"/>
-              </a:rPr>
-              <a:t>$ </a:t>
-            </a:r>
-            <a:r>
-              <a:rPr lang="it-IT" sz="2000" dirty="0" err="1">
-                <a:latin typeface="Courier New" panose="02070309020205020404" pitchFamily="49" charset="0"/>
-                <a:cs typeface="Courier New" panose="02070309020205020404" pitchFamily="49" charset="0"/>
-              </a:rPr>
-              <a:t>bash</a:t>
-            </a:r>
-            <a:r>
-              <a:rPr lang="it-IT" sz="2000" dirty="0">
-                <a:latin typeface="Courier New" panose="02070309020205020404" pitchFamily="49" charset="0"/>
-                <a:cs typeface="Courier New" panose="02070309020205020404" pitchFamily="49" charset="0"/>
-              </a:rPr>
-              <a:t> Miniconda3-latest-Linux-x86_64.sh -b -p $VSC_DATA/miniconda3 </a:t>
-            </a:r>
-          </a:p>
-          <a:p>
-            <a:pPr marL="700088" indent="-342900">
-              <a:buBlip>
-                <a:blip r:embed="rId2"/>
-              </a:buBlip>
-            </a:pPr>
-            <a:r>
-              <a:rPr lang="nl-BE" sz="2400" dirty="0" err="1">
-                <a:solidFill>
-                  <a:srgbClr val="4E5865"/>
-                </a:solidFill>
-                <a:cs typeface="Courier New" panose="02070309020205020404" pitchFamily="49" charset="0"/>
-              </a:rPr>
-              <a:t>Add</a:t>
-            </a:r>
-            <a:r>
-              <a:rPr lang="nl-BE" sz="2400" dirty="0">
-                <a:solidFill>
-                  <a:srgbClr val="4E5865"/>
-                </a:solidFill>
-                <a:cs typeface="Courier New" panose="02070309020205020404" pitchFamily="49" charset="0"/>
-              </a:rPr>
-              <a:t> a PATH </a:t>
-            </a:r>
-            <a:r>
-              <a:rPr lang="nl-BE" sz="2400" dirty="0" err="1">
-                <a:solidFill>
-                  <a:srgbClr val="4E5865"/>
-                </a:solidFill>
-                <a:cs typeface="Courier New" panose="02070309020205020404" pitchFamily="49" charset="0"/>
-              </a:rPr>
-              <a:t>to</a:t>
-            </a:r>
-            <a:r>
-              <a:rPr lang="nl-BE" sz="2400" dirty="0">
-                <a:solidFill>
-                  <a:srgbClr val="4E5865"/>
-                </a:solidFill>
-                <a:cs typeface="Courier New" panose="02070309020205020404" pitchFamily="49" charset="0"/>
-              </a:rPr>
-              <a:t> </a:t>
-            </a:r>
-            <a:r>
-              <a:rPr lang="nl-BE" sz="2400" dirty="0" err="1">
-                <a:solidFill>
-                  <a:srgbClr val="4E5865"/>
-                </a:solidFill>
-                <a:cs typeface="Courier New" panose="02070309020205020404" pitchFamily="49" charset="0"/>
-              </a:rPr>
-              <a:t>conda</a:t>
-            </a:r>
-            <a:r>
-              <a:rPr lang="nl-BE" sz="2400" dirty="0">
-                <a:solidFill>
-                  <a:srgbClr val="4E5865"/>
-                </a:solidFill>
-                <a:cs typeface="Courier New" panose="02070309020205020404" pitchFamily="49" charset="0"/>
-              </a:rPr>
-              <a:t>: </a:t>
-            </a:r>
-          </a:p>
-          <a:p>
-            <a:r>
-              <a:rPr lang="nl-BE" altLang="nl-BE" sz="2000" dirty="0">
-                <a:latin typeface="Courier New" panose="02070309020205020404" pitchFamily="49" charset="0"/>
-                <a:cs typeface="Courier New" panose="02070309020205020404" pitchFamily="49" charset="0"/>
-              </a:rPr>
-              <a:t>$ export PATH="${VSC_DATA}/miniconda3/bin:${PATH}" </a:t>
-            </a:r>
-          </a:p>
-          <a:p>
-            <a:pPr marL="700088" indent="-342900">
-              <a:buBlip>
-                <a:blip r:embed="rId2"/>
-              </a:buBlip>
-            </a:pPr>
-            <a:r>
-              <a:rPr lang="nl-BE" sz="2400" dirty="0">
-                <a:solidFill>
-                  <a:srgbClr val="4E5865"/>
-                </a:solidFill>
-                <a:cs typeface="Courier New" panose="02070309020205020404" pitchFamily="49" charset="0"/>
-              </a:rPr>
-              <a:t>Check </a:t>
-            </a:r>
-            <a:r>
-              <a:rPr lang="nl-BE" sz="2400" dirty="0" err="1">
-                <a:solidFill>
-                  <a:srgbClr val="4E5865"/>
-                </a:solidFill>
-                <a:cs typeface="Courier New" panose="02070309020205020404" pitchFamily="49" charset="0"/>
-              </a:rPr>
-              <a:t>if</a:t>
-            </a:r>
-            <a:r>
-              <a:rPr lang="nl-BE" sz="2400" dirty="0">
-                <a:solidFill>
-                  <a:srgbClr val="4E5865"/>
-                </a:solidFill>
-                <a:cs typeface="Courier New" panose="02070309020205020404" pitchFamily="49" charset="0"/>
-              </a:rPr>
-              <a:t> </a:t>
-            </a:r>
-            <a:r>
-              <a:rPr lang="nl-BE" sz="2400" dirty="0" err="1">
-                <a:solidFill>
-                  <a:srgbClr val="4E5865"/>
-                </a:solidFill>
-                <a:cs typeface="Courier New" panose="02070309020205020404" pitchFamily="49" charset="0"/>
-              </a:rPr>
-              <a:t>conda</a:t>
-            </a:r>
-            <a:r>
-              <a:rPr lang="nl-BE" sz="2400" dirty="0">
-                <a:solidFill>
-                  <a:srgbClr val="4E5865"/>
-                </a:solidFill>
-                <a:cs typeface="Courier New" panose="02070309020205020404" pitchFamily="49" charset="0"/>
-              </a:rPr>
-              <a:t> in </a:t>
-            </a:r>
-            <a:r>
-              <a:rPr lang="nl-BE" sz="2400" dirty="0" err="1">
-                <a:solidFill>
-                  <a:srgbClr val="4E5865"/>
-                </a:solidFill>
-                <a:cs typeface="Courier New" panose="02070309020205020404" pitchFamily="49" charset="0"/>
-              </a:rPr>
-              <a:t>added</a:t>
-            </a:r>
-            <a:r>
-              <a:rPr lang="nl-BE" sz="2400" dirty="0">
-                <a:solidFill>
-                  <a:srgbClr val="4E5865"/>
-                </a:solidFill>
-                <a:cs typeface="Courier New" panose="02070309020205020404" pitchFamily="49" charset="0"/>
-              </a:rPr>
-              <a:t> </a:t>
-            </a:r>
-            <a:r>
-              <a:rPr lang="nl-BE" sz="2400" dirty="0" err="1">
-                <a:solidFill>
-                  <a:srgbClr val="4E5865"/>
-                </a:solidFill>
-                <a:cs typeface="Courier New" panose="02070309020205020404" pitchFamily="49" charset="0"/>
-              </a:rPr>
-              <a:t>to</a:t>
-            </a:r>
-            <a:r>
-              <a:rPr lang="nl-BE" sz="2400" dirty="0">
-                <a:solidFill>
-                  <a:srgbClr val="4E5865"/>
-                </a:solidFill>
-                <a:cs typeface="Courier New" panose="02070309020205020404" pitchFamily="49" charset="0"/>
-              </a:rPr>
-              <a:t> </a:t>
-            </a:r>
-            <a:r>
-              <a:rPr lang="nl-BE" sz="2400" dirty="0" err="1">
-                <a:solidFill>
-                  <a:srgbClr val="4E5865"/>
-                </a:solidFill>
-                <a:cs typeface="Courier New" panose="02070309020205020404" pitchFamily="49" charset="0"/>
-              </a:rPr>
-              <a:t>your</a:t>
-            </a:r>
-            <a:r>
-              <a:rPr lang="nl-BE" sz="2400" dirty="0">
-                <a:solidFill>
-                  <a:srgbClr val="4E5865"/>
-                </a:solidFill>
-                <a:cs typeface="Courier New" panose="02070309020205020404" pitchFamily="49" charset="0"/>
-              </a:rPr>
-              <a:t> </a:t>
-            </a:r>
-            <a:r>
-              <a:rPr lang="nl-BE" sz="2000" dirty="0">
-                <a:solidFill>
-                  <a:srgbClr val="4E5865"/>
-                </a:solidFill>
-                <a:latin typeface="Courier New" panose="02070309020205020404" pitchFamily="49" charset="0"/>
-                <a:cs typeface="Courier New" panose="02070309020205020404" pitchFamily="49" charset="0"/>
-              </a:rPr>
-              <a:t>$PATH ($ </a:t>
-            </a:r>
-            <a:r>
-              <a:rPr lang="nl-BE" sz="2000" dirty="0" err="1">
-                <a:solidFill>
-                  <a:srgbClr val="4E5865"/>
-                </a:solidFill>
-                <a:latin typeface="Courier New" panose="02070309020205020404" pitchFamily="49" charset="0"/>
-                <a:cs typeface="Courier New" panose="02070309020205020404" pitchFamily="49" charset="0"/>
-              </a:rPr>
-              <a:t>which</a:t>
-            </a:r>
-            <a:r>
-              <a:rPr lang="nl-BE" sz="2000" dirty="0">
-                <a:solidFill>
-                  <a:srgbClr val="4E5865"/>
-                </a:solidFill>
-                <a:latin typeface="Courier New" panose="02070309020205020404" pitchFamily="49" charset="0"/>
-                <a:cs typeface="Courier New" panose="02070309020205020404" pitchFamily="49" charset="0"/>
-              </a:rPr>
-              <a:t> </a:t>
-            </a:r>
-            <a:r>
-              <a:rPr lang="nl-BE" sz="2000" dirty="0" err="1">
-                <a:solidFill>
-                  <a:srgbClr val="4E5865"/>
-                </a:solidFill>
-                <a:latin typeface="Courier New" panose="02070309020205020404" pitchFamily="49" charset="0"/>
-                <a:cs typeface="Courier New" panose="02070309020205020404" pitchFamily="49" charset="0"/>
-              </a:rPr>
-              <a:t>conda</a:t>
-            </a:r>
-            <a:r>
-              <a:rPr lang="nl-BE" sz="2000" dirty="0">
-                <a:solidFill>
-                  <a:srgbClr val="4E5865"/>
-                </a:solidFill>
-                <a:latin typeface="Courier New" panose="02070309020205020404" pitchFamily="49" charset="0"/>
-                <a:cs typeface="Courier New" panose="02070309020205020404" pitchFamily="49" charset="0"/>
-              </a:rPr>
-              <a:t>)</a:t>
-            </a:r>
-            <a:endParaRPr lang="nl-BE" sz="2400" dirty="0">
-              <a:solidFill>
-                <a:srgbClr val="4E5865"/>
-              </a:solidFill>
-              <a:latin typeface="Courier New" panose="02070309020205020404" pitchFamily="49" charset="0"/>
-              <a:cs typeface="Courier New" panose="02070309020205020404" pitchFamily="49" charset="0"/>
-            </a:endParaRPr>
-          </a:p>
-          <a:p>
-            <a:pPr marL="357188" indent="0">
-              <a:buNone/>
-            </a:pPr>
-            <a:r>
-              <a:rPr lang="nl-BE" sz="2400" dirty="0" err="1">
-                <a:solidFill>
-                  <a:srgbClr val="4E5865"/>
-                </a:solidFill>
-                <a:cs typeface="Courier New" panose="02070309020205020404" pitchFamily="49" charset="0"/>
-              </a:rPr>
-              <a:t>Add</a:t>
-            </a:r>
-            <a:r>
-              <a:rPr lang="nl-BE" sz="2400" dirty="0">
-                <a:solidFill>
-                  <a:srgbClr val="4E5865"/>
-                </a:solidFill>
-                <a:cs typeface="Courier New" panose="02070309020205020404" pitchFamily="49" charset="0"/>
-              </a:rPr>
-              <a:t> </a:t>
-            </a:r>
-            <a:r>
-              <a:rPr lang="nl-BE" sz="2400" dirty="0" err="1">
-                <a:solidFill>
-                  <a:srgbClr val="4E5865"/>
-                </a:solidFill>
-                <a:cs typeface="Courier New" panose="02070309020205020404" pitchFamily="49" charset="0"/>
-              </a:rPr>
-              <a:t>it</a:t>
-            </a:r>
-            <a:r>
-              <a:rPr lang="nl-BE" sz="2400" dirty="0">
-                <a:solidFill>
-                  <a:srgbClr val="4E5865"/>
-                </a:solidFill>
-                <a:cs typeface="Courier New" panose="02070309020205020404" pitchFamily="49" charset="0"/>
-              </a:rPr>
-              <a:t> </a:t>
-            </a:r>
-            <a:r>
-              <a:rPr lang="nl-BE" sz="2400" dirty="0" err="1">
-                <a:solidFill>
-                  <a:srgbClr val="4E5865"/>
-                </a:solidFill>
-                <a:cs typeface="Courier New" panose="02070309020205020404" pitchFamily="49" charset="0"/>
-              </a:rPr>
-              <a:t>to</a:t>
-            </a:r>
-            <a:r>
-              <a:rPr lang="nl-BE" sz="2400" dirty="0">
-                <a:solidFill>
-                  <a:srgbClr val="4E5865"/>
-                </a:solidFill>
-                <a:cs typeface="Courier New" panose="02070309020205020404" pitchFamily="49" charset="0"/>
-              </a:rPr>
-              <a:t> </a:t>
-            </a:r>
-            <a:r>
-              <a:rPr lang="nl-BE" sz="2000" dirty="0">
-                <a:solidFill>
-                  <a:srgbClr val="4E5865"/>
-                </a:solidFill>
-                <a:latin typeface="Courier New" panose="02070309020205020404" pitchFamily="49" charset="0"/>
-                <a:cs typeface="Courier New" panose="02070309020205020404" pitchFamily="49" charset="0"/>
-              </a:rPr>
-              <a:t>$PATH </a:t>
-            </a:r>
-            <a:r>
-              <a:rPr lang="nl-BE" sz="2400" dirty="0">
-                <a:solidFill>
-                  <a:srgbClr val="4E5865"/>
-                </a:solidFill>
-                <a:cs typeface="Courier New" panose="02070309020205020404" pitchFamily="49" charset="0"/>
-              </a:rPr>
-              <a:t>in </a:t>
-            </a:r>
-            <a:r>
-              <a:rPr lang="nl-BE" sz="2400" dirty="0" err="1">
-                <a:solidFill>
-                  <a:srgbClr val="4E5865"/>
-                </a:solidFill>
-                <a:cs typeface="Courier New" panose="02070309020205020404" pitchFamily="49" charset="0"/>
-              </a:rPr>
-              <a:t>your</a:t>
-            </a:r>
-            <a:r>
-              <a:rPr lang="nl-BE" sz="2400" dirty="0">
-                <a:solidFill>
-                  <a:srgbClr val="4E5865"/>
-                </a:solidFill>
-                <a:cs typeface="Courier New" panose="02070309020205020404" pitchFamily="49" charset="0"/>
-              </a:rPr>
-              <a:t> </a:t>
-            </a:r>
-            <a:r>
-              <a:rPr lang="nl-BE" sz="2000" dirty="0">
-                <a:solidFill>
-                  <a:srgbClr val="4E5865"/>
-                </a:solidFill>
-                <a:latin typeface="Courier New" panose="02070309020205020404" pitchFamily="49" charset="0"/>
-                <a:cs typeface="Courier New" panose="02070309020205020404" pitchFamily="49" charset="0"/>
-              </a:rPr>
-              <a:t>.</a:t>
-            </a:r>
-            <a:r>
-              <a:rPr lang="nl-BE" sz="2000" dirty="0" err="1">
-                <a:solidFill>
-                  <a:srgbClr val="4E5865"/>
-                </a:solidFill>
-                <a:latin typeface="Courier New" panose="02070309020205020404" pitchFamily="49" charset="0"/>
-                <a:cs typeface="Courier New" panose="02070309020205020404" pitchFamily="49" charset="0"/>
-              </a:rPr>
-              <a:t>bashrc</a:t>
-            </a:r>
-            <a:r>
-              <a:rPr lang="nl-BE" sz="2000" dirty="0">
-                <a:solidFill>
-                  <a:srgbClr val="4E5865"/>
-                </a:solidFill>
-                <a:latin typeface="Courier New" panose="02070309020205020404" pitchFamily="49" charset="0"/>
-                <a:cs typeface="Courier New" panose="02070309020205020404" pitchFamily="49" charset="0"/>
-              </a:rPr>
-              <a:t> </a:t>
-            </a:r>
-          </a:p>
-          <a:p>
-            <a:pPr marL="271463" indent="-271463"/>
-            <a:r>
-              <a:rPr lang="nl-BE" sz="2000" dirty="0">
-                <a:solidFill>
-                  <a:srgbClr val="4E5865"/>
-                </a:solidFill>
-                <a:latin typeface="Courier New" panose="02070309020205020404" pitchFamily="49" charset="0"/>
-                <a:cs typeface="Courier New" panose="02070309020205020404" pitchFamily="49" charset="0"/>
-              </a:rPr>
-              <a:t>$ echo 'export PATH="${VSC_DATA}/miniconda3/bin:${PATH}" ' &gt;&gt; .</a:t>
-            </a:r>
-            <a:r>
-              <a:rPr lang="nl-BE" sz="2000" dirty="0" err="1">
-                <a:solidFill>
-                  <a:srgbClr val="4E5865"/>
-                </a:solidFill>
-                <a:latin typeface="Courier New" panose="02070309020205020404" pitchFamily="49" charset="0"/>
-                <a:cs typeface="Courier New" panose="02070309020205020404" pitchFamily="49" charset="0"/>
-              </a:rPr>
-              <a:t>bashrc</a:t>
-            </a:r>
-            <a:endParaRPr lang="nl-BE" sz="2400" dirty="0">
-              <a:solidFill>
-                <a:srgbClr val="4E5865"/>
-              </a:solidFill>
-              <a:latin typeface="Courier New" panose="02070309020205020404" pitchFamily="49" charset="0"/>
-              <a:cs typeface="Courier New" panose="02070309020205020404" pitchFamily="49" charset="0"/>
-            </a:endParaRPr>
-          </a:p>
-        </p:txBody>
-      </p:sp>
-      <p:sp>
-        <p:nvSpPr>
-          <p:cNvPr id="10" name="Slide Number Placeholder 5">
-            <a:extLst>
-              <a:ext uri="{FF2B5EF4-FFF2-40B4-BE49-F238E27FC236}">
-                <a16:creationId xmlns:a16="http://schemas.microsoft.com/office/drawing/2014/main" id="{A5B30D68-186D-45F9-BEB0-589C494268F8}"/>
-              </a:ext>
-            </a:extLst>
-          </p:cNvPr>
-          <p:cNvSpPr>
-            <a:spLocks noGrp="1"/>
-          </p:cNvSpPr>
-          <p:nvPr>
-            <p:ph type="sldNum" sz="quarter" idx="12"/>
-          </p:nvPr>
-        </p:nvSpPr>
-        <p:spPr>
-          <a:xfrm>
-            <a:off x="5844850" y="6384344"/>
-            <a:ext cx="502300" cy="365125"/>
-          </a:xfrm>
-        </p:spPr>
-        <p:txBody>
-          <a:bodyPr/>
-          <a:lstStyle/>
-          <a:p>
-            <a:fld id="{A2912448-FEEC-49E8-9588-2DF1F90D57C2}" type="slidenum">
-              <a:rPr lang="en-US" smtClean="0"/>
-              <a:t>5</a:t>
-            </a:fld>
-            <a:endParaRPr lang="en-US" dirty="0"/>
-          </a:p>
-        </p:txBody>
-      </p:sp>
-    </p:spTree>
-    <p:extLst>
-      <p:ext uri="{BB962C8B-B14F-4D97-AF65-F5344CB8AC3E}">
-        <p14:creationId xmlns:p14="http://schemas.microsoft.com/office/powerpoint/2010/main" val="2760518155"/>
-      </p:ext>
-    </p:extLst>
-  </p:cSld>
-  <p:clrMapOvr>
-    <a:masterClrMapping/>
-  </p:clrMapOvr>
-  <p:timing>
-    <p:tnLst>
-      <p:par>
-        <p:cTn id="1" dur="indefinite" restart="never" nodeType="tmRoot"/>
-      </p:par>
-    </p:tnLst>
-  </p:timing>
-</p:sld>
-</file>
-
-<file path=ppt/slides/slide6.xml><?xml version="1.0" encoding="utf-8"?>
-<p:sld xmlns:a="http://schemas.openxmlformats.org/drawingml/2006/main" xmlns:r="http://schemas.openxmlformats.org/officeDocument/2006/relationships" xmlns:p="http://schemas.openxmlformats.org/presentationml/2006/main">
-  <p:cSld>
-    <p:spTree>
-      <p:nvGrpSpPr>
-        <p:cNvPr id="1" name=""/>
-        <p:cNvGrpSpPr/>
-        <p:nvPr/>
-      </p:nvGrpSpPr>
-      <p:grpSpPr>
-        <a:xfrm>
-          <a:off x="0" y="0"/>
-          <a:ext cx="0" cy="0"/>
-          <a:chOff x="0" y="0"/>
-          <a:chExt cx="0" cy="0"/>
-        </a:xfrm>
-      </p:grpSpPr>
-      <p:sp>
-        <p:nvSpPr>
-          <p:cNvPr id="2" name="Titel 1"/>
-          <p:cNvSpPr>
-            <a:spLocks noGrp="1"/>
-          </p:cNvSpPr>
-          <p:nvPr>
-            <p:ph type="title"/>
-          </p:nvPr>
-        </p:nvSpPr>
-        <p:spPr/>
-        <p:txBody>
-          <a:bodyPr/>
-          <a:lstStyle/>
-          <a:p>
-            <a:r>
-              <a:rPr lang="en-US" altLang="zh-TW" dirty="0">
-                <a:solidFill>
-                  <a:srgbClr val="4E5865"/>
-                </a:solidFill>
-                <a:ea typeface="新細明體" panose="02020500000000000000" pitchFamily="18" charset="-120"/>
-              </a:rPr>
-              <a:t>demo – </a:t>
-            </a:r>
-            <a:r>
-              <a:rPr lang="en-US" altLang="zh-TW" dirty="0" err="1">
-                <a:solidFill>
-                  <a:srgbClr val="4E5865"/>
-                </a:solidFill>
-                <a:ea typeface="新細明體" panose="02020500000000000000" pitchFamily="18" charset="-120"/>
-              </a:rPr>
-              <a:t>conda</a:t>
-            </a:r>
-            <a:r>
-              <a:rPr lang="en-US" altLang="zh-TW" dirty="0">
-                <a:solidFill>
-                  <a:srgbClr val="4E5865"/>
-                </a:solidFill>
-                <a:ea typeface="新細明體" panose="02020500000000000000" pitchFamily="18" charset="-120"/>
-              </a:rPr>
-              <a:t> usage</a:t>
-            </a:r>
-            <a:endParaRPr lang="nl-BE" dirty="0">
-              <a:solidFill>
-                <a:srgbClr val="4E5865"/>
-              </a:solidFill>
-            </a:endParaRPr>
-          </a:p>
-        </p:txBody>
-      </p:sp>
-      <p:sp>
-        <p:nvSpPr>
-          <p:cNvPr id="3" name="Tijdelijke aanduiding voor inhoud 2"/>
-          <p:cNvSpPr>
-            <a:spLocks noGrp="1"/>
-          </p:cNvSpPr>
-          <p:nvPr>
-            <p:ph idx="1"/>
-          </p:nvPr>
-        </p:nvSpPr>
-        <p:spPr>
-          <a:xfrm>
-            <a:off x="287384" y="1620000"/>
-            <a:ext cx="11817530" cy="4428000"/>
-          </a:xfrm>
-        </p:spPr>
-        <p:txBody>
-          <a:bodyPr/>
-          <a:lstStyle/>
-          <a:p>
-            <a:pPr marL="819150" indent="-457200">
-              <a:buBlip>
-                <a:blip r:embed="rId2"/>
-              </a:buBlip>
-            </a:pPr>
-            <a:r>
-              <a:rPr lang="nl-BE" dirty="0" err="1">
-                <a:solidFill>
-                  <a:srgbClr val="4E5865"/>
-                </a:solidFill>
-              </a:rPr>
-              <a:t>Create</a:t>
-            </a:r>
-            <a:r>
-              <a:rPr lang="nl-BE" dirty="0">
-                <a:solidFill>
-                  <a:srgbClr val="4E5865"/>
-                </a:solidFill>
-              </a:rPr>
-              <a:t> a </a:t>
-            </a:r>
-            <a:r>
-              <a:rPr lang="nl-BE" dirty="0" err="1">
-                <a:solidFill>
-                  <a:srgbClr val="4E5865"/>
-                </a:solidFill>
-              </a:rPr>
-              <a:t>conda</a:t>
-            </a:r>
-            <a:r>
-              <a:rPr lang="nl-BE" dirty="0">
-                <a:solidFill>
-                  <a:srgbClr val="4E5865"/>
-                </a:solidFill>
-              </a:rPr>
-              <a:t> environment </a:t>
-            </a:r>
-            <a:r>
-              <a:rPr lang="nl-BE" dirty="0" err="1">
-                <a:solidFill>
-                  <a:srgbClr val="4E5865"/>
-                </a:solidFill>
-              </a:rPr>
-              <a:t>including</a:t>
-            </a:r>
-            <a:r>
-              <a:rPr lang="nl-BE" dirty="0">
-                <a:solidFill>
-                  <a:srgbClr val="4E5865"/>
-                </a:solidFill>
-              </a:rPr>
-              <a:t> </a:t>
-            </a:r>
-            <a:r>
-              <a:rPr lang="nl-BE" dirty="0" err="1">
-                <a:solidFill>
-                  <a:srgbClr val="4E5865"/>
-                </a:solidFill>
-              </a:rPr>
-              <a:t>Jupyter</a:t>
-            </a:r>
-            <a:endParaRPr lang="nl-BE" dirty="0">
-              <a:solidFill>
-                <a:srgbClr val="4E5865"/>
-              </a:solidFill>
-            </a:endParaRPr>
-          </a:p>
-          <a:p>
-            <a:pPr marL="361950" indent="0">
-              <a:buNone/>
-            </a:pPr>
-            <a:r>
-              <a:rPr lang="nl-BE" dirty="0">
-                <a:solidFill>
-                  <a:srgbClr val="4E5865"/>
-                </a:solidFill>
-                <a:latin typeface="Courier New" panose="02070309020205020404" pitchFamily="49" charset="0"/>
-                <a:cs typeface="Courier New" panose="02070309020205020404" pitchFamily="49" charset="0"/>
-              </a:rPr>
-              <a:t>$ </a:t>
-            </a:r>
-            <a:r>
-              <a:rPr lang="nl-BE" dirty="0" err="1">
-                <a:solidFill>
-                  <a:srgbClr val="4E5865"/>
-                </a:solidFill>
-                <a:latin typeface="Courier New" panose="02070309020205020404" pitchFamily="49" charset="0"/>
-                <a:cs typeface="Courier New" panose="02070309020205020404" pitchFamily="49" charset="0"/>
-              </a:rPr>
-              <a:t>conda</a:t>
-            </a:r>
-            <a:r>
-              <a:rPr lang="nl-BE" dirty="0">
-                <a:solidFill>
-                  <a:srgbClr val="4E5865"/>
-                </a:solidFill>
-                <a:latin typeface="Courier New" panose="02070309020205020404" pitchFamily="49" charset="0"/>
-                <a:cs typeface="Courier New" panose="02070309020205020404" pitchFamily="49" charset="0"/>
-              </a:rPr>
-              <a:t> </a:t>
-            </a:r>
-            <a:r>
-              <a:rPr lang="nl-BE" dirty="0" err="1">
-                <a:solidFill>
-                  <a:srgbClr val="4E5865"/>
-                </a:solidFill>
-                <a:latin typeface="Courier New" panose="02070309020205020404" pitchFamily="49" charset="0"/>
-                <a:cs typeface="Courier New" panose="02070309020205020404" pitchFamily="49" charset="0"/>
-              </a:rPr>
-              <a:t>create</a:t>
-            </a:r>
-            <a:r>
-              <a:rPr lang="nl-BE" dirty="0">
-                <a:solidFill>
-                  <a:srgbClr val="4E5865"/>
-                </a:solidFill>
-                <a:latin typeface="Courier New" panose="02070309020205020404" pitchFamily="49" charset="0"/>
-                <a:cs typeface="Courier New" panose="02070309020205020404" pitchFamily="49" charset="0"/>
-              </a:rPr>
-              <a:t> -n </a:t>
-            </a:r>
-            <a:r>
-              <a:rPr lang="nl-BE" dirty="0" err="1">
-                <a:solidFill>
-                  <a:srgbClr val="4E5865"/>
-                </a:solidFill>
-                <a:latin typeface="Courier New" panose="02070309020205020404" pitchFamily="49" charset="0"/>
-                <a:cs typeface="Courier New" panose="02070309020205020404" pitchFamily="49" charset="0"/>
-              </a:rPr>
-              <a:t>science</a:t>
-            </a:r>
-            <a:r>
-              <a:rPr lang="nl-BE" dirty="0">
-                <a:solidFill>
-                  <a:srgbClr val="4E5865"/>
-                </a:solidFill>
-                <a:latin typeface="Courier New" panose="02070309020205020404" pitchFamily="49" charset="0"/>
-                <a:cs typeface="Courier New" panose="02070309020205020404" pitchFamily="49" charset="0"/>
-              </a:rPr>
-              <a:t> </a:t>
-            </a:r>
-            <a:r>
-              <a:rPr lang="nl-BE" dirty="0" err="1">
-                <a:solidFill>
-                  <a:srgbClr val="4E5865"/>
-                </a:solidFill>
-                <a:latin typeface="Courier New" panose="02070309020205020404" pitchFamily="49" charset="0"/>
-                <a:cs typeface="Courier New" panose="02070309020205020404" pitchFamily="49" charset="0"/>
-              </a:rPr>
-              <a:t>jupyter</a:t>
-            </a:r>
-            <a:r>
-              <a:rPr lang="nl-BE" dirty="0">
-                <a:solidFill>
-                  <a:srgbClr val="4E5865"/>
-                </a:solidFill>
-                <a:latin typeface="Courier New" panose="02070309020205020404" pitchFamily="49" charset="0"/>
-                <a:cs typeface="Courier New" panose="02070309020205020404" pitchFamily="49" charset="0"/>
-              </a:rPr>
-              <a:t> </a:t>
-            </a:r>
-            <a:r>
-              <a:rPr lang="nl-BE" dirty="0" err="1">
-                <a:solidFill>
-                  <a:srgbClr val="4E5865"/>
-                </a:solidFill>
-                <a:latin typeface="Courier New" panose="02070309020205020404" pitchFamily="49" charset="0"/>
-                <a:cs typeface="Courier New" panose="02070309020205020404" pitchFamily="49" charset="0"/>
-              </a:rPr>
-              <a:t>numpy</a:t>
-            </a:r>
-            <a:r>
-              <a:rPr lang="nl-BE" dirty="0">
-                <a:solidFill>
-                  <a:srgbClr val="4E5865"/>
-                </a:solidFill>
-                <a:latin typeface="Courier New" panose="02070309020205020404" pitchFamily="49" charset="0"/>
-                <a:cs typeface="Courier New" panose="02070309020205020404" pitchFamily="49" charset="0"/>
-              </a:rPr>
-              <a:t> </a:t>
-            </a:r>
-            <a:r>
-              <a:rPr lang="nl-BE" dirty="0" err="1">
-                <a:solidFill>
-                  <a:srgbClr val="4E5865"/>
-                </a:solidFill>
-                <a:latin typeface="Courier New" panose="02070309020205020404" pitchFamily="49" charset="0"/>
-                <a:cs typeface="Courier New" panose="02070309020205020404" pitchFamily="49" charset="0"/>
-              </a:rPr>
-              <a:t>scipy</a:t>
-            </a:r>
-            <a:endParaRPr lang="nl-BE" dirty="0">
-              <a:solidFill>
-                <a:srgbClr val="4E5865"/>
-              </a:solidFill>
-              <a:latin typeface="Courier New" panose="02070309020205020404" pitchFamily="49" charset="0"/>
-              <a:cs typeface="Courier New" panose="02070309020205020404" pitchFamily="49" charset="0"/>
-            </a:endParaRPr>
-          </a:p>
-          <a:p>
-            <a:pPr marL="819150" indent="-457200">
-              <a:buBlip>
-                <a:blip r:embed="rId2"/>
-              </a:buBlip>
-            </a:pPr>
-            <a:r>
-              <a:rPr lang="nl-BE" dirty="0" err="1">
-                <a:solidFill>
-                  <a:srgbClr val="4E5865"/>
-                </a:solidFill>
-              </a:rPr>
-              <a:t>Activate</a:t>
-            </a:r>
-            <a:r>
-              <a:rPr lang="nl-BE" dirty="0">
-                <a:solidFill>
-                  <a:srgbClr val="4E5865"/>
-                </a:solidFill>
-              </a:rPr>
-              <a:t> </a:t>
-            </a:r>
-            <a:r>
-              <a:rPr lang="nl-BE" dirty="0" err="1">
-                <a:solidFill>
-                  <a:srgbClr val="4E5865"/>
-                </a:solidFill>
-              </a:rPr>
-              <a:t>this</a:t>
-            </a:r>
-            <a:r>
-              <a:rPr lang="nl-BE" dirty="0">
-                <a:solidFill>
-                  <a:srgbClr val="4E5865"/>
-                </a:solidFill>
-              </a:rPr>
-              <a:t> environment</a:t>
-            </a:r>
-          </a:p>
-          <a:p>
-            <a:pPr marL="361950" indent="0">
-              <a:buNone/>
-            </a:pPr>
-            <a:r>
-              <a:rPr lang="en-US" dirty="0">
-                <a:solidFill>
-                  <a:srgbClr val="4E5865"/>
-                </a:solidFill>
-                <a:latin typeface="Courier New" panose="02070309020205020404" pitchFamily="49" charset="0"/>
-                <a:cs typeface="Courier New" panose="02070309020205020404" pitchFamily="49" charset="0"/>
-              </a:rPr>
-              <a:t>$ source activate science</a:t>
-            </a:r>
-          </a:p>
-          <a:p>
-            <a:pPr marL="819150" indent="-457200">
-              <a:buBlip>
-                <a:blip r:embed="rId2"/>
-              </a:buBlip>
-            </a:pPr>
-            <a:r>
-              <a:rPr lang="en-US" dirty="0">
-                <a:solidFill>
-                  <a:srgbClr val="4E5865"/>
-                </a:solidFill>
-              </a:rPr>
-              <a:t>Add matplotlib package to this environment</a:t>
-            </a:r>
-          </a:p>
-          <a:p>
-            <a:pPr marL="361950" indent="0">
-              <a:buNone/>
-            </a:pPr>
-            <a:r>
-              <a:rPr lang="en-US" dirty="0">
-                <a:solidFill>
-                  <a:srgbClr val="4E5865"/>
-                </a:solidFill>
-                <a:latin typeface="Courier New" panose="02070309020205020404" pitchFamily="49" charset="0"/>
-                <a:cs typeface="Courier New" panose="02070309020205020404" pitchFamily="49" charset="0"/>
-              </a:rPr>
-              <a:t>$ </a:t>
-            </a:r>
-            <a:r>
-              <a:rPr lang="en-US" dirty="0" err="1">
-                <a:solidFill>
-                  <a:srgbClr val="4E5865"/>
-                </a:solidFill>
-                <a:latin typeface="Courier New" panose="02070309020205020404" pitchFamily="49" charset="0"/>
-                <a:cs typeface="Courier New" panose="02070309020205020404" pitchFamily="49" charset="0"/>
-              </a:rPr>
-              <a:t>conda</a:t>
-            </a:r>
-            <a:r>
-              <a:rPr lang="en-US" dirty="0">
-                <a:solidFill>
-                  <a:srgbClr val="4E5865"/>
-                </a:solidFill>
-                <a:latin typeface="Courier New" panose="02070309020205020404" pitchFamily="49" charset="0"/>
-                <a:cs typeface="Courier New" panose="02070309020205020404" pitchFamily="49" charset="0"/>
-              </a:rPr>
-              <a:t> install matplotlib</a:t>
-            </a:r>
-          </a:p>
-          <a:p>
-            <a:pPr marL="819150" indent="-457200">
-              <a:buBlip>
-                <a:blip r:embed="rId2"/>
-              </a:buBlip>
-            </a:pPr>
-            <a:r>
-              <a:rPr lang="en-US" dirty="0">
-                <a:solidFill>
-                  <a:srgbClr val="4E5865"/>
-                </a:solidFill>
-              </a:rPr>
-              <a:t>Return to original environment</a:t>
-            </a:r>
-          </a:p>
-          <a:p>
-            <a:pPr marL="361950" indent="0">
-              <a:buNone/>
-            </a:pPr>
-            <a:r>
-              <a:rPr lang="en-US" dirty="0">
-                <a:solidFill>
-                  <a:srgbClr val="4E5865"/>
-                </a:solidFill>
-                <a:latin typeface="Courier New" panose="02070309020205020404" pitchFamily="49" charset="0"/>
-                <a:cs typeface="Courier New" panose="02070309020205020404" pitchFamily="49" charset="0"/>
-              </a:rPr>
-              <a:t>$ </a:t>
-            </a:r>
-            <a:r>
-              <a:rPr lang="en-US" dirty="0" err="1">
-                <a:solidFill>
-                  <a:srgbClr val="4E5865"/>
-                </a:solidFill>
-                <a:latin typeface="Courier New" panose="02070309020205020404" pitchFamily="49" charset="0"/>
-                <a:cs typeface="Courier New" panose="02070309020205020404" pitchFamily="49" charset="0"/>
-              </a:rPr>
-              <a:t>conda</a:t>
-            </a:r>
-            <a:r>
-              <a:rPr lang="en-US" dirty="0">
-                <a:solidFill>
-                  <a:srgbClr val="4E5865"/>
-                </a:solidFill>
-                <a:latin typeface="Courier New" panose="02070309020205020404" pitchFamily="49" charset="0"/>
-                <a:cs typeface="Courier New" panose="02070309020205020404" pitchFamily="49" charset="0"/>
-              </a:rPr>
-              <a:t> deactivate</a:t>
-            </a:r>
-          </a:p>
-          <a:p>
-            <a:pPr marL="361950" indent="0">
-              <a:buNone/>
-            </a:pPr>
-            <a:endParaRPr lang="nl-BE" sz="2400" dirty="0">
-              <a:solidFill>
-                <a:srgbClr val="4E5865"/>
-              </a:solidFill>
-              <a:latin typeface="Courier New" panose="02070309020205020404" pitchFamily="49" charset="0"/>
-              <a:cs typeface="Courier New" panose="02070309020205020404" pitchFamily="49" charset="0"/>
-            </a:endParaRPr>
-          </a:p>
-        </p:txBody>
-      </p:sp>
-      <p:sp>
-        <p:nvSpPr>
-          <p:cNvPr id="10" name="Slide Number Placeholder 5">
-            <a:extLst>
-              <a:ext uri="{FF2B5EF4-FFF2-40B4-BE49-F238E27FC236}">
-                <a16:creationId xmlns:a16="http://schemas.microsoft.com/office/drawing/2014/main" id="{A5B30D68-186D-45F9-BEB0-589C494268F8}"/>
-              </a:ext>
-            </a:extLst>
-          </p:cNvPr>
-          <p:cNvSpPr>
-            <a:spLocks noGrp="1"/>
-          </p:cNvSpPr>
-          <p:nvPr>
-            <p:ph type="sldNum" sz="quarter" idx="12"/>
-          </p:nvPr>
-        </p:nvSpPr>
-        <p:spPr>
-          <a:xfrm>
-            <a:off x="5844850" y="6384344"/>
-            <a:ext cx="502300" cy="365125"/>
-          </a:xfrm>
-        </p:spPr>
-        <p:txBody>
-          <a:bodyPr/>
-          <a:lstStyle/>
-          <a:p>
-            <a:fld id="{A2912448-FEEC-49E8-9588-2DF1F90D57C2}" type="slidenum">
-              <a:rPr lang="en-US" smtClean="0"/>
-              <a:t>6</a:t>
-            </a:fld>
-            <a:endParaRPr lang="en-US" dirty="0"/>
-          </a:p>
-        </p:txBody>
-      </p:sp>
-    </p:spTree>
-    <p:extLst>
-      <p:ext uri="{BB962C8B-B14F-4D97-AF65-F5344CB8AC3E}">
-        <p14:creationId xmlns:p14="http://schemas.microsoft.com/office/powerpoint/2010/main" val="3769886818"/>
-      </p:ext>
-    </p:extLst>
-  </p:cSld>
-  <p:clrMapOvr>
-    <a:masterClrMapping/>
-  </p:clrMapOvr>
-  <p:timing>
-    <p:tnLst>
-      <p:par>
-        <p:cTn id="1" dur="indefinite" restart="never" nodeType="tmRoot"/>
-      </p:par>
-    </p:tnLst>
-  </p:timing>
-</p:sld>
-</file>
-
-<file path=ppt/slides/slide7.xml><?xml version="1.0" encoding="utf-8"?>
-<p:sld xmlns:a="http://schemas.openxmlformats.org/drawingml/2006/main" xmlns:r="http://schemas.openxmlformats.org/officeDocument/2006/relationships" xmlns:p="http://schemas.openxmlformats.org/presentationml/2006/main">
-  <p:cSld>
-    <p:spTree>
-      <p:nvGrpSpPr>
-        <p:cNvPr id="1" name=""/>
-        <p:cNvGrpSpPr/>
-        <p:nvPr/>
-      </p:nvGrpSpPr>
-      <p:grpSpPr>
-        <a:xfrm>
-          <a:off x="0" y="0"/>
-          <a:ext cx="0" cy="0"/>
-          <a:chOff x="0" y="0"/>
-          <a:chExt cx="0" cy="0"/>
-        </a:xfrm>
-      </p:grpSpPr>
-      <p:sp>
-        <p:nvSpPr>
-          <p:cNvPr id="2" name="Titel 1"/>
-          <p:cNvSpPr>
-            <a:spLocks noGrp="1"/>
-          </p:cNvSpPr>
-          <p:nvPr>
-            <p:ph type="title"/>
-          </p:nvPr>
-        </p:nvSpPr>
-        <p:spPr/>
-        <p:txBody>
-          <a:bodyPr/>
-          <a:lstStyle/>
-          <a:p>
-            <a:r>
-              <a:rPr lang="en-US" altLang="zh-TW" dirty="0">
-                <a:solidFill>
-                  <a:srgbClr val="4E5865"/>
-                </a:solidFill>
-                <a:ea typeface="新細明體" panose="02020500000000000000" pitchFamily="18" charset="-120"/>
-              </a:rPr>
-              <a:t>demo – worker</a:t>
-            </a:r>
-            <a:endParaRPr lang="nl-BE" dirty="0">
-              <a:solidFill>
-                <a:srgbClr val="4E5865"/>
-              </a:solidFill>
-            </a:endParaRPr>
-          </a:p>
-        </p:txBody>
-      </p:sp>
-      <p:sp>
-        <p:nvSpPr>
-          <p:cNvPr id="3" name="Tijdelijke aanduiding voor inhoud 2"/>
-          <p:cNvSpPr>
-            <a:spLocks noGrp="1"/>
-          </p:cNvSpPr>
-          <p:nvPr>
-            <p:ph idx="1"/>
-          </p:nvPr>
-        </p:nvSpPr>
-        <p:spPr>
-          <a:xfrm>
-            <a:off x="957942" y="1639662"/>
-            <a:ext cx="11234057" cy="4428000"/>
-          </a:xfrm>
-        </p:spPr>
-        <p:txBody>
-          <a:bodyPr/>
-          <a:lstStyle/>
-          <a:p>
-            <a:pPr marL="701675" lvl="2" indent="-342900">
-              <a:buBlip>
-                <a:blip r:embed="rId3"/>
-              </a:buBlip>
-            </a:pPr>
-            <a:r>
-              <a:rPr lang="en-US" altLang="zh-TW" sz="2400" dirty="0">
-                <a:solidFill>
-                  <a:srgbClr val="4E5865"/>
-                </a:solidFill>
-                <a:ea typeface="新細明體" panose="02020500000000000000" pitchFamily="18" charset="-120"/>
-              </a:rPr>
-              <a:t>Copy intro training files </a:t>
-            </a:r>
-            <a:r>
-              <a:rPr lang="en-US" altLang="zh-TW" sz="2400" dirty="0">
-                <a:solidFill>
-                  <a:srgbClr val="4E5865"/>
-                </a:solidFill>
-                <a:latin typeface="Courier New" panose="02070309020205020404" pitchFamily="49" charset="0"/>
-                <a:ea typeface="新細明體" panose="02020500000000000000" pitchFamily="18" charset="-120"/>
-                <a:cs typeface="Courier New" panose="02070309020205020404" pitchFamily="49" charset="0"/>
-              </a:rPr>
-              <a:t>(/apps/</a:t>
-            </a:r>
-            <a:r>
-              <a:rPr lang="en-US" altLang="zh-TW" sz="2400" dirty="0" err="1">
-                <a:solidFill>
-                  <a:srgbClr val="4E5865"/>
-                </a:solidFill>
-                <a:latin typeface="Courier New" panose="02070309020205020404" pitchFamily="49" charset="0"/>
-                <a:ea typeface="新細明體" panose="02020500000000000000" pitchFamily="18" charset="-120"/>
-                <a:cs typeface="Courier New" panose="02070309020205020404" pitchFamily="49" charset="0"/>
-              </a:rPr>
-              <a:t>leuven</a:t>
-            </a:r>
-            <a:r>
-              <a:rPr lang="en-US" altLang="zh-TW" sz="2400" dirty="0">
-                <a:solidFill>
-                  <a:srgbClr val="4E5865"/>
-                </a:solidFill>
-                <a:latin typeface="Courier New" panose="02070309020205020404" pitchFamily="49" charset="0"/>
-                <a:ea typeface="新細明體" panose="02020500000000000000" pitchFamily="18" charset="-120"/>
-                <a:cs typeface="Courier New" panose="02070309020205020404" pitchFamily="49" charset="0"/>
-              </a:rPr>
-              <a:t>/training/worker/</a:t>
-            </a:r>
-            <a:r>
-              <a:rPr lang="en-US" altLang="zh-TW" sz="2400" dirty="0">
-                <a:solidFill>
-                  <a:srgbClr val="4E5865"/>
-                </a:solidFill>
-                <a:ea typeface="新細明體" panose="02020500000000000000" pitchFamily="18" charset="-120"/>
-                <a:cs typeface="Courier New" panose="02070309020205020404" pitchFamily="49" charset="0"/>
-              </a:rPr>
-              <a:t>)</a:t>
-            </a:r>
-            <a:r>
-              <a:rPr lang="en-US" altLang="zh-TW" sz="2400" dirty="0">
-                <a:solidFill>
-                  <a:srgbClr val="4E5865"/>
-                </a:solidFill>
-                <a:latin typeface="Courier New" panose="02070309020205020404" pitchFamily="49" charset="0"/>
-                <a:ea typeface="新細明體" panose="02020500000000000000" pitchFamily="18" charset="-120"/>
-                <a:cs typeface="Courier New" panose="02070309020205020404" pitchFamily="49" charset="0"/>
-              </a:rPr>
-              <a:t> </a:t>
-            </a:r>
-            <a:r>
-              <a:rPr lang="en-US" altLang="zh-TW" sz="2400" dirty="0">
-                <a:solidFill>
-                  <a:srgbClr val="4E5865"/>
-                </a:solidFill>
-                <a:ea typeface="新細明體" panose="02020500000000000000" pitchFamily="18" charset="-120"/>
-              </a:rPr>
-              <a:t>to your </a:t>
-            </a:r>
-            <a:r>
-              <a:rPr lang="en-US" altLang="zh-TW" sz="2400" dirty="0">
-                <a:solidFill>
-                  <a:srgbClr val="4E5865"/>
-                </a:solidFill>
-                <a:latin typeface="Courier New" panose="02070309020205020404" pitchFamily="49" charset="0"/>
-                <a:ea typeface="新細明體" panose="02020500000000000000" pitchFamily="18" charset="-120"/>
-                <a:cs typeface="Courier New" panose="02070309020205020404" pitchFamily="49" charset="0"/>
-              </a:rPr>
-              <a:t>$VSC_DATA</a:t>
-            </a:r>
-          </a:p>
-          <a:p>
-            <a:pPr marL="701675" lvl="2" indent="-342900">
-              <a:buBlip>
-                <a:blip r:embed="rId3"/>
-              </a:buBlip>
-            </a:pPr>
-            <a:r>
-              <a:rPr lang="en-US" altLang="zh-TW" sz="2400" dirty="0">
-                <a:solidFill>
-                  <a:srgbClr val="4E5865"/>
-                </a:solidFill>
-                <a:ea typeface="新細明體" panose="02020500000000000000" pitchFamily="18" charset="-120"/>
-              </a:rPr>
-              <a:t>Go to </a:t>
-            </a:r>
-            <a:r>
-              <a:rPr lang="en-US" altLang="zh-TW" sz="2400" dirty="0">
-                <a:solidFill>
-                  <a:srgbClr val="4E5865"/>
-                </a:solidFill>
-                <a:latin typeface="Courier New" panose="02070309020205020404" pitchFamily="49" charset="0"/>
-                <a:ea typeface="新細明體" panose="02020500000000000000" pitchFamily="18" charset="-120"/>
-                <a:cs typeface="Courier New" panose="02070309020205020404" pitchFamily="49" charset="0"/>
-              </a:rPr>
-              <a:t>exercise1</a:t>
-            </a:r>
-            <a:r>
-              <a:rPr lang="en-US" altLang="zh-TW" sz="2400" dirty="0">
-                <a:solidFill>
-                  <a:srgbClr val="4E5865"/>
-                </a:solidFill>
-                <a:ea typeface="新細明體" panose="02020500000000000000" pitchFamily="18" charset="-120"/>
-              </a:rPr>
-              <a:t> directory</a:t>
-            </a:r>
-          </a:p>
-          <a:p>
-            <a:pPr marL="701675" lvl="2" indent="-342900">
-              <a:buBlip>
-                <a:blip r:embed="rId3"/>
-              </a:buBlip>
-            </a:pPr>
-            <a:r>
-              <a:rPr lang="en-US" altLang="zh-TW" sz="2400" dirty="0">
-                <a:solidFill>
-                  <a:srgbClr val="4E5865"/>
-                </a:solidFill>
-                <a:ea typeface="新細明體" panose="02020500000000000000" pitchFamily="18" charset="-120"/>
-              </a:rPr>
-              <a:t>Submit worker job</a:t>
-            </a:r>
-          </a:p>
-          <a:p>
-            <a:pPr marL="701675" lvl="2" indent="-342900">
-              <a:buBlip>
-                <a:blip r:embed="rId3"/>
-              </a:buBlip>
-            </a:pPr>
-            <a:r>
-              <a:rPr lang="en-US" altLang="zh-TW" sz="2400" dirty="0">
-                <a:solidFill>
-                  <a:srgbClr val="4E5865"/>
-                </a:solidFill>
-                <a:ea typeface="新細明體" panose="02020500000000000000" pitchFamily="18" charset="-120"/>
-              </a:rPr>
-              <a:t>Check the output file</a:t>
-            </a:r>
-          </a:p>
-        </p:txBody>
-      </p:sp>
-      <p:sp>
-        <p:nvSpPr>
-          <p:cNvPr id="10" name="Slide Number Placeholder 5">
-            <a:extLst>
-              <a:ext uri="{FF2B5EF4-FFF2-40B4-BE49-F238E27FC236}">
-                <a16:creationId xmlns:a16="http://schemas.microsoft.com/office/drawing/2014/main" id="{A5B30D68-186D-45F9-BEB0-589C494268F8}"/>
-              </a:ext>
-            </a:extLst>
-          </p:cNvPr>
-          <p:cNvSpPr>
-            <a:spLocks noGrp="1"/>
-          </p:cNvSpPr>
-          <p:nvPr>
-            <p:ph type="sldNum" sz="quarter" idx="12"/>
-          </p:nvPr>
-        </p:nvSpPr>
-        <p:spPr>
-          <a:xfrm>
-            <a:off x="5844850" y="6384344"/>
-            <a:ext cx="502300" cy="365125"/>
-          </a:xfrm>
-        </p:spPr>
-        <p:txBody>
-          <a:bodyPr/>
-          <a:lstStyle/>
-          <a:p>
-            <a:fld id="{A2912448-FEEC-49E8-9588-2DF1F90D57C2}" type="slidenum">
-              <a:rPr lang="en-US" smtClean="0"/>
-              <a:t>7</a:t>
-            </a:fld>
-            <a:endParaRPr lang="en-US" dirty="0"/>
-          </a:p>
-        </p:txBody>
-      </p:sp>
-      <p:sp>
-        <p:nvSpPr>
-          <p:cNvPr id="12" name="Freeform 88">
-            <a:extLst>
-              <a:ext uri="{FF2B5EF4-FFF2-40B4-BE49-F238E27FC236}">
-                <a16:creationId xmlns:a16="http://schemas.microsoft.com/office/drawing/2014/main" id="{DCB5B946-C08C-4907-9BAB-0A4CAB5A6075}"/>
-              </a:ext>
-            </a:extLst>
-          </p:cNvPr>
-          <p:cNvSpPr>
-            <a:spLocks noEditPoints="1"/>
-          </p:cNvSpPr>
-          <p:nvPr/>
-        </p:nvSpPr>
-        <p:spPr bwMode="auto">
-          <a:xfrm>
-            <a:off x="316477" y="6445690"/>
-            <a:ext cx="214397" cy="216632"/>
-          </a:xfrm>
-          <a:custGeom>
-            <a:avLst/>
-            <a:gdLst>
-              <a:gd name="T0" fmla="*/ 135 w 145"/>
-              <a:gd name="T1" fmla="*/ 37 h 146"/>
-              <a:gd name="T2" fmla="*/ 145 w 145"/>
-              <a:gd name="T3" fmla="*/ 73 h 146"/>
-              <a:gd name="T4" fmla="*/ 135 w 145"/>
-              <a:gd name="T5" fmla="*/ 109 h 146"/>
-              <a:gd name="T6" fmla="*/ 109 w 145"/>
-              <a:gd name="T7" fmla="*/ 136 h 146"/>
-              <a:gd name="T8" fmla="*/ 72 w 145"/>
-              <a:gd name="T9" fmla="*/ 146 h 146"/>
-              <a:gd name="T10" fmla="*/ 36 w 145"/>
-              <a:gd name="T11" fmla="*/ 136 h 146"/>
-              <a:gd name="T12" fmla="*/ 9 w 145"/>
-              <a:gd name="T13" fmla="*/ 109 h 146"/>
-              <a:gd name="T14" fmla="*/ 0 w 145"/>
-              <a:gd name="T15" fmla="*/ 73 h 146"/>
-              <a:gd name="T16" fmla="*/ 9 w 145"/>
-              <a:gd name="T17" fmla="*/ 37 h 146"/>
-              <a:gd name="T18" fmla="*/ 36 w 145"/>
-              <a:gd name="T19" fmla="*/ 10 h 146"/>
-              <a:gd name="T20" fmla="*/ 72 w 145"/>
-              <a:gd name="T21" fmla="*/ 0 h 146"/>
-              <a:gd name="T22" fmla="*/ 109 w 145"/>
-              <a:gd name="T23" fmla="*/ 10 h 146"/>
-              <a:gd name="T24" fmla="*/ 135 w 145"/>
-              <a:gd name="T25" fmla="*/ 37 h 146"/>
-              <a:gd name="T26" fmla="*/ 121 w 145"/>
-              <a:gd name="T27" fmla="*/ 58 h 146"/>
-              <a:gd name="T28" fmla="*/ 119 w 145"/>
-              <a:gd name="T29" fmla="*/ 53 h 146"/>
-              <a:gd name="T30" fmla="*/ 111 w 145"/>
-              <a:gd name="T31" fmla="*/ 45 h 146"/>
-              <a:gd name="T32" fmla="*/ 107 w 145"/>
-              <a:gd name="T33" fmla="*/ 43 h 146"/>
-              <a:gd name="T34" fmla="*/ 102 w 145"/>
-              <a:gd name="T35" fmla="*/ 45 h 146"/>
-              <a:gd name="T36" fmla="*/ 64 w 145"/>
-              <a:gd name="T37" fmla="*/ 83 h 146"/>
-              <a:gd name="T38" fmla="*/ 42 w 145"/>
-              <a:gd name="T39" fmla="*/ 62 h 146"/>
-              <a:gd name="T40" fmla="*/ 38 w 145"/>
-              <a:gd name="T41" fmla="*/ 60 h 146"/>
-              <a:gd name="T42" fmla="*/ 34 w 145"/>
-              <a:gd name="T43" fmla="*/ 62 h 146"/>
-              <a:gd name="T44" fmla="*/ 25 w 145"/>
-              <a:gd name="T45" fmla="*/ 70 h 146"/>
-              <a:gd name="T46" fmla="*/ 24 w 145"/>
-              <a:gd name="T47" fmla="*/ 75 h 146"/>
-              <a:gd name="T48" fmla="*/ 25 w 145"/>
-              <a:gd name="T49" fmla="*/ 79 h 146"/>
-              <a:gd name="T50" fmla="*/ 59 w 145"/>
-              <a:gd name="T51" fmla="*/ 113 h 146"/>
-              <a:gd name="T52" fmla="*/ 64 w 145"/>
-              <a:gd name="T53" fmla="*/ 115 h 146"/>
-              <a:gd name="T54" fmla="*/ 68 w 145"/>
-              <a:gd name="T55" fmla="*/ 113 h 146"/>
-              <a:gd name="T56" fmla="*/ 119 w 145"/>
-              <a:gd name="T57" fmla="*/ 62 h 146"/>
-              <a:gd name="T58" fmla="*/ 121 w 145"/>
-              <a:gd name="T59" fmla="*/ 58 h 146"/>
-            </a:gdLst>
-            <a:ahLst/>
-            <a:cxnLst>
-              <a:cxn ang="0">
-                <a:pos x="T0" y="T1"/>
-              </a:cxn>
-              <a:cxn ang="0">
-                <a:pos x="T2" y="T3"/>
-              </a:cxn>
-              <a:cxn ang="0">
-                <a:pos x="T4" y="T5"/>
-              </a:cxn>
-              <a:cxn ang="0">
-                <a:pos x="T6" y="T7"/>
-              </a:cxn>
-              <a:cxn ang="0">
-                <a:pos x="T8" y="T9"/>
-              </a:cxn>
-              <a:cxn ang="0">
-                <a:pos x="T10" y="T11"/>
-              </a:cxn>
-              <a:cxn ang="0">
-                <a:pos x="T12" y="T13"/>
-              </a:cxn>
-              <a:cxn ang="0">
-                <a:pos x="T14" y="T15"/>
-              </a:cxn>
-              <a:cxn ang="0">
-                <a:pos x="T16" y="T17"/>
-              </a:cxn>
-              <a:cxn ang="0">
-                <a:pos x="T18" y="T19"/>
-              </a:cxn>
-              <a:cxn ang="0">
-                <a:pos x="T20" y="T21"/>
-              </a:cxn>
-              <a:cxn ang="0">
-                <a:pos x="T22" y="T23"/>
-              </a:cxn>
-              <a:cxn ang="0">
-                <a:pos x="T24" y="T25"/>
-              </a:cxn>
-              <a:cxn ang="0">
-                <a:pos x="T26" y="T27"/>
-              </a:cxn>
-              <a:cxn ang="0">
-                <a:pos x="T28" y="T29"/>
-              </a:cxn>
-              <a:cxn ang="0">
-                <a:pos x="T30" y="T31"/>
-              </a:cxn>
-              <a:cxn ang="0">
-                <a:pos x="T32" y="T33"/>
-              </a:cxn>
-              <a:cxn ang="0">
-                <a:pos x="T34" y="T35"/>
-              </a:cxn>
-              <a:cxn ang="0">
-                <a:pos x="T36" y="T37"/>
-              </a:cxn>
-              <a:cxn ang="0">
-                <a:pos x="T38" y="T39"/>
-              </a:cxn>
-              <a:cxn ang="0">
-                <a:pos x="T40" y="T41"/>
-              </a:cxn>
-              <a:cxn ang="0">
-                <a:pos x="T42" y="T43"/>
-              </a:cxn>
-              <a:cxn ang="0">
-                <a:pos x="T44" y="T45"/>
-              </a:cxn>
-              <a:cxn ang="0">
-                <a:pos x="T46" y="T47"/>
-              </a:cxn>
-              <a:cxn ang="0">
-                <a:pos x="T48" y="T49"/>
-              </a:cxn>
-              <a:cxn ang="0">
-                <a:pos x="T50" y="T51"/>
-              </a:cxn>
-              <a:cxn ang="0">
-                <a:pos x="T52" y="T53"/>
-              </a:cxn>
-              <a:cxn ang="0">
-                <a:pos x="T54" y="T55"/>
-              </a:cxn>
-              <a:cxn ang="0">
-                <a:pos x="T56" y="T57"/>
-              </a:cxn>
-              <a:cxn ang="0">
-                <a:pos x="T58" y="T59"/>
-              </a:cxn>
-            </a:cxnLst>
-            <a:rect l="0" t="0" r="r" b="b"/>
-            <a:pathLst>
-              <a:path w="145" h="146">
-                <a:moveTo>
-                  <a:pt x="135" y="37"/>
-                </a:moveTo>
-                <a:cubicBezTo>
-                  <a:pt x="142" y="48"/>
-                  <a:pt x="145" y="60"/>
-                  <a:pt x="145" y="73"/>
-                </a:cubicBezTo>
-                <a:cubicBezTo>
-                  <a:pt x="145" y="86"/>
-                  <a:pt x="142" y="98"/>
-                  <a:pt x="135" y="109"/>
-                </a:cubicBezTo>
-                <a:cubicBezTo>
-                  <a:pt x="129" y="121"/>
-                  <a:pt x="120" y="129"/>
-                  <a:pt x="109" y="136"/>
-                </a:cubicBezTo>
-                <a:cubicBezTo>
-                  <a:pt x="98" y="142"/>
-                  <a:pt x="85" y="146"/>
-                  <a:pt x="72" y="146"/>
-                </a:cubicBezTo>
-                <a:cubicBezTo>
-                  <a:pt x="59" y="146"/>
-                  <a:pt x="47" y="142"/>
-                  <a:pt x="36" y="136"/>
-                </a:cubicBezTo>
-                <a:cubicBezTo>
-                  <a:pt x="25" y="129"/>
-                  <a:pt x="16" y="121"/>
-                  <a:pt x="9" y="109"/>
-                </a:cubicBezTo>
-                <a:cubicBezTo>
-                  <a:pt x="3" y="98"/>
-                  <a:pt x="0" y="86"/>
-                  <a:pt x="0" y="73"/>
-                </a:cubicBezTo>
-                <a:cubicBezTo>
-                  <a:pt x="0" y="60"/>
-                  <a:pt x="3" y="48"/>
-                  <a:pt x="9" y="37"/>
-                </a:cubicBezTo>
-                <a:cubicBezTo>
-                  <a:pt x="16" y="25"/>
-                  <a:pt x="25" y="17"/>
-                  <a:pt x="36" y="10"/>
-                </a:cubicBezTo>
-                <a:cubicBezTo>
-                  <a:pt x="47" y="4"/>
-                  <a:pt x="59" y="0"/>
-                  <a:pt x="72" y="0"/>
-                </a:cubicBezTo>
-                <a:cubicBezTo>
-                  <a:pt x="85" y="0"/>
-                  <a:pt x="98" y="4"/>
-                  <a:pt x="109" y="10"/>
-                </a:cubicBezTo>
-                <a:cubicBezTo>
-                  <a:pt x="120" y="17"/>
-                  <a:pt x="129" y="25"/>
-                  <a:pt x="135" y="37"/>
-                </a:cubicBezTo>
-                <a:close/>
-                <a:moveTo>
-                  <a:pt x="121" y="58"/>
-                </a:moveTo>
-                <a:cubicBezTo>
-                  <a:pt x="121" y="56"/>
-                  <a:pt x="121" y="54"/>
-                  <a:pt x="119" y="53"/>
-                </a:cubicBezTo>
-                <a:cubicBezTo>
-                  <a:pt x="111" y="45"/>
-                  <a:pt x="111" y="45"/>
-                  <a:pt x="111" y="45"/>
-                </a:cubicBezTo>
-                <a:cubicBezTo>
-                  <a:pt x="110" y="44"/>
-                  <a:pt x="108" y="43"/>
-                  <a:pt x="107" y="43"/>
-                </a:cubicBezTo>
-                <a:cubicBezTo>
-                  <a:pt x="105" y="43"/>
-                  <a:pt x="103" y="44"/>
-                  <a:pt x="102" y="45"/>
-                </a:cubicBezTo>
-                <a:cubicBezTo>
-                  <a:pt x="64" y="83"/>
-                  <a:pt x="64" y="83"/>
-                  <a:pt x="64" y="83"/>
-                </a:cubicBezTo>
-                <a:cubicBezTo>
-                  <a:pt x="42" y="62"/>
-                  <a:pt x="42" y="62"/>
-                  <a:pt x="42" y="62"/>
-                </a:cubicBezTo>
-                <a:cubicBezTo>
-                  <a:pt x="41" y="61"/>
-                  <a:pt x="40" y="60"/>
-                  <a:pt x="38" y="60"/>
-                </a:cubicBezTo>
-                <a:cubicBezTo>
-                  <a:pt x="36" y="60"/>
-                  <a:pt x="35" y="61"/>
-                  <a:pt x="34" y="62"/>
-                </a:cubicBezTo>
-                <a:cubicBezTo>
-                  <a:pt x="25" y="70"/>
-                  <a:pt x="25" y="70"/>
-                  <a:pt x="25" y="70"/>
-                </a:cubicBezTo>
-                <a:cubicBezTo>
-                  <a:pt x="24" y="72"/>
-                  <a:pt x="24" y="73"/>
-                  <a:pt x="24" y="75"/>
-                </a:cubicBezTo>
-                <a:cubicBezTo>
-                  <a:pt x="24" y="76"/>
-                  <a:pt x="24" y="78"/>
-                  <a:pt x="25" y="79"/>
-                </a:cubicBezTo>
-                <a:cubicBezTo>
-                  <a:pt x="59" y="113"/>
-                  <a:pt x="59" y="113"/>
-                  <a:pt x="59" y="113"/>
-                </a:cubicBezTo>
-                <a:cubicBezTo>
-                  <a:pt x="61" y="114"/>
-                  <a:pt x="62" y="115"/>
-                  <a:pt x="64" y="115"/>
-                </a:cubicBezTo>
-                <a:cubicBezTo>
-                  <a:pt x="65" y="115"/>
-                  <a:pt x="67" y="114"/>
-                  <a:pt x="68" y="113"/>
-                </a:cubicBezTo>
-                <a:cubicBezTo>
-                  <a:pt x="119" y="62"/>
-                  <a:pt x="119" y="62"/>
-                  <a:pt x="119" y="62"/>
-                </a:cubicBezTo>
-                <a:cubicBezTo>
-                  <a:pt x="121" y="61"/>
-                  <a:pt x="121" y="59"/>
-                  <a:pt x="121" y="58"/>
-                </a:cubicBezTo>
-                <a:close/>
-              </a:path>
-            </a:pathLst>
-          </a:custGeom>
-          <a:solidFill>
-            <a:schemeClr val="accent5"/>
-          </a:solidFill>
-          <a:ln>
-            <a:noFill/>
-          </a:ln>
-        </p:spPr>
-        <p:txBody>
-          <a:bodyPr vert="horz" wrap="square" lIns="91440" tIns="45720" rIns="91440" bIns="45720" numCol="1" anchor="t" anchorCtr="0" compatLnSpc="1">
-            <a:prstTxWarp prst="textNoShape">
-              <a:avLst/>
-            </a:prstTxWarp>
-          </a:bodyPr>
-          <a:lstStyle/>
-          <a:p>
-            <a:endParaRPr lang="en-US" dirty="0"/>
-          </a:p>
-        </p:txBody>
-      </p:sp>
-    </p:spTree>
-    <p:extLst>
-      <p:ext uri="{BB962C8B-B14F-4D97-AF65-F5344CB8AC3E}">
-        <p14:creationId xmlns:p14="http://schemas.microsoft.com/office/powerpoint/2010/main" val="1469677884"/>
-      </p:ext>
-    </p:extLst>
-  </p:cSld>
-  <p:clrMapOvr>
-    <a:masterClrMapping/>
-  </p:clrMapOvr>
-  <p:timing>
-    <p:tnLst>
-      <p:par>
-        <p:cTn id="1" dur="indefinite" restart="never" nodeType="tmRoot"/>
-      </p:par>
-    </p:tnLst>
-  </p:timing>
-</p:sld>
-</file>
-
-<file path=ppt/slides/slide8.xml><?xml version="1.0" encoding="utf-8"?>
 <p:sld xmlns:a="http://schemas.openxmlformats.org/drawingml/2006/main" xmlns:r="http://schemas.openxmlformats.org/officeDocument/2006/relationships" xmlns:p="http://schemas.openxmlformats.org/presentationml/2006/main">
   <p:cSld>
     <p:spTree>
@@ -9520,7 +7142,7 @@
         </p:nvGraphicFramePr>
         <p:xfrm>
           <a:off x="108155" y="81234"/>
-          <a:ext cx="12015019" cy="6040024"/>
+          <a:ext cx="12015019" cy="6022386"/>
         </p:xfrm>
         <a:graphic>
           <a:graphicData uri="http://schemas.openxmlformats.org/drawingml/2006/table">
@@ -10717,7 +8339,7 @@
           <a:p>
             <a:fld id="{A2912448-FEEC-49E8-9588-2DF1F90D57C2}" type="slidenum">
               <a:rPr lang="en-US" smtClean="0"/>
-              <a:t>8</a:t>
+              <a:t>4</a:t>
             </a:fld>
             <a:endParaRPr lang="en-US" dirty="0"/>
           </a:p>
@@ -10727,6 +8349,2226 @@
     <p:extLst>
       <p:ext uri="{BB962C8B-B14F-4D97-AF65-F5344CB8AC3E}">
         <p14:creationId xmlns:p14="http://schemas.microsoft.com/office/powerpoint/2010/main" val="879215723"/>
+      </p:ext>
+    </p:extLst>
+  </p:cSld>
+  <p:clrMapOvr>
+    <a:masterClrMapping/>
+  </p:clrMapOvr>
+</p:sld>
+</file>
+
+<file path=ppt/slides/slide5.xml><?xml version="1.0" encoding="utf-8"?>
+<p:sld xmlns:a="http://schemas.openxmlformats.org/drawingml/2006/main" xmlns:r="http://schemas.openxmlformats.org/officeDocument/2006/relationships" xmlns:p="http://schemas.openxmlformats.org/presentationml/2006/main">
+  <p:cSld>
+    <p:spTree>
+      <p:nvGrpSpPr>
+        <p:cNvPr id="1" name=""/>
+        <p:cNvGrpSpPr/>
+        <p:nvPr/>
+      </p:nvGrpSpPr>
+      <p:grpSpPr>
+        <a:xfrm>
+          <a:off x="0" y="0"/>
+          <a:ext cx="0" cy="0"/>
+          <a:chOff x="0" y="0"/>
+          <a:chExt cx="0" cy="0"/>
+        </a:xfrm>
+      </p:grpSpPr>
+      <p:sp>
+        <p:nvSpPr>
+          <p:cNvPr id="2" name="Titel 1"/>
+          <p:cNvSpPr>
+            <a:spLocks noGrp="1"/>
+          </p:cNvSpPr>
+          <p:nvPr>
+            <p:ph type="title"/>
+          </p:nvPr>
+        </p:nvSpPr>
+        <p:spPr/>
+        <p:txBody>
+          <a:bodyPr/>
+          <a:lstStyle/>
+          <a:p>
+            <a:r>
+              <a:rPr lang="en-US" altLang="zh-TW" dirty="0">
+                <a:solidFill>
+                  <a:srgbClr val="4E5865"/>
+                </a:solidFill>
+                <a:ea typeface="新細明體" panose="02020500000000000000" pitchFamily="18" charset="-120"/>
+              </a:rPr>
+              <a:t>demo - monitoring</a:t>
+            </a:r>
+            <a:endParaRPr lang="nl-BE" dirty="0">
+              <a:solidFill>
+                <a:srgbClr val="4E5865"/>
+              </a:solidFill>
+            </a:endParaRPr>
+          </a:p>
+        </p:txBody>
+      </p:sp>
+      <p:sp>
+        <p:nvSpPr>
+          <p:cNvPr id="3" name="Tijdelijke aanduiding voor inhoud 2"/>
+          <p:cNvSpPr>
+            <a:spLocks noGrp="1"/>
+          </p:cNvSpPr>
+          <p:nvPr>
+            <p:ph idx="1"/>
+          </p:nvPr>
+        </p:nvSpPr>
+        <p:spPr>
+          <a:xfrm>
+            <a:off x="287384" y="1619999"/>
+            <a:ext cx="11817530" cy="4872875"/>
+          </a:xfrm>
+        </p:spPr>
+        <p:txBody>
+          <a:bodyPr/>
+          <a:lstStyle/>
+          <a:p>
+            <a:pPr marL="700088" lvl="2" indent="-342900">
+              <a:buBlip>
+                <a:blip r:embed="rId3"/>
+              </a:buBlip>
+            </a:pPr>
+            <a:r>
+              <a:rPr lang="en-US" altLang="zh-TW" sz="2400" dirty="0">
+                <a:solidFill>
+                  <a:srgbClr val="4E5865"/>
+                </a:solidFill>
+                <a:ea typeface="新細明體" panose="02020500000000000000" pitchFamily="18" charset="-120"/>
+              </a:rPr>
+              <a:t>Submit an interactive job</a:t>
+            </a:r>
+          </a:p>
+          <a:p>
+            <a:pPr marL="357188" lvl="2" indent="0">
+              <a:buNone/>
+            </a:pPr>
+            <a:r>
+              <a:rPr lang="en-US" altLang="zh-TW" sz="2400" dirty="0">
+                <a:solidFill>
+                  <a:srgbClr val="4E5865"/>
+                </a:solidFill>
+                <a:ea typeface="新細明體" panose="02020500000000000000" pitchFamily="18" charset="-120"/>
+              </a:rPr>
+              <a:t>	Run your program on a compute node</a:t>
+            </a:r>
+          </a:p>
+          <a:p>
+            <a:pPr marL="357188" lvl="2" indent="0">
+              <a:buNone/>
+            </a:pPr>
+            <a:r>
+              <a:rPr lang="en-US" altLang="zh-TW" sz="2400" dirty="0">
+                <a:solidFill>
+                  <a:srgbClr val="4E5865"/>
+                </a:solidFill>
+                <a:ea typeface="新細明體" panose="02020500000000000000" pitchFamily="18" charset="-120"/>
+              </a:rPr>
+              <a:t>	Open a new terminal and </a:t>
+            </a:r>
+            <a:r>
+              <a:rPr lang="en-US" altLang="zh-TW" sz="2400" dirty="0" err="1">
+                <a:solidFill>
+                  <a:srgbClr val="4E5865"/>
+                </a:solidFill>
+                <a:ea typeface="新細明體" panose="02020500000000000000" pitchFamily="18" charset="-120"/>
+              </a:rPr>
+              <a:t>ssh</a:t>
+            </a:r>
+            <a:r>
+              <a:rPr lang="en-US" altLang="zh-TW" sz="2400" dirty="0">
+                <a:solidFill>
+                  <a:srgbClr val="4E5865"/>
+                </a:solidFill>
+                <a:ea typeface="新細明體" panose="02020500000000000000" pitchFamily="18" charset="-120"/>
+              </a:rPr>
+              <a:t> to a compute node </a:t>
+            </a:r>
+          </a:p>
+          <a:p>
+            <a:pPr marL="357188" lvl="2" indent="0">
+              <a:buNone/>
+            </a:pPr>
+            <a:r>
+              <a:rPr lang="en-US" altLang="zh-TW" sz="2400" dirty="0">
+                <a:solidFill>
+                  <a:srgbClr val="4E5865"/>
+                </a:solidFill>
+                <a:ea typeface="新細明體" panose="02020500000000000000" pitchFamily="18" charset="-120"/>
+              </a:rPr>
+              <a:t>	Check the resources usage (</a:t>
+            </a:r>
+            <a:r>
+              <a:rPr lang="en-US" altLang="zh-TW" sz="2400" dirty="0" err="1">
+                <a:solidFill>
+                  <a:srgbClr val="4E5865"/>
+                </a:solidFill>
+                <a:latin typeface="Courier New" panose="02070309020205020404" pitchFamily="49" charset="0"/>
+                <a:ea typeface="新細明體" panose="02020500000000000000" pitchFamily="18" charset="-120"/>
+                <a:cs typeface="Courier New" panose="02070309020205020404" pitchFamily="49" charset="0"/>
+              </a:rPr>
+              <a:t>htop</a:t>
+            </a:r>
+            <a:r>
+              <a:rPr lang="en-US" altLang="zh-TW" sz="2400" dirty="0">
+                <a:solidFill>
+                  <a:srgbClr val="4E5865"/>
+                </a:solidFill>
+                <a:ea typeface="新細明體" panose="02020500000000000000" pitchFamily="18" charset="-120"/>
+              </a:rPr>
+              <a:t>)</a:t>
+            </a:r>
+          </a:p>
+          <a:p>
+            <a:pPr marL="357188" lvl="2" indent="0">
+              <a:buNone/>
+            </a:pPr>
+            <a:endParaRPr lang="en-US" altLang="zh-TW" sz="2400" dirty="0">
+              <a:solidFill>
+                <a:srgbClr val="4E5865"/>
+              </a:solidFill>
+              <a:ea typeface="新細明體" panose="02020500000000000000" pitchFamily="18" charset="-120"/>
+            </a:endParaRPr>
+          </a:p>
+          <a:p>
+            <a:pPr marL="700088" lvl="2" indent="-342900">
+              <a:buBlip>
+                <a:blip r:embed="rId3"/>
+              </a:buBlip>
+            </a:pPr>
+            <a:r>
+              <a:rPr lang="en-US" altLang="zh-TW" sz="2400" dirty="0">
+                <a:solidFill>
+                  <a:srgbClr val="4E5865"/>
+                </a:solidFill>
+                <a:ea typeface="新細明體" panose="02020500000000000000" pitchFamily="18" charset="-120"/>
+              </a:rPr>
+              <a:t>Submit a batch GPU job </a:t>
+            </a:r>
+          </a:p>
+          <a:p>
+            <a:pPr marL="357188" lvl="2" indent="0">
+              <a:buNone/>
+              <a:tabLst>
+                <a:tab pos="1076325" algn="l"/>
+              </a:tabLst>
+            </a:pPr>
+            <a:r>
+              <a:rPr lang="en-US" altLang="zh-TW" sz="2400" dirty="0">
+                <a:solidFill>
+                  <a:srgbClr val="4E5865"/>
+                </a:solidFill>
+                <a:ea typeface="新細明體" panose="02020500000000000000" pitchFamily="18" charset="-120"/>
+              </a:rPr>
+              <a:t>	While the job is running get the information about the node </a:t>
+            </a:r>
+            <a:r>
+              <a:rPr lang="en-US" altLang="zh-TW" dirty="0" err="1">
+                <a:solidFill>
+                  <a:srgbClr val="4E5865"/>
+                </a:solidFill>
+                <a:latin typeface="Courier New" panose="02070309020205020404" pitchFamily="49" charset="0"/>
+                <a:ea typeface="新細明體" panose="02020500000000000000" pitchFamily="18" charset="-120"/>
+                <a:cs typeface="Courier New" panose="02070309020205020404" pitchFamily="49" charset="0"/>
+              </a:rPr>
+              <a:t>slurm_jobinfo</a:t>
+            </a:r>
+            <a:r>
+              <a:rPr lang="en-US" altLang="zh-TW" dirty="0">
+                <a:solidFill>
+                  <a:srgbClr val="4E5865"/>
+                </a:solidFill>
+                <a:latin typeface="Courier New" panose="02070309020205020404" pitchFamily="49" charset="0"/>
+                <a:ea typeface="新細明體" panose="02020500000000000000" pitchFamily="18" charset="-120"/>
+                <a:cs typeface="Courier New" panose="02070309020205020404" pitchFamily="49" charset="0"/>
+              </a:rPr>
+              <a:t>...</a:t>
+            </a:r>
+            <a:endParaRPr lang="en-US" altLang="zh-TW" dirty="0">
+              <a:solidFill>
+                <a:srgbClr val="4E5865"/>
+              </a:solidFill>
+              <a:ea typeface="新細明體" panose="02020500000000000000" pitchFamily="18" charset="-120"/>
+            </a:endParaRPr>
+          </a:p>
+          <a:p>
+            <a:pPr marL="357188" lvl="2" indent="0">
+              <a:buNone/>
+              <a:tabLst>
+                <a:tab pos="1076325" algn="l"/>
+              </a:tabLst>
+            </a:pPr>
+            <a:r>
+              <a:rPr lang="en-US" altLang="zh-TW" sz="2400" dirty="0">
+                <a:solidFill>
+                  <a:srgbClr val="4E5865"/>
+                </a:solidFill>
+                <a:ea typeface="新細明體" panose="02020500000000000000" pitchFamily="18" charset="-120"/>
+              </a:rPr>
+              <a:t>	and check usage of resources on the node </a:t>
+            </a:r>
+            <a:r>
+              <a:rPr lang="en-US" altLang="zh-TW" dirty="0" err="1">
+                <a:solidFill>
+                  <a:srgbClr val="4E5865"/>
+                </a:solidFill>
+                <a:latin typeface="Courier New" panose="02070309020205020404" pitchFamily="49" charset="0"/>
+                <a:ea typeface="新細明體" panose="02020500000000000000" pitchFamily="18" charset="-120"/>
+                <a:cs typeface="Courier New" panose="02070309020205020404" pitchFamily="49" charset="0"/>
+              </a:rPr>
+              <a:t>ssh</a:t>
+            </a:r>
+            <a:r>
+              <a:rPr lang="en-US" altLang="zh-TW" dirty="0">
+                <a:solidFill>
+                  <a:srgbClr val="4E5865"/>
+                </a:solidFill>
+                <a:ea typeface="新細明體" panose="02020500000000000000" pitchFamily="18" charset="-120"/>
+              </a:rPr>
+              <a:t>, </a:t>
+            </a:r>
+            <a:r>
+              <a:rPr lang="en-US" altLang="zh-TW" dirty="0">
+                <a:solidFill>
+                  <a:srgbClr val="4E5865"/>
+                </a:solidFill>
+                <a:latin typeface="Courier New" panose="02070309020205020404" pitchFamily="49" charset="0"/>
+                <a:ea typeface="新細明體" panose="02020500000000000000" pitchFamily="18" charset="-120"/>
+                <a:cs typeface="Courier New" panose="02070309020205020404" pitchFamily="49" charset="0"/>
+              </a:rPr>
+              <a:t>top</a:t>
+            </a:r>
+            <a:r>
+              <a:rPr lang="en-US" altLang="zh-TW" dirty="0">
+                <a:solidFill>
+                  <a:srgbClr val="4E5865"/>
+                </a:solidFill>
+                <a:ea typeface="新細明體" panose="02020500000000000000" pitchFamily="18" charset="-120"/>
+              </a:rPr>
+              <a:t>, </a:t>
+            </a:r>
+            <a:r>
+              <a:rPr lang="en-US" altLang="zh-TW" dirty="0" err="1">
+                <a:solidFill>
+                  <a:srgbClr val="4E5865"/>
+                </a:solidFill>
+                <a:latin typeface="Courier New" panose="02070309020205020404" pitchFamily="49" charset="0"/>
+                <a:ea typeface="新細明體" panose="02020500000000000000" pitchFamily="18" charset="-120"/>
+                <a:cs typeface="Courier New" panose="02070309020205020404" pitchFamily="49" charset="0"/>
+              </a:rPr>
+              <a:t>nvidia-smi</a:t>
+            </a:r>
+            <a:endParaRPr lang="en-US" altLang="zh-TW" dirty="0">
+              <a:solidFill>
+                <a:srgbClr val="4E5865"/>
+              </a:solidFill>
+              <a:ea typeface="新細明體" panose="02020500000000000000" pitchFamily="18" charset="-120"/>
+            </a:endParaRPr>
+          </a:p>
+        </p:txBody>
+      </p:sp>
+      <p:sp>
+        <p:nvSpPr>
+          <p:cNvPr id="10" name="Slide Number Placeholder 5">
+            <a:extLst>
+              <a:ext uri="{FF2B5EF4-FFF2-40B4-BE49-F238E27FC236}">
+                <a16:creationId xmlns:a16="http://schemas.microsoft.com/office/drawing/2014/main" id="{A5B30D68-186D-45F9-BEB0-589C494268F8}"/>
+              </a:ext>
+            </a:extLst>
+          </p:cNvPr>
+          <p:cNvSpPr>
+            <a:spLocks noGrp="1"/>
+          </p:cNvSpPr>
+          <p:nvPr>
+            <p:ph type="sldNum" sz="quarter" idx="12"/>
+          </p:nvPr>
+        </p:nvSpPr>
+        <p:spPr>
+          <a:xfrm>
+            <a:off x="5844850" y="6384344"/>
+            <a:ext cx="502300" cy="365125"/>
+          </a:xfrm>
+        </p:spPr>
+        <p:txBody>
+          <a:bodyPr/>
+          <a:lstStyle/>
+          <a:p>
+            <a:fld id="{A2912448-FEEC-49E8-9588-2DF1F90D57C2}" type="slidenum">
+              <a:rPr lang="en-US" smtClean="0"/>
+              <a:t>5</a:t>
+            </a:fld>
+            <a:endParaRPr lang="en-US" dirty="0"/>
+          </a:p>
+        </p:txBody>
+      </p:sp>
+    </p:spTree>
+    <p:extLst>
+      <p:ext uri="{BB962C8B-B14F-4D97-AF65-F5344CB8AC3E}">
+        <p14:creationId xmlns:p14="http://schemas.microsoft.com/office/powerpoint/2010/main" val="2662450730"/>
+      </p:ext>
+    </p:extLst>
+  </p:cSld>
+  <p:clrMapOvr>
+    <a:masterClrMapping/>
+  </p:clrMapOvr>
+</p:sld>
+</file>
+
+<file path=ppt/slides/slide6.xml><?xml version="1.0" encoding="utf-8"?>
+<p:sld xmlns:a="http://schemas.openxmlformats.org/drawingml/2006/main" xmlns:r="http://schemas.openxmlformats.org/officeDocument/2006/relationships" xmlns:p="http://schemas.openxmlformats.org/presentationml/2006/main">
+  <p:cSld>
+    <p:spTree>
+      <p:nvGrpSpPr>
+        <p:cNvPr id="1" name=""/>
+        <p:cNvGrpSpPr/>
+        <p:nvPr/>
+      </p:nvGrpSpPr>
+      <p:grpSpPr>
+        <a:xfrm>
+          <a:off x="0" y="0"/>
+          <a:ext cx="0" cy="0"/>
+          <a:chOff x="0" y="0"/>
+          <a:chExt cx="0" cy="0"/>
+        </a:xfrm>
+      </p:grpSpPr>
+      <p:sp>
+        <p:nvSpPr>
+          <p:cNvPr id="2" name="Titel 1"/>
+          <p:cNvSpPr>
+            <a:spLocks noGrp="1"/>
+          </p:cNvSpPr>
+          <p:nvPr>
+            <p:ph type="title"/>
+          </p:nvPr>
+        </p:nvSpPr>
+        <p:spPr/>
+        <p:txBody>
+          <a:bodyPr/>
+          <a:lstStyle/>
+          <a:p>
+            <a:r>
+              <a:rPr lang="en-US" altLang="zh-TW" dirty="0">
+                <a:solidFill>
+                  <a:srgbClr val="4E5865"/>
+                </a:solidFill>
+                <a:ea typeface="新細明體" panose="02020500000000000000" pitchFamily="18" charset="-120"/>
+              </a:rPr>
+              <a:t>demo – </a:t>
+            </a:r>
+            <a:r>
+              <a:rPr lang="en-US" altLang="zh-TW" dirty="0" err="1">
+                <a:solidFill>
+                  <a:srgbClr val="4E5865"/>
+                </a:solidFill>
+                <a:ea typeface="新細明體" panose="02020500000000000000" pitchFamily="18" charset="-120"/>
+              </a:rPr>
+              <a:t>conda</a:t>
+            </a:r>
+            <a:r>
+              <a:rPr lang="en-US" altLang="zh-TW" dirty="0">
+                <a:solidFill>
+                  <a:srgbClr val="4E5865"/>
+                </a:solidFill>
+                <a:ea typeface="新細明體" panose="02020500000000000000" pitchFamily="18" charset="-120"/>
+              </a:rPr>
+              <a:t> installation</a:t>
+            </a:r>
+            <a:endParaRPr lang="nl-BE" dirty="0">
+              <a:solidFill>
+                <a:srgbClr val="4E5865"/>
+              </a:solidFill>
+            </a:endParaRPr>
+          </a:p>
+        </p:txBody>
+      </p:sp>
+      <p:sp>
+        <p:nvSpPr>
+          <p:cNvPr id="3" name="Tijdelijke aanduiding voor inhoud 2"/>
+          <p:cNvSpPr>
+            <a:spLocks noGrp="1"/>
+          </p:cNvSpPr>
+          <p:nvPr>
+            <p:ph idx="1"/>
+          </p:nvPr>
+        </p:nvSpPr>
+        <p:spPr>
+          <a:xfrm>
+            <a:off x="287384" y="1619999"/>
+            <a:ext cx="11817530" cy="4872875"/>
+          </a:xfrm>
+        </p:spPr>
+        <p:txBody>
+          <a:bodyPr/>
+          <a:lstStyle/>
+          <a:p>
+            <a:pPr marL="700088" lvl="2" indent="-342900">
+              <a:buBlip>
+                <a:blip r:embed="rId2"/>
+              </a:buBlip>
+            </a:pPr>
+            <a:r>
+              <a:rPr lang="en-US" altLang="zh-TW" sz="2400" dirty="0">
+                <a:solidFill>
+                  <a:srgbClr val="4E5865"/>
+                </a:solidFill>
+                <a:ea typeface="新細明體" panose="02020500000000000000" pitchFamily="18" charset="-120"/>
+              </a:rPr>
+              <a:t>Start an interactive job on Genius or </a:t>
+            </a:r>
+            <a:r>
+              <a:rPr lang="en-US" altLang="zh-TW" sz="2400" dirty="0" err="1">
+                <a:solidFill>
+                  <a:srgbClr val="4E5865"/>
+                </a:solidFill>
+                <a:ea typeface="新細明體" panose="02020500000000000000" pitchFamily="18" charset="-120"/>
+              </a:rPr>
+              <a:t>wICE</a:t>
+            </a:r>
+            <a:r>
+              <a:rPr lang="en-US" altLang="zh-TW" sz="2400" dirty="0">
+                <a:solidFill>
+                  <a:srgbClr val="4E5865"/>
+                </a:solidFill>
+                <a:ea typeface="新細明體" panose="02020500000000000000" pitchFamily="18" charset="-120"/>
+              </a:rPr>
+              <a:t> </a:t>
+            </a:r>
+            <a:br>
+              <a:rPr lang="en-US" altLang="zh-TW" sz="2400" dirty="0">
+                <a:solidFill>
+                  <a:srgbClr val="4E5865"/>
+                </a:solidFill>
+                <a:ea typeface="新細明體" panose="02020500000000000000" pitchFamily="18" charset="-120"/>
+              </a:rPr>
+            </a:br>
+            <a:r>
+              <a:rPr lang="en-US" altLang="zh-TW" dirty="0" err="1">
+                <a:solidFill>
+                  <a:srgbClr val="4E5865"/>
+                </a:solidFill>
+                <a:latin typeface="Courier New" panose="02070309020205020404" pitchFamily="49" charset="0"/>
+                <a:ea typeface="新細明體" panose="02020500000000000000" pitchFamily="18" charset="-120"/>
+                <a:cs typeface="Courier New" panose="02070309020205020404" pitchFamily="49" charset="0"/>
+              </a:rPr>
+              <a:t>srun</a:t>
+            </a:r>
+            <a:r>
+              <a:rPr lang="en-US" altLang="zh-TW" dirty="0">
+                <a:solidFill>
+                  <a:srgbClr val="4E5865"/>
+                </a:solidFill>
+                <a:latin typeface="Courier New" panose="02070309020205020404" pitchFamily="49" charset="0"/>
+                <a:ea typeface="新細明體" panose="02020500000000000000" pitchFamily="18" charset="-120"/>
+                <a:cs typeface="Courier New" panose="02070309020205020404" pitchFamily="49" charset="0"/>
+              </a:rPr>
+              <a:t> –M genius –A &lt;account&gt; -n 1 --</a:t>
+            </a:r>
+            <a:r>
+              <a:rPr lang="en-US" altLang="zh-TW" dirty="0" err="1">
+                <a:solidFill>
+                  <a:srgbClr val="4E5865"/>
+                </a:solidFill>
+                <a:latin typeface="Courier New" panose="02070309020205020404" pitchFamily="49" charset="0"/>
+                <a:ea typeface="新細明體" panose="02020500000000000000" pitchFamily="18" charset="-120"/>
+                <a:cs typeface="Courier New" panose="02070309020205020404" pitchFamily="49" charset="0"/>
+              </a:rPr>
+              <a:t>pty</a:t>
+            </a:r>
+            <a:r>
+              <a:rPr lang="en-US" altLang="zh-TW" dirty="0">
+                <a:solidFill>
+                  <a:srgbClr val="4E5865"/>
+                </a:solidFill>
+                <a:latin typeface="Courier New" panose="02070309020205020404" pitchFamily="49" charset="0"/>
+                <a:ea typeface="新細明體" panose="02020500000000000000" pitchFamily="18" charset="-120"/>
+                <a:cs typeface="Courier New" panose="02070309020205020404" pitchFamily="49" charset="0"/>
+              </a:rPr>
+              <a:t> /bin/bash -l</a:t>
+            </a:r>
+          </a:p>
+          <a:p>
+            <a:pPr marL="700088" lvl="2" indent="-342900">
+              <a:buBlip>
+                <a:blip r:embed="rId2"/>
+              </a:buBlip>
+            </a:pPr>
+            <a:r>
+              <a:rPr lang="en-US" altLang="zh-TW" sz="2400" dirty="0">
+                <a:solidFill>
+                  <a:srgbClr val="4E5865"/>
+                </a:solidFill>
+                <a:ea typeface="新細明體" panose="02020500000000000000" pitchFamily="18" charset="-120"/>
+              </a:rPr>
+              <a:t>Install </a:t>
+            </a:r>
+            <a:r>
+              <a:rPr lang="en-US" altLang="zh-TW" sz="2400" dirty="0" err="1">
+                <a:solidFill>
+                  <a:srgbClr val="4E5865"/>
+                </a:solidFill>
+                <a:ea typeface="新細明體" panose="02020500000000000000" pitchFamily="18" charset="-120"/>
+              </a:rPr>
+              <a:t>miniconda</a:t>
+            </a:r>
+            <a:r>
+              <a:rPr lang="en-US" altLang="zh-TW" sz="2400" dirty="0">
+                <a:solidFill>
+                  <a:srgbClr val="4E5865"/>
+                </a:solidFill>
+                <a:ea typeface="新細明體" panose="02020500000000000000" pitchFamily="18" charset="-120"/>
+              </a:rPr>
+              <a:t> in your </a:t>
+            </a:r>
+            <a:r>
+              <a:rPr lang="en-US" altLang="zh-TW" dirty="0">
+                <a:solidFill>
+                  <a:srgbClr val="4E5865"/>
+                </a:solidFill>
+                <a:latin typeface="Courier New" panose="02070309020205020404" pitchFamily="49" charset="0"/>
+                <a:ea typeface="新細明體" panose="02020500000000000000" pitchFamily="18" charset="-120"/>
+                <a:cs typeface="Courier New" panose="02070309020205020404" pitchFamily="49" charset="0"/>
+              </a:rPr>
+              <a:t>$VSC_DATA </a:t>
+            </a:r>
+            <a:r>
+              <a:rPr lang="en-US" altLang="zh-TW" sz="2400" dirty="0">
+                <a:solidFill>
+                  <a:srgbClr val="4E5865"/>
+                </a:solidFill>
+                <a:ea typeface="新細明體" panose="02020500000000000000" pitchFamily="18" charset="-120"/>
+              </a:rPr>
+              <a:t>directory</a:t>
+            </a:r>
+          </a:p>
+          <a:p>
+            <a:r>
+              <a:rPr lang="nl-BE" sz="2000" dirty="0">
+                <a:solidFill>
+                  <a:srgbClr val="4E5865"/>
+                </a:solidFill>
+                <a:latin typeface="Courier New" panose="02070309020205020404" pitchFamily="49" charset="0"/>
+                <a:cs typeface="Courier New" panose="02070309020205020404" pitchFamily="49" charset="0"/>
+              </a:rPr>
+              <a:t>$ </a:t>
+            </a:r>
+            <a:r>
+              <a:rPr lang="nl-BE" sz="2000" dirty="0" err="1">
+                <a:latin typeface="Courier New" panose="02070309020205020404" pitchFamily="49" charset="0"/>
+                <a:cs typeface="Courier New" panose="02070309020205020404" pitchFamily="49" charset="0"/>
+              </a:rPr>
+              <a:t>wget</a:t>
+            </a:r>
+            <a:r>
+              <a:rPr lang="nl-BE" sz="2000" dirty="0">
+                <a:latin typeface="Courier New" panose="02070309020205020404" pitchFamily="49" charset="0"/>
+                <a:cs typeface="Courier New" panose="02070309020205020404" pitchFamily="49" charset="0"/>
+              </a:rPr>
+              <a:t> https://repo.continuum.io/miniconda/Miniconda3-latest-Linux-x86_64.sh </a:t>
+            </a:r>
+          </a:p>
+          <a:p>
+            <a:r>
+              <a:rPr lang="nl-BE" sz="2000" dirty="0">
+                <a:latin typeface="Courier New" panose="02070309020205020404" pitchFamily="49" charset="0"/>
+                <a:cs typeface="Courier New" panose="02070309020205020404" pitchFamily="49" charset="0"/>
+              </a:rPr>
+              <a:t>$ DIR_INSTALL=</a:t>
+            </a:r>
+            <a:r>
+              <a:rPr lang="it-IT" sz="2000" dirty="0">
+                <a:latin typeface="Courier New" panose="02070309020205020404" pitchFamily="49" charset="0"/>
+                <a:cs typeface="Courier New" panose="02070309020205020404" pitchFamily="49" charset="0"/>
+              </a:rPr>
+              <a:t>$VSC_DATA/miniconda3</a:t>
+            </a:r>
+            <a:r>
+              <a:rPr lang="nl-BE" sz="2000" dirty="0">
+                <a:latin typeface="Courier New" panose="02070309020205020404" pitchFamily="49" charset="0"/>
+                <a:cs typeface="Courier New" panose="02070309020205020404" pitchFamily="49" charset="0"/>
+              </a:rPr>
+              <a:t>_${VSC_INSTITUTE_CLUSTER}</a:t>
+            </a:r>
+          </a:p>
+          <a:p>
+            <a:r>
+              <a:rPr lang="it-IT" sz="2000" dirty="0">
+                <a:latin typeface="Courier New" panose="02070309020205020404" pitchFamily="49" charset="0"/>
+                <a:cs typeface="Courier New" panose="02070309020205020404" pitchFamily="49" charset="0"/>
+              </a:rPr>
+              <a:t>$ </a:t>
+            </a:r>
+            <a:r>
+              <a:rPr lang="it-IT" sz="2000" dirty="0" err="1">
+                <a:latin typeface="Courier New" panose="02070309020205020404" pitchFamily="49" charset="0"/>
+                <a:cs typeface="Courier New" panose="02070309020205020404" pitchFamily="49" charset="0"/>
+              </a:rPr>
+              <a:t>bash</a:t>
+            </a:r>
+            <a:r>
+              <a:rPr lang="it-IT" sz="2000" dirty="0">
+                <a:latin typeface="Courier New" panose="02070309020205020404" pitchFamily="49" charset="0"/>
+                <a:cs typeface="Courier New" panose="02070309020205020404" pitchFamily="49" charset="0"/>
+              </a:rPr>
+              <a:t> Miniconda3-latest-Linux-x86_64.sh -b –p ${DIR_INSTALL}</a:t>
+            </a:r>
+          </a:p>
+          <a:p>
+            <a:pPr marL="700088" indent="-342900">
+              <a:buBlip>
+                <a:blip r:embed="rId2"/>
+              </a:buBlip>
+            </a:pPr>
+            <a:r>
+              <a:rPr lang="nl-BE" sz="2400" dirty="0" err="1">
+                <a:solidFill>
+                  <a:srgbClr val="4E5865"/>
+                </a:solidFill>
+                <a:cs typeface="Courier New" panose="02070309020205020404" pitchFamily="49" charset="0"/>
+              </a:rPr>
+              <a:t>Add</a:t>
+            </a:r>
+            <a:r>
+              <a:rPr lang="nl-BE" sz="2400" dirty="0">
+                <a:solidFill>
+                  <a:srgbClr val="4E5865"/>
+                </a:solidFill>
+                <a:cs typeface="Courier New" panose="02070309020205020404" pitchFamily="49" charset="0"/>
+              </a:rPr>
+              <a:t> a PATH </a:t>
+            </a:r>
+            <a:r>
+              <a:rPr lang="nl-BE" sz="2400" dirty="0" err="1">
+                <a:solidFill>
+                  <a:srgbClr val="4E5865"/>
+                </a:solidFill>
+                <a:cs typeface="Courier New" panose="02070309020205020404" pitchFamily="49" charset="0"/>
+              </a:rPr>
+              <a:t>to</a:t>
+            </a:r>
+            <a:r>
+              <a:rPr lang="nl-BE" sz="2400" dirty="0">
+                <a:solidFill>
+                  <a:srgbClr val="4E5865"/>
+                </a:solidFill>
+                <a:cs typeface="Courier New" panose="02070309020205020404" pitchFamily="49" charset="0"/>
+              </a:rPr>
+              <a:t> </a:t>
+            </a:r>
+            <a:r>
+              <a:rPr lang="nl-BE" sz="2400" dirty="0" err="1">
+                <a:solidFill>
+                  <a:srgbClr val="4E5865"/>
+                </a:solidFill>
+                <a:cs typeface="Courier New" panose="02070309020205020404" pitchFamily="49" charset="0"/>
+              </a:rPr>
+              <a:t>conda</a:t>
+            </a:r>
+            <a:r>
+              <a:rPr lang="nl-BE" sz="2400" dirty="0">
+                <a:solidFill>
+                  <a:srgbClr val="4E5865"/>
+                </a:solidFill>
+                <a:cs typeface="Courier New" panose="02070309020205020404" pitchFamily="49" charset="0"/>
+              </a:rPr>
+              <a:t>: </a:t>
+            </a:r>
+          </a:p>
+          <a:p>
+            <a:r>
+              <a:rPr lang="nl-BE" altLang="nl-BE" sz="2000" dirty="0">
+                <a:latin typeface="Courier New" panose="02070309020205020404" pitchFamily="49" charset="0"/>
+                <a:cs typeface="Courier New" panose="02070309020205020404" pitchFamily="49" charset="0"/>
+              </a:rPr>
+              <a:t>$ export PATH="${VSC_DATA}/miniconda3_${VSC_INSTITUTE_CLUSTER}/bin:${PATH}" </a:t>
+            </a:r>
+          </a:p>
+          <a:p>
+            <a:pPr marL="700088" indent="-342900">
+              <a:buBlip>
+                <a:blip r:embed="rId2"/>
+              </a:buBlip>
+            </a:pPr>
+            <a:r>
+              <a:rPr lang="nl-BE" sz="2400" dirty="0">
+                <a:solidFill>
+                  <a:srgbClr val="4E5865"/>
+                </a:solidFill>
+                <a:cs typeface="Courier New" panose="02070309020205020404" pitchFamily="49" charset="0"/>
+              </a:rPr>
+              <a:t>Check </a:t>
+            </a:r>
+            <a:r>
+              <a:rPr lang="nl-BE" sz="2400" dirty="0" err="1">
+                <a:solidFill>
+                  <a:srgbClr val="4E5865"/>
+                </a:solidFill>
+                <a:cs typeface="Courier New" panose="02070309020205020404" pitchFamily="49" charset="0"/>
+              </a:rPr>
+              <a:t>if</a:t>
+            </a:r>
+            <a:r>
+              <a:rPr lang="nl-BE" sz="2400" dirty="0">
+                <a:solidFill>
+                  <a:srgbClr val="4E5865"/>
+                </a:solidFill>
+                <a:cs typeface="Courier New" panose="02070309020205020404" pitchFamily="49" charset="0"/>
+              </a:rPr>
+              <a:t> </a:t>
+            </a:r>
+            <a:r>
+              <a:rPr lang="nl-BE" sz="2400" dirty="0" err="1">
+                <a:solidFill>
+                  <a:srgbClr val="4E5865"/>
+                </a:solidFill>
+                <a:cs typeface="Courier New" panose="02070309020205020404" pitchFamily="49" charset="0"/>
+              </a:rPr>
+              <a:t>conda</a:t>
+            </a:r>
+            <a:r>
+              <a:rPr lang="nl-BE" sz="2400" dirty="0">
+                <a:solidFill>
+                  <a:srgbClr val="4E5865"/>
+                </a:solidFill>
+                <a:cs typeface="Courier New" panose="02070309020205020404" pitchFamily="49" charset="0"/>
+              </a:rPr>
+              <a:t> is </a:t>
+            </a:r>
+            <a:r>
+              <a:rPr lang="nl-BE" sz="2400" dirty="0" err="1">
+                <a:solidFill>
+                  <a:srgbClr val="4E5865"/>
+                </a:solidFill>
+                <a:cs typeface="Courier New" panose="02070309020205020404" pitchFamily="49" charset="0"/>
+              </a:rPr>
+              <a:t>added</a:t>
+            </a:r>
+            <a:r>
+              <a:rPr lang="nl-BE" sz="2400" dirty="0">
+                <a:solidFill>
+                  <a:srgbClr val="4E5865"/>
+                </a:solidFill>
+                <a:cs typeface="Courier New" panose="02070309020205020404" pitchFamily="49" charset="0"/>
+              </a:rPr>
+              <a:t> </a:t>
+            </a:r>
+            <a:r>
+              <a:rPr lang="nl-BE" sz="2400" dirty="0" err="1">
+                <a:solidFill>
+                  <a:srgbClr val="4E5865"/>
+                </a:solidFill>
+                <a:cs typeface="Courier New" panose="02070309020205020404" pitchFamily="49" charset="0"/>
+              </a:rPr>
+              <a:t>to</a:t>
+            </a:r>
+            <a:r>
+              <a:rPr lang="nl-BE" sz="2400" dirty="0">
+                <a:solidFill>
+                  <a:srgbClr val="4E5865"/>
+                </a:solidFill>
+                <a:cs typeface="Courier New" panose="02070309020205020404" pitchFamily="49" charset="0"/>
+              </a:rPr>
+              <a:t> </a:t>
+            </a:r>
+            <a:r>
+              <a:rPr lang="nl-BE" sz="2400" dirty="0" err="1">
+                <a:solidFill>
+                  <a:srgbClr val="4E5865"/>
+                </a:solidFill>
+                <a:cs typeface="Courier New" panose="02070309020205020404" pitchFamily="49" charset="0"/>
+              </a:rPr>
+              <a:t>your</a:t>
+            </a:r>
+            <a:r>
+              <a:rPr lang="nl-BE" sz="2400" dirty="0">
+                <a:solidFill>
+                  <a:srgbClr val="4E5865"/>
+                </a:solidFill>
+                <a:cs typeface="Courier New" panose="02070309020205020404" pitchFamily="49" charset="0"/>
+              </a:rPr>
+              <a:t> </a:t>
+            </a:r>
+            <a:r>
+              <a:rPr lang="nl-BE" sz="2000" dirty="0">
+                <a:solidFill>
+                  <a:srgbClr val="4E5865"/>
+                </a:solidFill>
+                <a:latin typeface="Courier New" panose="02070309020205020404" pitchFamily="49" charset="0"/>
+                <a:cs typeface="Courier New" panose="02070309020205020404" pitchFamily="49" charset="0"/>
+              </a:rPr>
+              <a:t>$PATH ($ </a:t>
+            </a:r>
+            <a:r>
+              <a:rPr lang="nl-BE" sz="2000" dirty="0" err="1">
+                <a:solidFill>
+                  <a:srgbClr val="4E5865"/>
+                </a:solidFill>
+                <a:latin typeface="Courier New" panose="02070309020205020404" pitchFamily="49" charset="0"/>
+                <a:cs typeface="Courier New" panose="02070309020205020404" pitchFamily="49" charset="0"/>
+              </a:rPr>
+              <a:t>which</a:t>
+            </a:r>
+            <a:r>
+              <a:rPr lang="nl-BE" sz="2000" dirty="0">
+                <a:solidFill>
+                  <a:srgbClr val="4E5865"/>
+                </a:solidFill>
+                <a:latin typeface="Courier New" panose="02070309020205020404" pitchFamily="49" charset="0"/>
+                <a:cs typeface="Courier New" panose="02070309020205020404" pitchFamily="49" charset="0"/>
+              </a:rPr>
+              <a:t> </a:t>
+            </a:r>
+            <a:r>
+              <a:rPr lang="nl-BE" sz="2000" dirty="0" err="1">
+                <a:solidFill>
+                  <a:srgbClr val="4E5865"/>
+                </a:solidFill>
+                <a:latin typeface="Courier New" panose="02070309020205020404" pitchFamily="49" charset="0"/>
+                <a:cs typeface="Courier New" panose="02070309020205020404" pitchFamily="49" charset="0"/>
+              </a:rPr>
+              <a:t>conda</a:t>
+            </a:r>
+            <a:r>
+              <a:rPr lang="nl-BE" sz="2000" dirty="0">
+                <a:solidFill>
+                  <a:srgbClr val="4E5865"/>
+                </a:solidFill>
+                <a:latin typeface="Courier New" panose="02070309020205020404" pitchFamily="49" charset="0"/>
+                <a:cs typeface="Courier New" panose="02070309020205020404" pitchFamily="49" charset="0"/>
+              </a:rPr>
+              <a:t>)</a:t>
+            </a:r>
+            <a:endParaRPr lang="nl-BE" sz="2400" dirty="0">
+              <a:solidFill>
+                <a:srgbClr val="4E5865"/>
+              </a:solidFill>
+              <a:latin typeface="Courier New" panose="02070309020205020404" pitchFamily="49" charset="0"/>
+              <a:cs typeface="Courier New" panose="02070309020205020404" pitchFamily="49" charset="0"/>
+            </a:endParaRPr>
+          </a:p>
+          <a:p>
+            <a:pPr marL="357188" indent="0">
+              <a:buNone/>
+            </a:pPr>
+            <a:r>
+              <a:rPr lang="nl-BE" sz="2400" dirty="0" err="1">
+                <a:solidFill>
+                  <a:srgbClr val="4E5865"/>
+                </a:solidFill>
+                <a:cs typeface="Courier New" panose="02070309020205020404" pitchFamily="49" charset="0"/>
+              </a:rPr>
+              <a:t>Add</a:t>
+            </a:r>
+            <a:r>
+              <a:rPr lang="nl-BE" sz="2400" dirty="0">
+                <a:solidFill>
+                  <a:srgbClr val="4E5865"/>
+                </a:solidFill>
+                <a:cs typeface="Courier New" panose="02070309020205020404" pitchFamily="49" charset="0"/>
+              </a:rPr>
+              <a:t> </a:t>
+            </a:r>
+            <a:r>
+              <a:rPr lang="nl-BE" sz="2400" dirty="0" err="1">
+                <a:solidFill>
+                  <a:srgbClr val="4E5865"/>
+                </a:solidFill>
+                <a:cs typeface="Courier New" panose="02070309020205020404" pitchFamily="49" charset="0"/>
+              </a:rPr>
+              <a:t>it</a:t>
+            </a:r>
+            <a:r>
+              <a:rPr lang="nl-BE" sz="2400" dirty="0">
+                <a:solidFill>
+                  <a:srgbClr val="4E5865"/>
+                </a:solidFill>
+                <a:cs typeface="Courier New" panose="02070309020205020404" pitchFamily="49" charset="0"/>
+              </a:rPr>
+              <a:t> </a:t>
+            </a:r>
+            <a:r>
+              <a:rPr lang="nl-BE" sz="2400" dirty="0" err="1">
+                <a:solidFill>
+                  <a:srgbClr val="4E5865"/>
+                </a:solidFill>
+                <a:cs typeface="Courier New" panose="02070309020205020404" pitchFamily="49" charset="0"/>
+              </a:rPr>
+              <a:t>to</a:t>
+            </a:r>
+            <a:r>
+              <a:rPr lang="nl-BE" sz="2400" dirty="0">
+                <a:solidFill>
+                  <a:srgbClr val="4E5865"/>
+                </a:solidFill>
+                <a:cs typeface="Courier New" panose="02070309020205020404" pitchFamily="49" charset="0"/>
+              </a:rPr>
+              <a:t> </a:t>
+            </a:r>
+            <a:r>
+              <a:rPr lang="nl-BE" sz="2000" dirty="0">
+                <a:solidFill>
+                  <a:srgbClr val="4E5865"/>
+                </a:solidFill>
+                <a:latin typeface="Courier New" panose="02070309020205020404" pitchFamily="49" charset="0"/>
+                <a:cs typeface="Courier New" panose="02070309020205020404" pitchFamily="49" charset="0"/>
+              </a:rPr>
+              <a:t>$PATH </a:t>
+            </a:r>
+            <a:r>
+              <a:rPr lang="nl-BE" sz="2400" dirty="0">
+                <a:solidFill>
+                  <a:srgbClr val="4E5865"/>
+                </a:solidFill>
+                <a:cs typeface="Courier New" panose="02070309020205020404" pitchFamily="49" charset="0"/>
+              </a:rPr>
+              <a:t>in </a:t>
+            </a:r>
+            <a:r>
+              <a:rPr lang="nl-BE" sz="2400" dirty="0" err="1">
+                <a:solidFill>
+                  <a:srgbClr val="4E5865"/>
+                </a:solidFill>
+                <a:cs typeface="Courier New" panose="02070309020205020404" pitchFamily="49" charset="0"/>
+              </a:rPr>
+              <a:t>your</a:t>
+            </a:r>
+            <a:r>
+              <a:rPr lang="nl-BE" sz="2400" dirty="0">
+                <a:solidFill>
+                  <a:srgbClr val="4E5865"/>
+                </a:solidFill>
+                <a:cs typeface="Courier New" panose="02070309020205020404" pitchFamily="49" charset="0"/>
+              </a:rPr>
+              <a:t> </a:t>
+            </a:r>
+            <a:r>
+              <a:rPr lang="nl-BE" sz="2000" dirty="0">
+                <a:solidFill>
+                  <a:srgbClr val="4E5865"/>
+                </a:solidFill>
+                <a:latin typeface="Courier New" panose="02070309020205020404" pitchFamily="49" charset="0"/>
+                <a:cs typeface="Courier New" panose="02070309020205020404" pitchFamily="49" charset="0"/>
+              </a:rPr>
+              <a:t>.</a:t>
+            </a:r>
+            <a:r>
+              <a:rPr lang="nl-BE" sz="2000" dirty="0" err="1">
+                <a:solidFill>
+                  <a:srgbClr val="4E5865"/>
+                </a:solidFill>
+                <a:latin typeface="Courier New" panose="02070309020205020404" pitchFamily="49" charset="0"/>
+                <a:cs typeface="Courier New" panose="02070309020205020404" pitchFamily="49" charset="0"/>
+              </a:rPr>
+              <a:t>bashrc</a:t>
+            </a:r>
+            <a:r>
+              <a:rPr lang="nl-BE" sz="2000" dirty="0">
+                <a:solidFill>
+                  <a:srgbClr val="4E5865"/>
+                </a:solidFill>
+                <a:latin typeface="Courier New" panose="02070309020205020404" pitchFamily="49" charset="0"/>
+                <a:cs typeface="Courier New" panose="02070309020205020404" pitchFamily="49" charset="0"/>
+              </a:rPr>
+              <a:t> </a:t>
+            </a:r>
+          </a:p>
+          <a:p>
+            <a:pPr marL="271463" indent="-271463"/>
+            <a:r>
+              <a:rPr lang="nl-BE" sz="2000" dirty="0">
+                <a:solidFill>
+                  <a:srgbClr val="4E5865"/>
+                </a:solidFill>
+                <a:latin typeface="Courier New" panose="02070309020205020404" pitchFamily="49" charset="0"/>
+                <a:cs typeface="Courier New" panose="02070309020205020404" pitchFamily="49" charset="0"/>
+              </a:rPr>
+              <a:t>$ echo 'export PATH="${VSC_DATA}/miniconda3/bin:${PATH}" ' &gt;&gt; .</a:t>
+            </a:r>
+            <a:r>
+              <a:rPr lang="nl-BE" sz="2000" dirty="0" err="1">
+                <a:solidFill>
+                  <a:srgbClr val="4E5865"/>
+                </a:solidFill>
+                <a:latin typeface="Courier New" panose="02070309020205020404" pitchFamily="49" charset="0"/>
+                <a:cs typeface="Courier New" panose="02070309020205020404" pitchFamily="49" charset="0"/>
+              </a:rPr>
+              <a:t>bashrc</a:t>
+            </a:r>
+            <a:endParaRPr lang="nl-BE" sz="2400" dirty="0">
+              <a:solidFill>
+                <a:srgbClr val="4E5865"/>
+              </a:solidFill>
+              <a:latin typeface="Courier New" panose="02070309020205020404" pitchFamily="49" charset="0"/>
+              <a:cs typeface="Courier New" panose="02070309020205020404" pitchFamily="49" charset="0"/>
+            </a:endParaRPr>
+          </a:p>
+        </p:txBody>
+      </p:sp>
+      <p:sp>
+        <p:nvSpPr>
+          <p:cNvPr id="10" name="Slide Number Placeholder 5">
+            <a:extLst>
+              <a:ext uri="{FF2B5EF4-FFF2-40B4-BE49-F238E27FC236}">
+                <a16:creationId xmlns:a16="http://schemas.microsoft.com/office/drawing/2014/main" id="{A5B30D68-186D-45F9-BEB0-589C494268F8}"/>
+              </a:ext>
+            </a:extLst>
+          </p:cNvPr>
+          <p:cNvSpPr>
+            <a:spLocks noGrp="1"/>
+          </p:cNvSpPr>
+          <p:nvPr>
+            <p:ph type="sldNum" sz="quarter" idx="12"/>
+          </p:nvPr>
+        </p:nvSpPr>
+        <p:spPr>
+          <a:xfrm>
+            <a:off x="5844850" y="6384344"/>
+            <a:ext cx="502300" cy="365125"/>
+          </a:xfrm>
+        </p:spPr>
+        <p:txBody>
+          <a:bodyPr/>
+          <a:lstStyle/>
+          <a:p>
+            <a:fld id="{A2912448-FEEC-49E8-9588-2DF1F90D57C2}" type="slidenum">
+              <a:rPr lang="en-US" smtClean="0"/>
+              <a:t>6</a:t>
+            </a:fld>
+            <a:endParaRPr lang="en-US" dirty="0"/>
+          </a:p>
+        </p:txBody>
+      </p:sp>
+    </p:spTree>
+    <p:extLst>
+      <p:ext uri="{BB962C8B-B14F-4D97-AF65-F5344CB8AC3E}">
+        <p14:creationId xmlns:p14="http://schemas.microsoft.com/office/powerpoint/2010/main" val="2760518155"/>
+      </p:ext>
+    </p:extLst>
+  </p:cSld>
+  <p:clrMapOvr>
+    <a:masterClrMapping/>
+  </p:clrMapOvr>
+</p:sld>
+</file>
+
+<file path=ppt/slides/slide7.xml><?xml version="1.0" encoding="utf-8"?>
+<p:sld xmlns:a="http://schemas.openxmlformats.org/drawingml/2006/main" xmlns:r="http://schemas.openxmlformats.org/officeDocument/2006/relationships" xmlns:p="http://schemas.openxmlformats.org/presentationml/2006/main">
+  <p:cSld>
+    <p:spTree>
+      <p:nvGrpSpPr>
+        <p:cNvPr id="1" name=""/>
+        <p:cNvGrpSpPr/>
+        <p:nvPr/>
+      </p:nvGrpSpPr>
+      <p:grpSpPr>
+        <a:xfrm>
+          <a:off x="0" y="0"/>
+          <a:ext cx="0" cy="0"/>
+          <a:chOff x="0" y="0"/>
+          <a:chExt cx="0" cy="0"/>
+        </a:xfrm>
+      </p:grpSpPr>
+      <p:sp>
+        <p:nvSpPr>
+          <p:cNvPr id="2" name="Titel 1"/>
+          <p:cNvSpPr>
+            <a:spLocks noGrp="1"/>
+          </p:cNvSpPr>
+          <p:nvPr>
+            <p:ph type="title"/>
+          </p:nvPr>
+        </p:nvSpPr>
+        <p:spPr/>
+        <p:txBody>
+          <a:bodyPr/>
+          <a:lstStyle/>
+          <a:p>
+            <a:r>
+              <a:rPr lang="en-US" altLang="zh-TW" dirty="0">
+                <a:solidFill>
+                  <a:srgbClr val="4E5865"/>
+                </a:solidFill>
+                <a:ea typeface="新細明體" panose="02020500000000000000" pitchFamily="18" charset="-120"/>
+              </a:rPr>
+              <a:t>demo – </a:t>
+            </a:r>
+            <a:r>
+              <a:rPr lang="en-US" altLang="zh-TW" dirty="0" err="1">
+                <a:solidFill>
+                  <a:srgbClr val="4E5865"/>
+                </a:solidFill>
+                <a:ea typeface="新細明體" panose="02020500000000000000" pitchFamily="18" charset="-120"/>
+              </a:rPr>
+              <a:t>conda</a:t>
+            </a:r>
+            <a:r>
+              <a:rPr lang="en-US" altLang="zh-TW" dirty="0">
+                <a:solidFill>
+                  <a:srgbClr val="4E5865"/>
+                </a:solidFill>
+                <a:ea typeface="新細明體" panose="02020500000000000000" pitchFamily="18" charset="-120"/>
+              </a:rPr>
+              <a:t> usage</a:t>
+            </a:r>
+            <a:endParaRPr lang="nl-BE" dirty="0">
+              <a:solidFill>
+                <a:srgbClr val="4E5865"/>
+              </a:solidFill>
+            </a:endParaRPr>
+          </a:p>
+        </p:txBody>
+      </p:sp>
+      <p:sp>
+        <p:nvSpPr>
+          <p:cNvPr id="3" name="Tijdelijke aanduiding voor inhoud 2"/>
+          <p:cNvSpPr>
+            <a:spLocks noGrp="1"/>
+          </p:cNvSpPr>
+          <p:nvPr>
+            <p:ph idx="1"/>
+          </p:nvPr>
+        </p:nvSpPr>
+        <p:spPr>
+          <a:xfrm>
+            <a:off x="287384" y="1620000"/>
+            <a:ext cx="11817530" cy="4428000"/>
+          </a:xfrm>
+        </p:spPr>
+        <p:txBody>
+          <a:bodyPr/>
+          <a:lstStyle/>
+          <a:p>
+            <a:pPr marL="819150" indent="-457200">
+              <a:buBlip>
+                <a:blip r:embed="rId2"/>
+              </a:buBlip>
+            </a:pPr>
+            <a:r>
+              <a:rPr lang="nl-BE" dirty="0" err="1">
+                <a:solidFill>
+                  <a:srgbClr val="4E5865"/>
+                </a:solidFill>
+              </a:rPr>
+              <a:t>Create</a:t>
+            </a:r>
+            <a:r>
+              <a:rPr lang="nl-BE" dirty="0">
+                <a:solidFill>
+                  <a:srgbClr val="4E5865"/>
+                </a:solidFill>
+              </a:rPr>
+              <a:t> a </a:t>
+            </a:r>
+            <a:r>
+              <a:rPr lang="nl-BE" dirty="0" err="1">
+                <a:solidFill>
+                  <a:srgbClr val="4E5865"/>
+                </a:solidFill>
+              </a:rPr>
+              <a:t>conda</a:t>
+            </a:r>
+            <a:r>
+              <a:rPr lang="nl-BE" dirty="0">
+                <a:solidFill>
+                  <a:srgbClr val="4E5865"/>
+                </a:solidFill>
+              </a:rPr>
+              <a:t> environment </a:t>
+            </a:r>
+            <a:r>
+              <a:rPr lang="nl-BE" dirty="0" err="1">
+                <a:solidFill>
+                  <a:srgbClr val="4E5865"/>
+                </a:solidFill>
+              </a:rPr>
+              <a:t>including</a:t>
+            </a:r>
+            <a:r>
+              <a:rPr lang="nl-BE" dirty="0">
+                <a:solidFill>
+                  <a:srgbClr val="4E5865"/>
+                </a:solidFill>
+              </a:rPr>
+              <a:t> </a:t>
+            </a:r>
+            <a:r>
+              <a:rPr lang="nl-BE" dirty="0" err="1">
+                <a:solidFill>
+                  <a:srgbClr val="4E5865"/>
+                </a:solidFill>
+              </a:rPr>
+              <a:t>Jupyter</a:t>
+            </a:r>
+            <a:endParaRPr lang="nl-BE" dirty="0">
+              <a:solidFill>
+                <a:srgbClr val="4E5865"/>
+              </a:solidFill>
+            </a:endParaRPr>
+          </a:p>
+          <a:p>
+            <a:pPr marL="361950" indent="0">
+              <a:buNone/>
+            </a:pPr>
+            <a:r>
+              <a:rPr lang="nl-BE" dirty="0">
+                <a:solidFill>
+                  <a:srgbClr val="4E5865"/>
+                </a:solidFill>
+                <a:latin typeface="Courier New" panose="02070309020205020404" pitchFamily="49" charset="0"/>
+                <a:cs typeface="Courier New" panose="02070309020205020404" pitchFamily="49" charset="0"/>
+              </a:rPr>
+              <a:t>$ </a:t>
+            </a:r>
+            <a:r>
+              <a:rPr lang="nl-BE" dirty="0" err="1">
+                <a:solidFill>
+                  <a:srgbClr val="4E5865"/>
+                </a:solidFill>
+                <a:latin typeface="Courier New" panose="02070309020205020404" pitchFamily="49" charset="0"/>
+                <a:cs typeface="Courier New" panose="02070309020205020404" pitchFamily="49" charset="0"/>
+              </a:rPr>
+              <a:t>conda</a:t>
+            </a:r>
+            <a:r>
+              <a:rPr lang="nl-BE" dirty="0">
+                <a:solidFill>
+                  <a:srgbClr val="4E5865"/>
+                </a:solidFill>
+                <a:latin typeface="Courier New" panose="02070309020205020404" pitchFamily="49" charset="0"/>
+                <a:cs typeface="Courier New" panose="02070309020205020404" pitchFamily="49" charset="0"/>
+              </a:rPr>
+              <a:t> </a:t>
+            </a:r>
+            <a:r>
+              <a:rPr lang="nl-BE" dirty="0" err="1">
+                <a:solidFill>
+                  <a:srgbClr val="4E5865"/>
+                </a:solidFill>
+                <a:latin typeface="Courier New" panose="02070309020205020404" pitchFamily="49" charset="0"/>
+                <a:cs typeface="Courier New" panose="02070309020205020404" pitchFamily="49" charset="0"/>
+              </a:rPr>
+              <a:t>create</a:t>
+            </a:r>
+            <a:r>
+              <a:rPr lang="nl-BE" dirty="0">
+                <a:solidFill>
+                  <a:srgbClr val="4E5865"/>
+                </a:solidFill>
+                <a:latin typeface="Courier New" panose="02070309020205020404" pitchFamily="49" charset="0"/>
+                <a:cs typeface="Courier New" panose="02070309020205020404" pitchFamily="49" charset="0"/>
+              </a:rPr>
+              <a:t> -n </a:t>
+            </a:r>
+            <a:r>
+              <a:rPr lang="nl-BE" dirty="0" err="1">
+                <a:solidFill>
+                  <a:srgbClr val="4E5865"/>
+                </a:solidFill>
+                <a:latin typeface="Courier New" panose="02070309020205020404" pitchFamily="49" charset="0"/>
+                <a:cs typeface="Courier New" panose="02070309020205020404" pitchFamily="49" charset="0"/>
+              </a:rPr>
+              <a:t>science</a:t>
+            </a:r>
+            <a:r>
+              <a:rPr lang="nl-BE" dirty="0">
+                <a:solidFill>
+                  <a:srgbClr val="4E5865"/>
+                </a:solidFill>
+                <a:latin typeface="Courier New" panose="02070309020205020404" pitchFamily="49" charset="0"/>
+                <a:cs typeface="Courier New" panose="02070309020205020404" pitchFamily="49" charset="0"/>
+              </a:rPr>
+              <a:t> </a:t>
+            </a:r>
+            <a:r>
+              <a:rPr lang="nl-BE" dirty="0" err="1">
+                <a:solidFill>
+                  <a:srgbClr val="4E5865"/>
+                </a:solidFill>
+                <a:latin typeface="Courier New" panose="02070309020205020404" pitchFamily="49" charset="0"/>
+                <a:cs typeface="Courier New" panose="02070309020205020404" pitchFamily="49" charset="0"/>
+              </a:rPr>
+              <a:t>jupyter</a:t>
+            </a:r>
+            <a:r>
+              <a:rPr lang="nl-BE" dirty="0">
+                <a:solidFill>
+                  <a:srgbClr val="4E5865"/>
+                </a:solidFill>
+                <a:latin typeface="Courier New" panose="02070309020205020404" pitchFamily="49" charset="0"/>
+                <a:cs typeface="Courier New" panose="02070309020205020404" pitchFamily="49" charset="0"/>
+              </a:rPr>
+              <a:t> </a:t>
+            </a:r>
+            <a:r>
+              <a:rPr lang="nl-BE" dirty="0" err="1">
+                <a:solidFill>
+                  <a:srgbClr val="4E5865"/>
+                </a:solidFill>
+                <a:latin typeface="Courier New" panose="02070309020205020404" pitchFamily="49" charset="0"/>
+                <a:cs typeface="Courier New" panose="02070309020205020404" pitchFamily="49" charset="0"/>
+              </a:rPr>
+              <a:t>numpy</a:t>
+            </a:r>
+            <a:r>
+              <a:rPr lang="nl-BE" dirty="0">
+                <a:solidFill>
+                  <a:srgbClr val="4E5865"/>
+                </a:solidFill>
+                <a:latin typeface="Courier New" panose="02070309020205020404" pitchFamily="49" charset="0"/>
+                <a:cs typeface="Courier New" panose="02070309020205020404" pitchFamily="49" charset="0"/>
+              </a:rPr>
+              <a:t> </a:t>
+            </a:r>
+            <a:r>
+              <a:rPr lang="nl-BE" dirty="0" err="1">
+                <a:solidFill>
+                  <a:srgbClr val="4E5865"/>
+                </a:solidFill>
+                <a:latin typeface="Courier New" panose="02070309020205020404" pitchFamily="49" charset="0"/>
+                <a:cs typeface="Courier New" panose="02070309020205020404" pitchFamily="49" charset="0"/>
+              </a:rPr>
+              <a:t>scipy</a:t>
+            </a:r>
+            <a:endParaRPr lang="nl-BE" dirty="0">
+              <a:solidFill>
+                <a:srgbClr val="4E5865"/>
+              </a:solidFill>
+              <a:latin typeface="Courier New" panose="02070309020205020404" pitchFamily="49" charset="0"/>
+              <a:cs typeface="Courier New" panose="02070309020205020404" pitchFamily="49" charset="0"/>
+            </a:endParaRPr>
+          </a:p>
+          <a:p>
+            <a:pPr marL="819150" indent="-457200">
+              <a:buBlip>
+                <a:blip r:embed="rId2"/>
+              </a:buBlip>
+            </a:pPr>
+            <a:r>
+              <a:rPr lang="nl-BE" dirty="0" err="1">
+                <a:solidFill>
+                  <a:srgbClr val="4E5865"/>
+                </a:solidFill>
+              </a:rPr>
+              <a:t>Activate</a:t>
+            </a:r>
+            <a:r>
+              <a:rPr lang="nl-BE" dirty="0">
+                <a:solidFill>
+                  <a:srgbClr val="4E5865"/>
+                </a:solidFill>
+              </a:rPr>
+              <a:t> </a:t>
+            </a:r>
+            <a:r>
+              <a:rPr lang="nl-BE" dirty="0" err="1">
+                <a:solidFill>
+                  <a:srgbClr val="4E5865"/>
+                </a:solidFill>
+              </a:rPr>
+              <a:t>this</a:t>
+            </a:r>
+            <a:r>
+              <a:rPr lang="nl-BE" dirty="0">
+                <a:solidFill>
+                  <a:srgbClr val="4E5865"/>
+                </a:solidFill>
+              </a:rPr>
+              <a:t> environment</a:t>
+            </a:r>
+          </a:p>
+          <a:p>
+            <a:pPr marL="361950" indent="0">
+              <a:buNone/>
+            </a:pPr>
+            <a:r>
+              <a:rPr lang="en-US" dirty="0">
+                <a:solidFill>
+                  <a:srgbClr val="4E5865"/>
+                </a:solidFill>
+                <a:latin typeface="Courier New" panose="02070309020205020404" pitchFamily="49" charset="0"/>
+                <a:cs typeface="Courier New" panose="02070309020205020404" pitchFamily="49" charset="0"/>
+              </a:rPr>
+              <a:t>$ source activate science</a:t>
+            </a:r>
+          </a:p>
+          <a:p>
+            <a:pPr marL="819150" indent="-457200">
+              <a:buBlip>
+                <a:blip r:embed="rId2"/>
+              </a:buBlip>
+            </a:pPr>
+            <a:r>
+              <a:rPr lang="en-US" dirty="0">
+                <a:solidFill>
+                  <a:srgbClr val="4E5865"/>
+                </a:solidFill>
+              </a:rPr>
+              <a:t>Add matplotlib package to this environment</a:t>
+            </a:r>
+          </a:p>
+          <a:p>
+            <a:pPr marL="361950" indent="0">
+              <a:buNone/>
+            </a:pPr>
+            <a:r>
+              <a:rPr lang="en-US" dirty="0">
+                <a:solidFill>
+                  <a:srgbClr val="4E5865"/>
+                </a:solidFill>
+                <a:latin typeface="Courier New" panose="02070309020205020404" pitchFamily="49" charset="0"/>
+                <a:cs typeface="Courier New" panose="02070309020205020404" pitchFamily="49" charset="0"/>
+              </a:rPr>
+              <a:t>$ </a:t>
+            </a:r>
+            <a:r>
+              <a:rPr lang="en-US" dirty="0" err="1">
+                <a:solidFill>
+                  <a:srgbClr val="4E5865"/>
+                </a:solidFill>
+                <a:latin typeface="Courier New" panose="02070309020205020404" pitchFamily="49" charset="0"/>
+                <a:cs typeface="Courier New" panose="02070309020205020404" pitchFamily="49" charset="0"/>
+              </a:rPr>
+              <a:t>conda</a:t>
+            </a:r>
+            <a:r>
+              <a:rPr lang="en-US" dirty="0">
+                <a:solidFill>
+                  <a:srgbClr val="4E5865"/>
+                </a:solidFill>
+                <a:latin typeface="Courier New" panose="02070309020205020404" pitchFamily="49" charset="0"/>
+                <a:cs typeface="Courier New" panose="02070309020205020404" pitchFamily="49" charset="0"/>
+              </a:rPr>
+              <a:t> install matplotlib</a:t>
+            </a:r>
+          </a:p>
+          <a:p>
+            <a:pPr marL="819150" indent="-457200">
+              <a:buBlip>
+                <a:blip r:embed="rId2"/>
+              </a:buBlip>
+            </a:pPr>
+            <a:r>
+              <a:rPr lang="en-US" dirty="0">
+                <a:solidFill>
+                  <a:srgbClr val="4E5865"/>
+                </a:solidFill>
+              </a:rPr>
+              <a:t>Return to original environment</a:t>
+            </a:r>
+          </a:p>
+          <a:p>
+            <a:pPr marL="361950" indent="0">
+              <a:buNone/>
+            </a:pPr>
+            <a:r>
+              <a:rPr lang="en-US" dirty="0">
+                <a:solidFill>
+                  <a:srgbClr val="4E5865"/>
+                </a:solidFill>
+                <a:latin typeface="Courier New" panose="02070309020205020404" pitchFamily="49" charset="0"/>
+                <a:cs typeface="Courier New" panose="02070309020205020404" pitchFamily="49" charset="0"/>
+              </a:rPr>
+              <a:t>$ </a:t>
+            </a:r>
+            <a:r>
+              <a:rPr lang="en-US" dirty="0" err="1">
+                <a:solidFill>
+                  <a:srgbClr val="4E5865"/>
+                </a:solidFill>
+                <a:latin typeface="Courier New" panose="02070309020205020404" pitchFamily="49" charset="0"/>
+                <a:cs typeface="Courier New" panose="02070309020205020404" pitchFamily="49" charset="0"/>
+              </a:rPr>
+              <a:t>conda</a:t>
+            </a:r>
+            <a:r>
+              <a:rPr lang="en-US" dirty="0">
+                <a:solidFill>
+                  <a:srgbClr val="4E5865"/>
+                </a:solidFill>
+                <a:latin typeface="Courier New" panose="02070309020205020404" pitchFamily="49" charset="0"/>
+                <a:cs typeface="Courier New" panose="02070309020205020404" pitchFamily="49" charset="0"/>
+              </a:rPr>
+              <a:t> deactivate</a:t>
+            </a:r>
+          </a:p>
+          <a:p>
+            <a:pPr marL="361950" indent="0">
+              <a:buNone/>
+            </a:pPr>
+            <a:endParaRPr lang="nl-BE" sz="2400" dirty="0">
+              <a:solidFill>
+                <a:srgbClr val="4E5865"/>
+              </a:solidFill>
+              <a:latin typeface="Courier New" panose="02070309020205020404" pitchFamily="49" charset="0"/>
+              <a:cs typeface="Courier New" panose="02070309020205020404" pitchFamily="49" charset="0"/>
+            </a:endParaRPr>
+          </a:p>
+        </p:txBody>
+      </p:sp>
+      <p:sp>
+        <p:nvSpPr>
+          <p:cNvPr id="10" name="Slide Number Placeholder 5">
+            <a:extLst>
+              <a:ext uri="{FF2B5EF4-FFF2-40B4-BE49-F238E27FC236}">
+                <a16:creationId xmlns:a16="http://schemas.microsoft.com/office/drawing/2014/main" id="{A5B30D68-186D-45F9-BEB0-589C494268F8}"/>
+              </a:ext>
+            </a:extLst>
+          </p:cNvPr>
+          <p:cNvSpPr>
+            <a:spLocks noGrp="1"/>
+          </p:cNvSpPr>
+          <p:nvPr>
+            <p:ph type="sldNum" sz="quarter" idx="12"/>
+          </p:nvPr>
+        </p:nvSpPr>
+        <p:spPr>
+          <a:xfrm>
+            <a:off x="5844850" y="6384344"/>
+            <a:ext cx="502300" cy="365125"/>
+          </a:xfrm>
+        </p:spPr>
+        <p:txBody>
+          <a:bodyPr/>
+          <a:lstStyle/>
+          <a:p>
+            <a:fld id="{A2912448-FEEC-49E8-9588-2DF1F90D57C2}" type="slidenum">
+              <a:rPr lang="en-US" smtClean="0"/>
+              <a:t>7</a:t>
+            </a:fld>
+            <a:endParaRPr lang="en-US" dirty="0"/>
+          </a:p>
+        </p:txBody>
+      </p:sp>
+    </p:spTree>
+    <p:extLst>
+      <p:ext uri="{BB962C8B-B14F-4D97-AF65-F5344CB8AC3E}">
+        <p14:creationId xmlns:p14="http://schemas.microsoft.com/office/powerpoint/2010/main" val="3769886818"/>
+      </p:ext>
+    </p:extLst>
+  </p:cSld>
+  <p:clrMapOvr>
+    <a:masterClrMapping/>
+  </p:clrMapOvr>
+</p:sld>
+</file>
+
+<file path=ppt/slides/slide8.xml><?xml version="1.0" encoding="utf-8"?>
+<p:sld xmlns:a="http://schemas.openxmlformats.org/drawingml/2006/main" xmlns:r="http://schemas.openxmlformats.org/officeDocument/2006/relationships" xmlns:p="http://schemas.openxmlformats.org/presentationml/2006/main">
+  <p:cSld>
+    <p:spTree>
+      <p:nvGrpSpPr>
+        <p:cNvPr id="1" name=""/>
+        <p:cNvGrpSpPr/>
+        <p:nvPr/>
+      </p:nvGrpSpPr>
+      <p:grpSpPr>
+        <a:xfrm>
+          <a:off x="0" y="0"/>
+          <a:ext cx="0" cy="0"/>
+          <a:chOff x="0" y="0"/>
+          <a:chExt cx="0" cy="0"/>
+        </a:xfrm>
+      </p:grpSpPr>
+      <p:sp>
+        <p:nvSpPr>
+          <p:cNvPr id="2" name="Titel 1"/>
+          <p:cNvSpPr>
+            <a:spLocks noGrp="1"/>
+          </p:cNvSpPr>
+          <p:nvPr>
+            <p:ph type="title"/>
+          </p:nvPr>
+        </p:nvSpPr>
+        <p:spPr/>
+        <p:txBody>
+          <a:bodyPr/>
+          <a:lstStyle/>
+          <a:p>
+            <a:r>
+              <a:rPr lang="en-US" altLang="zh-TW" dirty="0">
+                <a:solidFill>
+                  <a:srgbClr val="4E5865"/>
+                </a:solidFill>
+                <a:ea typeface="新細明體" panose="02020500000000000000" pitchFamily="18" charset="-120"/>
+              </a:rPr>
+              <a:t>demo – worker</a:t>
+            </a:r>
+            <a:endParaRPr lang="nl-BE" dirty="0">
+              <a:solidFill>
+                <a:srgbClr val="4E5865"/>
+              </a:solidFill>
+            </a:endParaRPr>
+          </a:p>
+        </p:txBody>
+      </p:sp>
+      <p:sp>
+        <p:nvSpPr>
+          <p:cNvPr id="3" name="Tijdelijke aanduiding voor inhoud 2"/>
+          <p:cNvSpPr>
+            <a:spLocks noGrp="1"/>
+          </p:cNvSpPr>
+          <p:nvPr>
+            <p:ph idx="1"/>
+          </p:nvPr>
+        </p:nvSpPr>
+        <p:spPr>
+          <a:xfrm>
+            <a:off x="957942" y="1639662"/>
+            <a:ext cx="11234057" cy="4428000"/>
+          </a:xfrm>
+        </p:spPr>
+        <p:txBody>
+          <a:bodyPr/>
+          <a:lstStyle/>
+          <a:p>
+            <a:pPr marL="701675" lvl="2" indent="-342900">
+              <a:buBlip>
+                <a:blip r:embed="rId3"/>
+              </a:buBlip>
+            </a:pPr>
+            <a:r>
+              <a:rPr lang="en-US" altLang="zh-TW" sz="2400" dirty="0">
+                <a:solidFill>
+                  <a:srgbClr val="4E5865"/>
+                </a:solidFill>
+                <a:ea typeface="新細明體" panose="02020500000000000000" pitchFamily="18" charset="-120"/>
+              </a:rPr>
+              <a:t>Copy intro training files </a:t>
+            </a:r>
+            <a:r>
+              <a:rPr lang="en-US" altLang="zh-TW" sz="2400" dirty="0">
+                <a:solidFill>
+                  <a:srgbClr val="4E5865"/>
+                </a:solidFill>
+                <a:latin typeface="Courier New" panose="02070309020205020404" pitchFamily="49" charset="0"/>
+                <a:ea typeface="新細明體" panose="02020500000000000000" pitchFamily="18" charset="-120"/>
+                <a:cs typeface="Courier New" panose="02070309020205020404" pitchFamily="49" charset="0"/>
+              </a:rPr>
+              <a:t>(/apps/</a:t>
+            </a:r>
+            <a:r>
+              <a:rPr lang="en-US" altLang="zh-TW" sz="2400" dirty="0" err="1">
+                <a:solidFill>
+                  <a:srgbClr val="4E5865"/>
+                </a:solidFill>
+                <a:latin typeface="Courier New" panose="02070309020205020404" pitchFamily="49" charset="0"/>
+                <a:ea typeface="新細明體" panose="02020500000000000000" pitchFamily="18" charset="-120"/>
+                <a:cs typeface="Courier New" panose="02070309020205020404" pitchFamily="49" charset="0"/>
+              </a:rPr>
+              <a:t>leuven</a:t>
+            </a:r>
+            <a:r>
+              <a:rPr lang="en-US" altLang="zh-TW" sz="2400" dirty="0">
+                <a:solidFill>
+                  <a:srgbClr val="4E5865"/>
+                </a:solidFill>
+                <a:latin typeface="Courier New" panose="02070309020205020404" pitchFamily="49" charset="0"/>
+                <a:ea typeface="新細明體" panose="02020500000000000000" pitchFamily="18" charset="-120"/>
+                <a:cs typeface="Courier New" panose="02070309020205020404" pitchFamily="49" charset="0"/>
+              </a:rPr>
+              <a:t>/training/worker/</a:t>
+            </a:r>
+            <a:r>
+              <a:rPr lang="en-US" altLang="zh-TW" sz="2400" dirty="0">
+                <a:solidFill>
+                  <a:srgbClr val="4E5865"/>
+                </a:solidFill>
+                <a:ea typeface="新細明體" panose="02020500000000000000" pitchFamily="18" charset="-120"/>
+                <a:cs typeface="Courier New" panose="02070309020205020404" pitchFamily="49" charset="0"/>
+              </a:rPr>
+              <a:t>)</a:t>
+            </a:r>
+            <a:r>
+              <a:rPr lang="en-US" altLang="zh-TW" sz="2400" dirty="0">
+                <a:solidFill>
+                  <a:srgbClr val="4E5865"/>
+                </a:solidFill>
+                <a:latin typeface="Courier New" panose="02070309020205020404" pitchFamily="49" charset="0"/>
+                <a:ea typeface="新細明體" panose="02020500000000000000" pitchFamily="18" charset="-120"/>
+                <a:cs typeface="Courier New" panose="02070309020205020404" pitchFamily="49" charset="0"/>
+              </a:rPr>
+              <a:t> </a:t>
+            </a:r>
+            <a:r>
+              <a:rPr lang="en-US" altLang="zh-TW" sz="2400" dirty="0">
+                <a:solidFill>
+                  <a:srgbClr val="4E5865"/>
+                </a:solidFill>
+                <a:ea typeface="新細明體" panose="02020500000000000000" pitchFamily="18" charset="-120"/>
+              </a:rPr>
+              <a:t>to your </a:t>
+            </a:r>
+            <a:r>
+              <a:rPr lang="en-US" altLang="zh-TW" sz="2400" dirty="0">
+                <a:solidFill>
+                  <a:srgbClr val="4E5865"/>
+                </a:solidFill>
+                <a:latin typeface="Courier New" panose="02070309020205020404" pitchFamily="49" charset="0"/>
+                <a:ea typeface="新細明體" panose="02020500000000000000" pitchFamily="18" charset="-120"/>
+                <a:cs typeface="Courier New" panose="02070309020205020404" pitchFamily="49" charset="0"/>
+              </a:rPr>
+              <a:t>$VSC_DATA</a:t>
+            </a:r>
+          </a:p>
+          <a:p>
+            <a:pPr marL="701675" lvl="2" indent="-342900">
+              <a:buBlip>
+                <a:blip r:embed="rId3"/>
+              </a:buBlip>
+            </a:pPr>
+            <a:r>
+              <a:rPr lang="en-US" altLang="zh-TW" sz="2400" dirty="0">
+                <a:solidFill>
+                  <a:srgbClr val="4E5865"/>
+                </a:solidFill>
+                <a:ea typeface="新細明體" panose="02020500000000000000" pitchFamily="18" charset="-120"/>
+              </a:rPr>
+              <a:t>Go to </a:t>
+            </a:r>
+            <a:r>
+              <a:rPr lang="en-US" altLang="zh-TW" sz="2400" dirty="0">
+                <a:solidFill>
+                  <a:srgbClr val="4E5865"/>
+                </a:solidFill>
+                <a:latin typeface="Courier New" panose="02070309020205020404" pitchFamily="49" charset="0"/>
+                <a:ea typeface="新細明體" panose="02020500000000000000" pitchFamily="18" charset="-120"/>
+                <a:cs typeface="Courier New" panose="02070309020205020404" pitchFamily="49" charset="0"/>
+              </a:rPr>
+              <a:t>exercise1</a:t>
+            </a:r>
+            <a:r>
+              <a:rPr lang="en-US" altLang="zh-TW" sz="2400" dirty="0">
+                <a:solidFill>
+                  <a:srgbClr val="4E5865"/>
+                </a:solidFill>
+                <a:ea typeface="新細明體" panose="02020500000000000000" pitchFamily="18" charset="-120"/>
+              </a:rPr>
+              <a:t> directory</a:t>
+            </a:r>
+          </a:p>
+          <a:p>
+            <a:pPr marL="701675" lvl="2" indent="-342900">
+              <a:buBlip>
+                <a:blip r:embed="rId3"/>
+              </a:buBlip>
+            </a:pPr>
+            <a:r>
+              <a:rPr lang="en-US" altLang="zh-TW" sz="2400" dirty="0">
+                <a:solidFill>
+                  <a:srgbClr val="4E5865"/>
+                </a:solidFill>
+                <a:ea typeface="新細明體" panose="02020500000000000000" pitchFamily="18" charset="-120"/>
+              </a:rPr>
+              <a:t>Submit worker job</a:t>
+            </a:r>
+          </a:p>
+          <a:p>
+            <a:pPr marL="701675" lvl="2" indent="-342900">
+              <a:buBlip>
+                <a:blip r:embed="rId3"/>
+              </a:buBlip>
+            </a:pPr>
+            <a:r>
+              <a:rPr lang="en-US" altLang="zh-TW" sz="2400" dirty="0">
+                <a:solidFill>
+                  <a:srgbClr val="4E5865"/>
+                </a:solidFill>
+                <a:ea typeface="新細明體" panose="02020500000000000000" pitchFamily="18" charset="-120"/>
+              </a:rPr>
+              <a:t>Check the output file</a:t>
+            </a:r>
+          </a:p>
+        </p:txBody>
+      </p:sp>
+      <p:sp>
+        <p:nvSpPr>
+          <p:cNvPr id="10" name="Slide Number Placeholder 5">
+            <a:extLst>
+              <a:ext uri="{FF2B5EF4-FFF2-40B4-BE49-F238E27FC236}">
+                <a16:creationId xmlns:a16="http://schemas.microsoft.com/office/drawing/2014/main" id="{A5B30D68-186D-45F9-BEB0-589C494268F8}"/>
+              </a:ext>
+            </a:extLst>
+          </p:cNvPr>
+          <p:cNvSpPr>
+            <a:spLocks noGrp="1"/>
+          </p:cNvSpPr>
+          <p:nvPr>
+            <p:ph type="sldNum" sz="quarter" idx="12"/>
+          </p:nvPr>
+        </p:nvSpPr>
+        <p:spPr>
+          <a:xfrm>
+            <a:off x="5844850" y="6384344"/>
+            <a:ext cx="502300" cy="365125"/>
+          </a:xfrm>
+        </p:spPr>
+        <p:txBody>
+          <a:bodyPr/>
+          <a:lstStyle/>
+          <a:p>
+            <a:fld id="{A2912448-FEEC-49E8-9588-2DF1F90D57C2}" type="slidenum">
+              <a:rPr lang="en-US" smtClean="0"/>
+              <a:t>8</a:t>
+            </a:fld>
+            <a:endParaRPr lang="en-US" dirty="0"/>
+          </a:p>
+        </p:txBody>
+      </p:sp>
+      <p:sp>
+        <p:nvSpPr>
+          <p:cNvPr id="12" name="Freeform 88">
+            <a:extLst>
+              <a:ext uri="{FF2B5EF4-FFF2-40B4-BE49-F238E27FC236}">
+                <a16:creationId xmlns:a16="http://schemas.microsoft.com/office/drawing/2014/main" id="{DCB5B946-C08C-4907-9BAB-0A4CAB5A6075}"/>
+              </a:ext>
+            </a:extLst>
+          </p:cNvPr>
+          <p:cNvSpPr>
+            <a:spLocks noEditPoints="1"/>
+          </p:cNvSpPr>
+          <p:nvPr/>
+        </p:nvSpPr>
+        <p:spPr bwMode="auto">
+          <a:xfrm>
+            <a:off x="316477" y="6445690"/>
+            <a:ext cx="214397" cy="216632"/>
+          </a:xfrm>
+          <a:custGeom>
+            <a:avLst/>
+            <a:gdLst>
+              <a:gd name="T0" fmla="*/ 135 w 145"/>
+              <a:gd name="T1" fmla="*/ 37 h 146"/>
+              <a:gd name="T2" fmla="*/ 145 w 145"/>
+              <a:gd name="T3" fmla="*/ 73 h 146"/>
+              <a:gd name="T4" fmla="*/ 135 w 145"/>
+              <a:gd name="T5" fmla="*/ 109 h 146"/>
+              <a:gd name="T6" fmla="*/ 109 w 145"/>
+              <a:gd name="T7" fmla="*/ 136 h 146"/>
+              <a:gd name="T8" fmla="*/ 72 w 145"/>
+              <a:gd name="T9" fmla="*/ 146 h 146"/>
+              <a:gd name="T10" fmla="*/ 36 w 145"/>
+              <a:gd name="T11" fmla="*/ 136 h 146"/>
+              <a:gd name="T12" fmla="*/ 9 w 145"/>
+              <a:gd name="T13" fmla="*/ 109 h 146"/>
+              <a:gd name="T14" fmla="*/ 0 w 145"/>
+              <a:gd name="T15" fmla="*/ 73 h 146"/>
+              <a:gd name="T16" fmla="*/ 9 w 145"/>
+              <a:gd name="T17" fmla="*/ 37 h 146"/>
+              <a:gd name="T18" fmla="*/ 36 w 145"/>
+              <a:gd name="T19" fmla="*/ 10 h 146"/>
+              <a:gd name="T20" fmla="*/ 72 w 145"/>
+              <a:gd name="T21" fmla="*/ 0 h 146"/>
+              <a:gd name="T22" fmla="*/ 109 w 145"/>
+              <a:gd name="T23" fmla="*/ 10 h 146"/>
+              <a:gd name="T24" fmla="*/ 135 w 145"/>
+              <a:gd name="T25" fmla="*/ 37 h 146"/>
+              <a:gd name="T26" fmla="*/ 121 w 145"/>
+              <a:gd name="T27" fmla="*/ 58 h 146"/>
+              <a:gd name="T28" fmla="*/ 119 w 145"/>
+              <a:gd name="T29" fmla="*/ 53 h 146"/>
+              <a:gd name="T30" fmla="*/ 111 w 145"/>
+              <a:gd name="T31" fmla="*/ 45 h 146"/>
+              <a:gd name="T32" fmla="*/ 107 w 145"/>
+              <a:gd name="T33" fmla="*/ 43 h 146"/>
+              <a:gd name="T34" fmla="*/ 102 w 145"/>
+              <a:gd name="T35" fmla="*/ 45 h 146"/>
+              <a:gd name="T36" fmla="*/ 64 w 145"/>
+              <a:gd name="T37" fmla="*/ 83 h 146"/>
+              <a:gd name="T38" fmla="*/ 42 w 145"/>
+              <a:gd name="T39" fmla="*/ 62 h 146"/>
+              <a:gd name="T40" fmla="*/ 38 w 145"/>
+              <a:gd name="T41" fmla="*/ 60 h 146"/>
+              <a:gd name="T42" fmla="*/ 34 w 145"/>
+              <a:gd name="T43" fmla="*/ 62 h 146"/>
+              <a:gd name="T44" fmla="*/ 25 w 145"/>
+              <a:gd name="T45" fmla="*/ 70 h 146"/>
+              <a:gd name="T46" fmla="*/ 24 w 145"/>
+              <a:gd name="T47" fmla="*/ 75 h 146"/>
+              <a:gd name="T48" fmla="*/ 25 w 145"/>
+              <a:gd name="T49" fmla="*/ 79 h 146"/>
+              <a:gd name="T50" fmla="*/ 59 w 145"/>
+              <a:gd name="T51" fmla="*/ 113 h 146"/>
+              <a:gd name="T52" fmla="*/ 64 w 145"/>
+              <a:gd name="T53" fmla="*/ 115 h 146"/>
+              <a:gd name="T54" fmla="*/ 68 w 145"/>
+              <a:gd name="T55" fmla="*/ 113 h 146"/>
+              <a:gd name="T56" fmla="*/ 119 w 145"/>
+              <a:gd name="T57" fmla="*/ 62 h 146"/>
+              <a:gd name="T58" fmla="*/ 121 w 145"/>
+              <a:gd name="T59" fmla="*/ 58 h 146"/>
+            </a:gdLst>
+            <a:ahLst/>
+            <a:cxnLst>
+              <a:cxn ang="0">
+                <a:pos x="T0" y="T1"/>
+              </a:cxn>
+              <a:cxn ang="0">
+                <a:pos x="T2" y="T3"/>
+              </a:cxn>
+              <a:cxn ang="0">
+                <a:pos x="T4" y="T5"/>
+              </a:cxn>
+              <a:cxn ang="0">
+                <a:pos x="T6" y="T7"/>
+              </a:cxn>
+              <a:cxn ang="0">
+                <a:pos x="T8" y="T9"/>
+              </a:cxn>
+              <a:cxn ang="0">
+                <a:pos x="T10" y="T11"/>
+              </a:cxn>
+              <a:cxn ang="0">
+                <a:pos x="T12" y="T13"/>
+              </a:cxn>
+              <a:cxn ang="0">
+                <a:pos x="T14" y="T15"/>
+              </a:cxn>
+              <a:cxn ang="0">
+                <a:pos x="T16" y="T17"/>
+              </a:cxn>
+              <a:cxn ang="0">
+                <a:pos x="T18" y="T19"/>
+              </a:cxn>
+              <a:cxn ang="0">
+                <a:pos x="T20" y="T21"/>
+              </a:cxn>
+              <a:cxn ang="0">
+                <a:pos x="T22" y="T23"/>
+              </a:cxn>
+              <a:cxn ang="0">
+                <a:pos x="T24" y="T25"/>
+              </a:cxn>
+              <a:cxn ang="0">
+                <a:pos x="T26" y="T27"/>
+              </a:cxn>
+              <a:cxn ang="0">
+                <a:pos x="T28" y="T29"/>
+              </a:cxn>
+              <a:cxn ang="0">
+                <a:pos x="T30" y="T31"/>
+              </a:cxn>
+              <a:cxn ang="0">
+                <a:pos x="T32" y="T33"/>
+              </a:cxn>
+              <a:cxn ang="0">
+                <a:pos x="T34" y="T35"/>
+              </a:cxn>
+              <a:cxn ang="0">
+                <a:pos x="T36" y="T37"/>
+              </a:cxn>
+              <a:cxn ang="0">
+                <a:pos x="T38" y="T39"/>
+              </a:cxn>
+              <a:cxn ang="0">
+                <a:pos x="T40" y="T41"/>
+              </a:cxn>
+              <a:cxn ang="0">
+                <a:pos x="T42" y="T43"/>
+              </a:cxn>
+              <a:cxn ang="0">
+                <a:pos x="T44" y="T45"/>
+              </a:cxn>
+              <a:cxn ang="0">
+                <a:pos x="T46" y="T47"/>
+              </a:cxn>
+              <a:cxn ang="0">
+                <a:pos x="T48" y="T49"/>
+              </a:cxn>
+              <a:cxn ang="0">
+                <a:pos x="T50" y="T51"/>
+              </a:cxn>
+              <a:cxn ang="0">
+                <a:pos x="T52" y="T53"/>
+              </a:cxn>
+              <a:cxn ang="0">
+                <a:pos x="T54" y="T55"/>
+              </a:cxn>
+              <a:cxn ang="0">
+                <a:pos x="T56" y="T57"/>
+              </a:cxn>
+              <a:cxn ang="0">
+                <a:pos x="T58" y="T59"/>
+              </a:cxn>
+            </a:cxnLst>
+            <a:rect l="0" t="0" r="r" b="b"/>
+            <a:pathLst>
+              <a:path w="145" h="146">
+                <a:moveTo>
+                  <a:pt x="135" y="37"/>
+                </a:moveTo>
+                <a:cubicBezTo>
+                  <a:pt x="142" y="48"/>
+                  <a:pt x="145" y="60"/>
+                  <a:pt x="145" y="73"/>
+                </a:cubicBezTo>
+                <a:cubicBezTo>
+                  <a:pt x="145" y="86"/>
+                  <a:pt x="142" y="98"/>
+                  <a:pt x="135" y="109"/>
+                </a:cubicBezTo>
+                <a:cubicBezTo>
+                  <a:pt x="129" y="121"/>
+                  <a:pt x="120" y="129"/>
+                  <a:pt x="109" y="136"/>
+                </a:cubicBezTo>
+                <a:cubicBezTo>
+                  <a:pt x="98" y="142"/>
+                  <a:pt x="85" y="146"/>
+                  <a:pt x="72" y="146"/>
+                </a:cubicBezTo>
+                <a:cubicBezTo>
+                  <a:pt x="59" y="146"/>
+                  <a:pt x="47" y="142"/>
+                  <a:pt x="36" y="136"/>
+                </a:cubicBezTo>
+                <a:cubicBezTo>
+                  <a:pt x="25" y="129"/>
+                  <a:pt x="16" y="121"/>
+                  <a:pt x="9" y="109"/>
+                </a:cubicBezTo>
+                <a:cubicBezTo>
+                  <a:pt x="3" y="98"/>
+                  <a:pt x="0" y="86"/>
+                  <a:pt x="0" y="73"/>
+                </a:cubicBezTo>
+                <a:cubicBezTo>
+                  <a:pt x="0" y="60"/>
+                  <a:pt x="3" y="48"/>
+                  <a:pt x="9" y="37"/>
+                </a:cubicBezTo>
+                <a:cubicBezTo>
+                  <a:pt x="16" y="25"/>
+                  <a:pt x="25" y="17"/>
+                  <a:pt x="36" y="10"/>
+                </a:cubicBezTo>
+                <a:cubicBezTo>
+                  <a:pt x="47" y="4"/>
+                  <a:pt x="59" y="0"/>
+                  <a:pt x="72" y="0"/>
+                </a:cubicBezTo>
+                <a:cubicBezTo>
+                  <a:pt x="85" y="0"/>
+                  <a:pt x="98" y="4"/>
+                  <a:pt x="109" y="10"/>
+                </a:cubicBezTo>
+                <a:cubicBezTo>
+                  <a:pt x="120" y="17"/>
+                  <a:pt x="129" y="25"/>
+                  <a:pt x="135" y="37"/>
+                </a:cubicBezTo>
+                <a:close/>
+                <a:moveTo>
+                  <a:pt x="121" y="58"/>
+                </a:moveTo>
+                <a:cubicBezTo>
+                  <a:pt x="121" y="56"/>
+                  <a:pt x="121" y="54"/>
+                  <a:pt x="119" y="53"/>
+                </a:cubicBezTo>
+                <a:cubicBezTo>
+                  <a:pt x="111" y="45"/>
+                  <a:pt x="111" y="45"/>
+                  <a:pt x="111" y="45"/>
+                </a:cubicBezTo>
+                <a:cubicBezTo>
+                  <a:pt x="110" y="44"/>
+                  <a:pt x="108" y="43"/>
+                  <a:pt x="107" y="43"/>
+                </a:cubicBezTo>
+                <a:cubicBezTo>
+                  <a:pt x="105" y="43"/>
+                  <a:pt x="103" y="44"/>
+                  <a:pt x="102" y="45"/>
+                </a:cubicBezTo>
+                <a:cubicBezTo>
+                  <a:pt x="64" y="83"/>
+                  <a:pt x="64" y="83"/>
+                  <a:pt x="64" y="83"/>
+                </a:cubicBezTo>
+                <a:cubicBezTo>
+                  <a:pt x="42" y="62"/>
+                  <a:pt x="42" y="62"/>
+                  <a:pt x="42" y="62"/>
+                </a:cubicBezTo>
+                <a:cubicBezTo>
+                  <a:pt x="41" y="61"/>
+                  <a:pt x="40" y="60"/>
+                  <a:pt x="38" y="60"/>
+                </a:cubicBezTo>
+                <a:cubicBezTo>
+                  <a:pt x="36" y="60"/>
+                  <a:pt x="35" y="61"/>
+                  <a:pt x="34" y="62"/>
+                </a:cubicBezTo>
+                <a:cubicBezTo>
+                  <a:pt x="25" y="70"/>
+                  <a:pt x="25" y="70"/>
+                  <a:pt x="25" y="70"/>
+                </a:cubicBezTo>
+                <a:cubicBezTo>
+                  <a:pt x="24" y="72"/>
+                  <a:pt x="24" y="73"/>
+                  <a:pt x="24" y="75"/>
+                </a:cubicBezTo>
+                <a:cubicBezTo>
+                  <a:pt x="24" y="76"/>
+                  <a:pt x="24" y="78"/>
+                  <a:pt x="25" y="79"/>
+                </a:cubicBezTo>
+                <a:cubicBezTo>
+                  <a:pt x="59" y="113"/>
+                  <a:pt x="59" y="113"/>
+                  <a:pt x="59" y="113"/>
+                </a:cubicBezTo>
+                <a:cubicBezTo>
+                  <a:pt x="61" y="114"/>
+                  <a:pt x="62" y="115"/>
+                  <a:pt x="64" y="115"/>
+                </a:cubicBezTo>
+                <a:cubicBezTo>
+                  <a:pt x="65" y="115"/>
+                  <a:pt x="67" y="114"/>
+                  <a:pt x="68" y="113"/>
+                </a:cubicBezTo>
+                <a:cubicBezTo>
+                  <a:pt x="119" y="62"/>
+                  <a:pt x="119" y="62"/>
+                  <a:pt x="119" y="62"/>
+                </a:cubicBezTo>
+                <a:cubicBezTo>
+                  <a:pt x="121" y="61"/>
+                  <a:pt x="121" y="59"/>
+                  <a:pt x="121" y="58"/>
+                </a:cubicBezTo>
+                <a:close/>
+              </a:path>
+            </a:pathLst>
+          </a:custGeom>
+          <a:solidFill>
+            <a:schemeClr val="accent5"/>
+          </a:solidFill>
+          <a:ln>
+            <a:noFill/>
+          </a:ln>
+        </p:spPr>
+        <p:txBody>
+          <a:bodyPr vert="horz" wrap="square" lIns="91440" tIns="45720" rIns="91440" bIns="45720" numCol="1" anchor="t" anchorCtr="0" compatLnSpc="1">
+            <a:prstTxWarp prst="textNoShape">
+              <a:avLst/>
+            </a:prstTxWarp>
+          </a:bodyPr>
+          <a:lstStyle/>
+          <a:p>
+            <a:endParaRPr lang="en-US" dirty="0"/>
+          </a:p>
+        </p:txBody>
+      </p:sp>
+    </p:spTree>
+    <p:extLst>
+      <p:ext uri="{BB962C8B-B14F-4D97-AF65-F5344CB8AC3E}">
+        <p14:creationId xmlns:p14="http://schemas.microsoft.com/office/powerpoint/2010/main" val="1469677884"/>
       </p:ext>
     </p:extLst>
   </p:cSld>
@@ -10861,7 +10703,7 @@
                 <a:hlinkClick r:id="rId2">
                   <a:extLst>
                     <a:ext uri="{A12FA001-AC4F-418D-AE19-62706E023703}">
-                      <ahyp:hlinkClr xmlns:ahyp="http://schemas.microsoft.com/office/drawing/2018/hyperlinkcolor" xmlns="" val="tx"/>
+                      <ahyp:hlinkClr xmlns:ahyp="http://schemas.microsoft.com/office/drawing/2018/hyperlinkcolor" val="tx"/>
                     </a:ext>
                   </a:extLst>
                 </a:hlinkClick>
@@ -10888,7 +10730,7 @@
                 <a:hlinkClick r:id="rId3">
                   <a:extLst>
                     <a:ext uri="{A12FA001-AC4F-418D-AE19-62706E023703}">
-                      <ahyp:hlinkClr xmlns:ahyp="http://schemas.microsoft.com/office/drawing/2018/hyperlinkcolor" xmlns="" val="tx"/>
+                      <ahyp:hlinkClr xmlns:ahyp="http://schemas.microsoft.com/office/drawing/2018/hyperlinkcolor" val="tx"/>
                     </a:ext>
                   </a:extLst>
                 </a:hlinkClick>
@@ -10924,7 +10766,7 @@
                 <a:hlinkClick r:id="rId4">
                   <a:extLst>
                     <a:ext uri="{A12FA001-AC4F-418D-AE19-62706E023703}">
-                      <ahyp:hlinkClr xmlns:ahyp="http://schemas.microsoft.com/office/drawing/2018/hyperlinkcolor" xmlns="" val="tx"/>
+                      <ahyp:hlinkClr xmlns:ahyp="http://schemas.microsoft.com/office/drawing/2018/hyperlinkcolor" val="tx"/>
                     </a:ext>
                   </a:extLst>
                 </a:hlinkClick>
@@ -10953,10 +10795,6 @@
               </a:rPr>
               <a:t>https://docs.vscentrum.be/</a:t>
             </a:r>
-            <a:r>
-              <a:rPr lang="nl-BE" sz="2000" dirty="0"/>
-              <a:t/>
-            </a:r>
             <a:br>
               <a:rPr lang="nl-BE" sz="2000" dirty="0"/>
             </a:br>
@@ -10987,7 +10825,7 @@
                 <a:hlinkClick r:id="rId5">
                   <a:extLst>
                     <a:ext uri="{A12FA001-AC4F-418D-AE19-62706E023703}">
-                      <ahyp:hlinkClr xmlns:ahyp="http://schemas.microsoft.com/office/drawing/2018/hyperlinkcolor" xmlns="" val="tx"/>
+                      <ahyp:hlinkClr xmlns:ahyp="http://schemas.microsoft.com/office/drawing/2018/hyperlinkcolor" val="tx"/>
                     </a:ext>
                   </a:extLst>
                 </a:hlinkClick>
@@ -11049,13 +10887,6 @@
   <p:transition spd="slow">
     <p:cover/>
   </p:transition>
-  <p:timing>
-    <p:tnLst>
-      <p:par>
-        <p:cTn id="1" dur="indefinite" restart="never" nodeType="tmRoot"/>
-      </p:par>
-    </p:tnLst>
-  </p:timing>
 </p:sld>
 </file>
 
@@ -12044,6 +11875,83 @@
 </file>
 
 <file path=customXml/item1.xml><?xml version="1.0" encoding="utf-8"?>
+<?mso-contentType ?>
+<FormTemplates xmlns="http://schemas.microsoft.com/sharepoint/v3/contenttype/forms">
+  <Display>DocumentLibraryForm</Display>
+  <Edit>DocumentLibraryForm</Edit>
+  <New>DocumentLibraryForm</New>
+</FormTemplates>
+</file>
+
+<file path=customXml/item2.xml><?xml version="1.0" encoding="utf-8"?>
+<?mso-contentType ?>
+<customXsn xmlns="http://schemas.microsoft.com/office/2006/metadata/customXsn">
+  <xsnLocation/>
+  <cached>True</cached>
+  <openByDefault>True</openByDefault>
+  <xsnScope>/sites/hpc</xsnScope>
+</customXsn>
+</file>
+
+<file path=customXml/item3.xml><?xml version="1.0" encoding="utf-8"?>
+<?mso-contentType ?>
+<spe:Receivers xmlns:spe="http://schemas.microsoft.com/sharepoint/events">
+  <Receiver>
+    <Name>Document ID Generator</Name>
+    <Synchronization>Synchronous</Synchronization>
+    <Type>10001</Type>
+    <SequenceNumber>1000</SequenceNumber>
+    <Assembly>Microsoft.Office.DocumentManagement, Version=14.0.0.0, Culture=neutral, PublicKeyToken=71e9bce111e9429c</Assembly>
+    <Class>Microsoft.Office.DocumentManagement.Internal.DocIdHandler</Class>
+    <Data/>
+    <Filter/>
+  </Receiver>
+  <Receiver>
+    <Name>Document ID Generator</Name>
+    <Synchronization>Synchronous</Synchronization>
+    <Type>10002</Type>
+    <SequenceNumber>1001</SequenceNumber>
+    <Assembly>Microsoft.Office.DocumentManagement, Version=14.0.0.0, Culture=neutral, PublicKeyToken=71e9bce111e9429c</Assembly>
+    <Class>Microsoft.Office.DocumentManagement.Internal.DocIdHandler</Class>
+    <Data/>
+    <Filter/>
+  </Receiver>
+  <Receiver>
+    <Name>Document ID Generator</Name>
+    <Synchronization>Synchronous</Synchronization>
+    <Type>10004</Type>
+    <SequenceNumber>1002</SequenceNumber>
+    <Assembly>Microsoft.Office.DocumentManagement, Version=14.0.0.0, Culture=neutral, PublicKeyToken=71e9bce111e9429c</Assembly>
+    <Class>Microsoft.Office.DocumentManagement.Internal.DocIdHandler</Class>
+    <Data/>
+    <Filter/>
+  </Receiver>
+  <Receiver>
+    <Name>Document ID Generator</Name>
+    <Synchronization>Synchronous</Synchronization>
+    <Type>10006</Type>
+    <SequenceNumber>1003</SequenceNumber>
+    <Assembly>Microsoft.Office.DocumentManagement, Version=14.0.0.0, Culture=neutral, PublicKeyToken=71e9bce111e9429c</Assembly>
+    <Class>Microsoft.Office.DocumentManagement.Internal.DocIdHandler</Class>
+    <Data/>
+    <Filter/>
+  </Receiver>
+</spe:Receivers>
+</file>
+
+<file path=customXml/item4.xml><?xml version="1.0" encoding="utf-8"?>
+<p:properties xmlns:p="http://schemas.microsoft.com/office/2006/metadata/properties" xmlns:xsi="http://www.w3.org/2001/XMLSchema-instance" xmlns:pc="http://schemas.microsoft.com/office/infopath/2007/PartnerControls">
+  <documentManagement>
+    <_dlc_DocId xmlns="aff7d12c-bb71-4270-bd29-9c4d45ff3327">346bfafb-41a4-4705-9274-1725a8a4651c</_dlc_DocId>
+    <_dlc_DocIdUrl xmlns="aff7d12c-bb71-4270-bd29-9c4d45ff3327">
+      <Url>https://www.groupware.kuleuven.be/sites/hpc/_layouts/15/DocIdRedir.aspx?ID=346bfafb-41a4-4705-9274-1725a8a4651c</Url>
+      <Description>346bfafb-41a4-4705-9274-1725a8a4651c</Description>
+    </_dlc_DocIdUrl>
+  </documentManagement>
+</p:properties>
+</file>
+
+<file path=customXml/item5.xml><?xml version="1.0" encoding="utf-8"?>
 <ct:contentTypeSchema xmlns:ct="http://schemas.microsoft.com/office/2006/metadata/contentType" xmlns:ma="http://schemas.microsoft.com/office/2006/metadata/properties/metaAttributes" ct:_="" ma:_="" ma:contentTypeName="Document" ma:contentTypeID="0x010100317C36A1CAF973428CFB8DC9B5B73D030400A741C9874CC89F4CB7C7A5AE62CBCD36" ma:contentTypeVersion="2" ma:contentTypeDescription="" ma:contentTypeScope="" ma:versionID="2a5b37c1a06f9995b1548b8fc9b10188">
   <xsd:schema xmlns:xsd="http://www.w3.org/2001/XMLSchema" xmlns:xs="http://www.w3.org/2001/XMLSchema" xmlns:p="http://schemas.microsoft.com/office/2006/metadata/properties" xmlns:ns2="aff7d12c-bb71-4270-bd29-9c4d45ff3327" targetNamespace="http://schemas.microsoft.com/office/2006/metadata/properties" ma:root="true" ma:fieldsID="535495b15c0addd8af32a03863086e70" ns2:_="">
     <xsd:import namespace="aff7d12c-bb71-4270-bd29-9c4d45ff3327"/>
@@ -12188,84 +12096,47 @@
 </ct:contentTypeSchema>
 </file>
 
-<file path=customXml/item2.xml><?xml version="1.0" encoding="utf-8"?>
-<p:properties xmlns:p="http://schemas.microsoft.com/office/2006/metadata/properties" xmlns:xsi="http://www.w3.org/2001/XMLSchema-instance" xmlns:pc="http://schemas.microsoft.com/office/infopath/2007/PartnerControls">
-  <documentManagement>
-    <_dlc_DocId xmlns="aff7d12c-bb71-4270-bd29-9c4d45ff3327">346bfafb-41a4-4705-9274-1725a8a4651c</_dlc_DocId>
-    <_dlc_DocIdUrl xmlns="aff7d12c-bb71-4270-bd29-9c4d45ff3327">
-      <Url>https://www.groupware.kuleuven.be/sites/hpc/_layouts/15/DocIdRedir.aspx?ID=346bfafb-41a4-4705-9274-1725a8a4651c</Url>
-      <Description>346bfafb-41a4-4705-9274-1725a8a4651c</Description>
-    </_dlc_DocIdUrl>
-  </documentManagement>
-</p:properties>
+<file path=customXml/itemProps1.xml><?xml version="1.0" encoding="utf-8"?>
+<ds:datastoreItem xmlns:ds="http://schemas.openxmlformats.org/officeDocument/2006/customXml" ds:itemID="{564EE3F2-D13D-4835-816B-74B5A421851B}">
+  <ds:schemaRefs>
+    <ds:schemaRef ds:uri="http://schemas.microsoft.com/sharepoint/v3/contenttype/forms"/>
+  </ds:schemaRefs>
+</ds:datastoreItem>
 </file>
 
-<file path=customXml/item3.xml><?xml version="1.0" encoding="utf-8"?>
-<?mso-contentType ?>
-<spe:Receivers xmlns:spe="http://schemas.microsoft.com/sharepoint/events">
-  <Receiver>
-    <Name>Document ID Generator</Name>
-    <Synchronization>Synchronous</Synchronization>
-    <Type>10001</Type>
-    <SequenceNumber>1000</SequenceNumber>
-    <Assembly>Microsoft.Office.DocumentManagement, Version=14.0.0.0, Culture=neutral, PublicKeyToken=71e9bce111e9429c</Assembly>
-    <Class>Microsoft.Office.DocumentManagement.Internal.DocIdHandler</Class>
-    <Data/>
-    <Filter/>
-  </Receiver>
-  <Receiver>
-    <Name>Document ID Generator</Name>
-    <Synchronization>Synchronous</Synchronization>
-    <Type>10002</Type>
-    <SequenceNumber>1001</SequenceNumber>
-    <Assembly>Microsoft.Office.DocumentManagement, Version=14.0.0.0, Culture=neutral, PublicKeyToken=71e9bce111e9429c</Assembly>
-    <Class>Microsoft.Office.DocumentManagement.Internal.DocIdHandler</Class>
-    <Data/>
-    <Filter/>
-  </Receiver>
-  <Receiver>
-    <Name>Document ID Generator</Name>
-    <Synchronization>Synchronous</Synchronization>
-    <Type>10004</Type>
-    <SequenceNumber>1002</SequenceNumber>
-    <Assembly>Microsoft.Office.DocumentManagement, Version=14.0.0.0, Culture=neutral, PublicKeyToken=71e9bce111e9429c</Assembly>
-    <Class>Microsoft.Office.DocumentManagement.Internal.DocIdHandler</Class>
-    <Data/>
-    <Filter/>
-  </Receiver>
-  <Receiver>
-    <Name>Document ID Generator</Name>
-    <Synchronization>Synchronous</Synchronization>
-    <Type>10006</Type>
-    <SequenceNumber>1003</SequenceNumber>
-    <Assembly>Microsoft.Office.DocumentManagement, Version=14.0.0.0, Culture=neutral, PublicKeyToken=71e9bce111e9429c</Assembly>
-    <Class>Microsoft.Office.DocumentManagement.Internal.DocIdHandler</Class>
-    <Data/>
-    <Filter/>
-  </Receiver>
-</spe:Receivers>
+<file path=customXml/itemProps2.xml><?xml version="1.0" encoding="utf-8"?>
+<ds:datastoreItem xmlns:ds="http://schemas.openxmlformats.org/officeDocument/2006/customXml" ds:itemID="{F0EF99C1-AFFA-4072-A3F6-6A9C90E28E63}">
+  <ds:schemaRefs>
+    <ds:schemaRef ds:uri="http://schemas.microsoft.com/office/2006/metadata/customXsn"/>
+  </ds:schemaRefs>
+</ds:datastoreItem>
 </file>
 
-<file path=customXml/item4.xml><?xml version="1.0" encoding="utf-8"?>
-<?mso-contentType ?>
-<customXsn xmlns="http://schemas.microsoft.com/office/2006/metadata/customXsn">
-  <xsnLocation/>
-  <cached>True</cached>
-  <openByDefault>True</openByDefault>
-  <xsnScope>/sites/hpc</xsnScope>
-</customXsn>
+<file path=customXml/itemProps3.xml><?xml version="1.0" encoding="utf-8"?>
+<ds:datastoreItem xmlns:ds="http://schemas.openxmlformats.org/officeDocument/2006/customXml" ds:itemID="{7732E273-8A47-4E01-AC36-8FF8A6317757}">
+  <ds:schemaRefs>
+    <ds:schemaRef ds:uri="http://schemas.microsoft.com/sharepoint/events"/>
+  </ds:schemaRefs>
+</ds:datastoreItem>
 </file>
 
-<file path=customXml/item5.xml><?xml version="1.0" encoding="utf-8"?>
-<?mso-contentType ?>
-<FormTemplates xmlns="http://schemas.microsoft.com/sharepoint/v3/contenttype/forms">
-  <Display>DocumentLibraryForm</Display>
-  <Edit>DocumentLibraryForm</Edit>
-  <New>DocumentLibraryForm</New>
-</FormTemplates>
+<file path=customXml/itemProps4.xml><?xml version="1.0" encoding="utf-8"?>
+<ds:datastoreItem xmlns:ds="http://schemas.openxmlformats.org/officeDocument/2006/customXml" ds:itemID="{F0D56244-60B2-41FD-96AD-7AC25F221D7C}">
+  <ds:schemaRefs>
+    <ds:schemaRef ds:uri="http://schemas.microsoft.com/office/2006/documentManagement/types"/>
+    <ds:schemaRef ds:uri="http://purl.org/dc/terms/"/>
+    <ds:schemaRef ds:uri="aff7d12c-bb71-4270-bd29-9c4d45ff3327"/>
+    <ds:schemaRef ds:uri="http://purl.org/dc/dcmitype/"/>
+    <ds:schemaRef ds:uri="http://schemas.microsoft.com/office/infopath/2007/PartnerControls"/>
+    <ds:schemaRef ds:uri="http://purl.org/dc/elements/1.1/"/>
+    <ds:schemaRef ds:uri="http://schemas.microsoft.com/office/2006/metadata/properties"/>
+    <ds:schemaRef ds:uri="http://schemas.openxmlformats.org/package/2006/metadata/core-properties"/>
+    <ds:schemaRef ds:uri="http://www.w3.org/XML/1998/namespace"/>
+  </ds:schemaRefs>
+</ds:datastoreItem>
 </file>
 
-<file path=customXml/itemProps1.xml><?xml version="1.0" encoding="utf-8"?>
+<file path=customXml/itemProps5.xml><?xml version="1.0" encoding="utf-8"?>
 <ds:datastoreItem xmlns:ds="http://schemas.openxmlformats.org/officeDocument/2006/customXml" ds:itemID="{5D5B35C9-35F5-4278-990B-48710415D639}">
   <ds:schemaRefs>
     <ds:schemaRef ds:uri="http://schemas.microsoft.com/office/2006/metadata/contentType"/>
@@ -12281,44 +12152,4 @@
     <ds:schemaRef ds:uri="http://schemas.microsoft.com/internal/obd"/>
   </ds:schemaRefs>
 </ds:datastoreItem>
-</file>
-
-<file path=customXml/itemProps2.xml><?xml version="1.0" encoding="utf-8"?>
-<ds:datastoreItem xmlns:ds="http://schemas.openxmlformats.org/officeDocument/2006/customXml" ds:itemID="{F0D56244-60B2-41FD-96AD-7AC25F221D7C}">
-  <ds:schemaRefs>
-    <ds:schemaRef ds:uri="http://schemas.microsoft.com/office/2006/documentManagement/types"/>
-    <ds:schemaRef ds:uri="http://purl.org/dc/terms/"/>
-    <ds:schemaRef ds:uri="aff7d12c-bb71-4270-bd29-9c4d45ff3327"/>
-    <ds:schemaRef ds:uri="http://purl.org/dc/dcmitype/"/>
-    <ds:schemaRef ds:uri="http://schemas.microsoft.com/office/infopath/2007/PartnerControls"/>
-    <ds:schemaRef ds:uri="http://purl.org/dc/elements/1.1/"/>
-    <ds:schemaRef ds:uri="http://schemas.microsoft.com/office/2006/metadata/properties"/>
-    <ds:schemaRef ds:uri="http://schemas.openxmlformats.org/package/2006/metadata/core-properties"/>
-    <ds:schemaRef ds:uri="http://www.w3.org/XML/1998/namespace"/>
-  </ds:schemaRefs>
-</ds:datastoreItem>
-</file>
-
-<file path=customXml/itemProps3.xml><?xml version="1.0" encoding="utf-8"?>
-<ds:datastoreItem xmlns:ds="http://schemas.openxmlformats.org/officeDocument/2006/customXml" ds:itemID="{7732E273-8A47-4E01-AC36-8FF8A6317757}">
-  <ds:schemaRefs>
-    <ds:schemaRef ds:uri="http://schemas.microsoft.com/sharepoint/events"/>
-  </ds:schemaRefs>
-</ds:datastoreItem>
-</file>
-
-<file path=customXml/itemProps4.xml><?xml version="1.0" encoding="utf-8"?>
-<ds:datastoreItem xmlns:ds="http://schemas.openxmlformats.org/officeDocument/2006/customXml" ds:itemID="{F0EF99C1-AFFA-4072-A3F6-6A9C90E28E63}">
-  <ds:schemaRefs>
-    <ds:schemaRef ds:uri="http://schemas.microsoft.com/office/2006/metadata/customXsn"/>
-  </ds:schemaRefs>
-</ds:datastoreItem>
-</file>
-
-<file path=customXml/itemProps5.xml><?xml version="1.0" encoding="utf-8"?>
-<ds:datastoreItem xmlns:ds="http://schemas.openxmlformats.org/officeDocument/2006/customXml" ds:itemID="{564EE3F2-D13D-4835-816B-74B5A421851B}">
-  <ds:schemaRefs>
-    <ds:schemaRef ds:uri="http://schemas.microsoft.com/sharepoint/v3/contenttype/forms"/>
-  </ds:schemaRefs>
-</ds:datastoreItem>
 </file>